--- a/Presentations/frew_approved_block_diagrams.pptx
+++ b/Presentations/frew_approved_block_diagrams.pptx
@@ -5,12 +5,14 @@
     <p:sldMasterId id="2147483648" r:id="rId1"/>
   </p:sldMasterIdLst>
   <p:notesMasterIdLst>
-    <p:notesMasterId r:id="rId5"/>
+    <p:notesMasterId r:id="rId7"/>
   </p:notesMasterIdLst>
   <p:sldIdLst>
     <p:sldId id="256" r:id="rId2"/>
-    <p:sldId id="257" r:id="rId3"/>
-    <p:sldId id="258" r:id="rId4"/>
+    <p:sldId id="259" r:id="rId3"/>
+    <p:sldId id="260" r:id="rId4"/>
+    <p:sldId id="257" r:id="rId5"/>
+    <p:sldId id="258" r:id="rId6"/>
   </p:sldIdLst>
   <p:sldSz cx="9144000" cy="6858000" type="screen4x3"/>
   <p:notesSz cx="6858000" cy="9144000"/>
@@ -194,7 +196,7 @@
           <a:p>
             <a:fld id="{4A080564-0BB4-C74D-B7AF-329E8F37804D}" type="datetimeFigureOut">
               <a:rPr lang="en-US" smtClean="0"/>
-              <a:t>11/7/15</a:t>
+              <a:t>11/10/2015</a:t>
             </a:fld>
             <a:endParaRPr lang="en-US"/>
           </a:p>
@@ -546,6 +548,174 @@
 </p:notes>
 </file>
 
+<file path=ppt/notesSlides/notesSlide2.xml><?xml version="1.0" encoding="utf-8"?>
+<p:notes xmlns:a="http://schemas.openxmlformats.org/drawingml/2006/main" xmlns:r="http://schemas.openxmlformats.org/officeDocument/2006/relationships" xmlns:p="http://schemas.openxmlformats.org/presentationml/2006/main">
+  <p:cSld>
+    <p:spTree>
+      <p:nvGrpSpPr>
+        <p:cNvPr id="1" name=""/>
+        <p:cNvGrpSpPr/>
+        <p:nvPr/>
+      </p:nvGrpSpPr>
+      <p:grpSpPr>
+        <a:xfrm>
+          <a:off x="0" y="0"/>
+          <a:ext cx="0" cy="0"/>
+          <a:chOff x="0" y="0"/>
+          <a:chExt cx="0" cy="0"/>
+        </a:xfrm>
+      </p:grpSpPr>
+      <p:sp>
+        <p:nvSpPr>
+          <p:cNvPr id="2" name="Slide Image Placeholder 1"/>
+          <p:cNvSpPr>
+            <a:spLocks noGrp="1" noRot="1" noChangeAspect="1"/>
+          </p:cNvSpPr>
+          <p:nvPr>
+            <p:ph type="sldImg"/>
+          </p:nvPr>
+        </p:nvSpPr>
+        <p:spPr/>
+      </p:sp>
+      <p:sp>
+        <p:nvSpPr>
+          <p:cNvPr id="3" name="Notes Placeholder 2"/>
+          <p:cNvSpPr>
+            <a:spLocks noGrp="1"/>
+          </p:cNvSpPr>
+          <p:nvPr>
+            <p:ph type="body" idx="1"/>
+          </p:nvPr>
+        </p:nvSpPr>
+        <p:spPr/>
+        <p:txBody>
+          <a:bodyPr/>
+          <a:lstStyle/>
+          <a:p>
+            <a:endParaRPr lang="en-US" dirty="0"/>
+          </a:p>
+        </p:txBody>
+      </p:sp>
+      <p:sp>
+        <p:nvSpPr>
+          <p:cNvPr id="4" name="Slide Number Placeholder 3"/>
+          <p:cNvSpPr>
+            <a:spLocks noGrp="1"/>
+          </p:cNvSpPr>
+          <p:nvPr>
+            <p:ph type="sldNum" sz="quarter" idx="10"/>
+          </p:nvPr>
+        </p:nvSpPr>
+        <p:spPr/>
+        <p:txBody>
+          <a:bodyPr/>
+          <a:lstStyle/>
+          <a:p>
+            <a:fld id="{AE696668-2D84-D049-975E-56DF7165F08D}" type="slidenum">
+              <a:rPr lang="en-US" smtClean="0"/>
+              <a:t>2</a:t>
+            </a:fld>
+            <a:endParaRPr lang="en-US"/>
+          </a:p>
+        </p:txBody>
+      </p:sp>
+    </p:spTree>
+    <p:extLst>
+      <p:ext uri="{BB962C8B-B14F-4D97-AF65-F5344CB8AC3E}">
+        <p14:creationId xmlns:p14="http://schemas.microsoft.com/office/powerpoint/2010/main" val="3718922238"/>
+      </p:ext>
+    </p:extLst>
+  </p:cSld>
+  <p:clrMapOvr>
+    <a:masterClrMapping/>
+  </p:clrMapOvr>
+</p:notes>
+</file>
+
+<file path=ppt/notesSlides/notesSlide3.xml><?xml version="1.0" encoding="utf-8"?>
+<p:notes xmlns:a="http://schemas.openxmlformats.org/drawingml/2006/main" xmlns:r="http://schemas.openxmlformats.org/officeDocument/2006/relationships" xmlns:p="http://schemas.openxmlformats.org/presentationml/2006/main">
+  <p:cSld>
+    <p:spTree>
+      <p:nvGrpSpPr>
+        <p:cNvPr id="1" name=""/>
+        <p:cNvGrpSpPr/>
+        <p:nvPr/>
+      </p:nvGrpSpPr>
+      <p:grpSpPr>
+        <a:xfrm>
+          <a:off x="0" y="0"/>
+          <a:ext cx="0" cy="0"/>
+          <a:chOff x="0" y="0"/>
+          <a:chExt cx="0" cy="0"/>
+        </a:xfrm>
+      </p:grpSpPr>
+      <p:sp>
+        <p:nvSpPr>
+          <p:cNvPr id="2" name="Slide Image Placeholder 1"/>
+          <p:cNvSpPr>
+            <a:spLocks noGrp="1" noRot="1" noChangeAspect="1"/>
+          </p:cNvSpPr>
+          <p:nvPr>
+            <p:ph type="sldImg"/>
+          </p:nvPr>
+        </p:nvSpPr>
+        <p:spPr/>
+      </p:sp>
+      <p:sp>
+        <p:nvSpPr>
+          <p:cNvPr id="3" name="Notes Placeholder 2"/>
+          <p:cNvSpPr>
+            <a:spLocks noGrp="1"/>
+          </p:cNvSpPr>
+          <p:nvPr>
+            <p:ph type="body" idx="1"/>
+          </p:nvPr>
+        </p:nvSpPr>
+        <p:spPr/>
+        <p:txBody>
+          <a:bodyPr/>
+          <a:lstStyle/>
+          <a:p>
+            <a:endParaRPr lang="en-US" dirty="0"/>
+          </a:p>
+        </p:txBody>
+      </p:sp>
+      <p:sp>
+        <p:nvSpPr>
+          <p:cNvPr id="4" name="Slide Number Placeholder 3"/>
+          <p:cNvSpPr>
+            <a:spLocks noGrp="1"/>
+          </p:cNvSpPr>
+          <p:nvPr>
+            <p:ph type="sldNum" sz="quarter" idx="10"/>
+          </p:nvPr>
+        </p:nvSpPr>
+        <p:spPr/>
+        <p:txBody>
+          <a:bodyPr/>
+          <a:lstStyle/>
+          <a:p>
+            <a:fld id="{AE696668-2D84-D049-975E-56DF7165F08D}" type="slidenum">
+              <a:rPr lang="en-US" smtClean="0"/>
+              <a:t>3</a:t>
+            </a:fld>
+            <a:endParaRPr lang="en-US"/>
+          </a:p>
+        </p:txBody>
+      </p:sp>
+    </p:spTree>
+    <p:extLst>
+      <p:ext uri="{BB962C8B-B14F-4D97-AF65-F5344CB8AC3E}">
+        <p14:creationId xmlns:p14="http://schemas.microsoft.com/office/powerpoint/2010/main" val="3718922238"/>
+      </p:ext>
+    </p:extLst>
+  </p:cSld>
+  <p:clrMapOvr>
+    <a:masterClrMapping/>
+  </p:clrMapOvr>
+</p:notes>
+</file>
+
 <file path=ppt/slideLayouts/slideLayout1.xml><?xml version="1.0" encoding="utf-8"?>
 <p:sldLayout xmlns:a="http://schemas.openxmlformats.org/drawingml/2006/main" xmlns:r="http://schemas.openxmlformats.org/officeDocument/2006/relationships" xmlns:p="http://schemas.openxmlformats.org/presentationml/2006/main" type="title" preserve="1">
   <p:cSld name="Title Slide">
@@ -727,7 +897,7 @@
           <a:p>
             <a:fld id="{3BBED690-81D0-0D43-8915-1586A19F50EB}" type="datetimeFigureOut">
               <a:rPr lang="en-US" smtClean="0"/>
-              <a:t>11/7/15</a:t>
+              <a:t>11/10/2015</a:t>
             </a:fld>
             <a:endParaRPr lang="en-US"/>
           </a:p>
@@ -897,7 +1067,7 @@
           <a:p>
             <a:fld id="{3BBED690-81D0-0D43-8915-1586A19F50EB}" type="datetimeFigureOut">
               <a:rPr lang="en-US" smtClean="0"/>
-              <a:t>11/7/15</a:t>
+              <a:t>11/10/2015</a:t>
             </a:fld>
             <a:endParaRPr lang="en-US"/>
           </a:p>
@@ -1077,7 +1247,7 @@
           <a:p>
             <a:fld id="{3BBED690-81D0-0D43-8915-1586A19F50EB}" type="datetimeFigureOut">
               <a:rPr lang="en-US" smtClean="0"/>
-              <a:t>11/7/15</a:t>
+              <a:t>11/10/2015</a:t>
             </a:fld>
             <a:endParaRPr lang="en-US"/>
           </a:p>
@@ -1247,7 +1417,7 @@
           <a:p>
             <a:fld id="{3BBED690-81D0-0D43-8915-1586A19F50EB}" type="datetimeFigureOut">
               <a:rPr lang="en-US" smtClean="0"/>
-              <a:t>11/7/15</a:t>
+              <a:t>11/10/2015</a:t>
             </a:fld>
             <a:endParaRPr lang="en-US"/>
           </a:p>
@@ -1493,7 +1663,7 @@
           <a:p>
             <a:fld id="{3BBED690-81D0-0D43-8915-1586A19F50EB}" type="datetimeFigureOut">
               <a:rPr lang="en-US" smtClean="0"/>
-              <a:t>11/7/15</a:t>
+              <a:t>11/10/2015</a:t>
             </a:fld>
             <a:endParaRPr lang="en-US"/>
           </a:p>
@@ -1781,7 +1951,7 @@
           <a:p>
             <a:fld id="{3BBED690-81D0-0D43-8915-1586A19F50EB}" type="datetimeFigureOut">
               <a:rPr lang="en-US" smtClean="0"/>
-              <a:t>11/7/15</a:t>
+              <a:t>11/10/2015</a:t>
             </a:fld>
             <a:endParaRPr lang="en-US"/>
           </a:p>
@@ -2203,7 +2373,7 @@
           <a:p>
             <a:fld id="{3BBED690-81D0-0D43-8915-1586A19F50EB}" type="datetimeFigureOut">
               <a:rPr lang="en-US" smtClean="0"/>
-              <a:t>11/7/15</a:t>
+              <a:t>11/10/2015</a:t>
             </a:fld>
             <a:endParaRPr lang="en-US"/>
           </a:p>
@@ -2321,7 +2491,7 @@
           <a:p>
             <a:fld id="{3BBED690-81D0-0D43-8915-1586A19F50EB}" type="datetimeFigureOut">
               <a:rPr lang="en-US" smtClean="0"/>
-              <a:t>11/7/15</a:t>
+              <a:t>11/10/2015</a:t>
             </a:fld>
             <a:endParaRPr lang="en-US"/>
           </a:p>
@@ -2416,7 +2586,7 @@
           <a:p>
             <a:fld id="{3BBED690-81D0-0D43-8915-1586A19F50EB}" type="datetimeFigureOut">
               <a:rPr lang="en-US" smtClean="0"/>
-              <a:t>11/7/15</a:t>
+              <a:t>11/10/2015</a:t>
             </a:fld>
             <a:endParaRPr lang="en-US"/>
           </a:p>
@@ -2693,7 +2863,7 @@
           <a:p>
             <a:fld id="{3BBED690-81D0-0D43-8915-1586A19F50EB}" type="datetimeFigureOut">
               <a:rPr lang="en-US" smtClean="0"/>
-              <a:t>11/7/15</a:t>
+              <a:t>11/10/2015</a:t>
             </a:fld>
             <a:endParaRPr lang="en-US"/>
           </a:p>
@@ -2946,7 +3116,7 @@
           <a:p>
             <a:fld id="{3BBED690-81D0-0D43-8915-1586A19F50EB}" type="datetimeFigureOut">
               <a:rPr lang="en-US" smtClean="0"/>
-              <a:t>11/7/15</a:t>
+              <a:t>11/10/2015</a:t>
             </a:fld>
             <a:endParaRPr lang="en-US"/>
           </a:p>
@@ -3159,7 +3329,7 @@
           <a:p>
             <a:fld id="{3BBED690-81D0-0D43-8915-1586A19F50EB}" type="datetimeFigureOut">
               <a:rPr lang="en-US" smtClean="0"/>
-              <a:t>11/7/15</a:t>
+              <a:t>11/10/2015</a:t>
             </a:fld>
             <a:endParaRPr lang="en-US"/>
           </a:p>
@@ -7854,11 +8024,6 @@
               </a:rPr>
               <a:t>ROS Topic</a:t>
             </a:r>
-            <a:endParaRPr lang="en-US" sz="1200" dirty="0" smtClean="0">
-              <a:solidFill>
-                <a:schemeClr val="tx1"/>
-              </a:solidFill>
-            </a:endParaRPr>
           </a:p>
         </p:txBody>
       </p:sp>
@@ -7989,7 +8154,7 @@
   <p:timing>
     <p:tnLst>
       <p:par>
-        <p:cTn xmlns:p14="http://schemas.microsoft.com/office/powerpoint/2010/main" id="1" dur="indefinite" restart="never" nodeType="tmRoot"/>
+        <p:cTn id="1" dur="indefinite" restart="never" nodeType="tmRoot"/>
       </p:par>
     </p:tnLst>
   </p:timing>
@@ -7997,6 +8162,2311 @@
 </file>
 
 <file path=ppt/slides/slide2.xml><?xml version="1.0" encoding="utf-8"?>
+<p:sld xmlns:a="http://schemas.openxmlformats.org/drawingml/2006/main" xmlns:r="http://schemas.openxmlformats.org/officeDocument/2006/relationships" xmlns:p="http://schemas.openxmlformats.org/presentationml/2006/main">
+  <p:cSld>
+    <p:spTree>
+      <p:nvGrpSpPr>
+        <p:cNvPr id="1" name=""/>
+        <p:cNvGrpSpPr/>
+        <p:nvPr/>
+      </p:nvGrpSpPr>
+      <p:grpSpPr>
+        <a:xfrm>
+          <a:off x="0" y="0"/>
+          <a:ext cx="0" cy="0"/>
+          <a:chOff x="0" y="0"/>
+          <a:chExt cx="0" cy="0"/>
+        </a:xfrm>
+      </p:grpSpPr>
+      <p:sp>
+        <p:nvSpPr>
+          <p:cNvPr id="11" name="Rounded Rectangle 10"/>
+          <p:cNvSpPr/>
+          <p:nvPr/>
+        </p:nvSpPr>
+        <p:spPr>
+          <a:xfrm>
+            <a:off x="2028231" y="2752959"/>
+            <a:ext cx="1431655" cy="494259"/>
+          </a:xfrm>
+          <a:prstGeom prst="roundRect">
+            <a:avLst/>
+          </a:prstGeom>
+          <a:solidFill>
+            <a:schemeClr val="bg1">
+              <a:lumMod val="75000"/>
+            </a:schemeClr>
+          </a:solidFill>
+          <a:ln w="19050">
+            <a:solidFill>
+              <a:schemeClr val="tx1"/>
+            </a:solidFill>
+          </a:ln>
+          <a:effectLst/>
+        </p:spPr>
+        <p:style>
+          <a:lnRef idx="1">
+            <a:schemeClr val="accent1"/>
+          </a:lnRef>
+          <a:fillRef idx="3">
+            <a:schemeClr val="accent1"/>
+          </a:fillRef>
+          <a:effectRef idx="2">
+            <a:schemeClr val="accent1"/>
+          </a:effectRef>
+          <a:fontRef idx="minor">
+            <a:schemeClr val="lt1"/>
+          </a:fontRef>
+        </p:style>
+        <p:txBody>
+          <a:bodyPr rtlCol="0" anchor="ctr"/>
+          <a:lstStyle/>
+          <a:p>
+            <a:pPr algn="ctr"/>
+            <a:r>
+              <a:rPr lang="en-US" dirty="0" err="1" smtClean="0">
+                <a:solidFill>
+                  <a:schemeClr val="tx1"/>
+                </a:solidFill>
+              </a:rPr>
+              <a:t>Pixhawk</a:t>
+            </a:r>
+            <a:endParaRPr lang="en-US" dirty="0">
+              <a:solidFill>
+                <a:schemeClr val="tx1"/>
+              </a:solidFill>
+            </a:endParaRPr>
+          </a:p>
+        </p:txBody>
+      </p:sp>
+      <p:sp>
+        <p:nvSpPr>
+          <p:cNvPr id="12" name="Rounded Rectangle 11"/>
+          <p:cNvSpPr/>
+          <p:nvPr/>
+        </p:nvSpPr>
+        <p:spPr>
+          <a:xfrm>
+            <a:off x="7387437" y="2192461"/>
+            <a:ext cx="1431655" cy="525373"/>
+          </a:xfrm>
+          <a:prstGeom prst="roundRect">
+            <a:avLst/>
+          </a:prstGeom>
+          <a:solidFill>
+            <a:schemeClr val="bg1">
+              <a:lumMod val="75000"/>
+            </a:schemeClr>
+          </a:solidFill>
+          <a:ln w="19050">
+            <a:solidFill>
+              <a:schemeClr val="tx1"/>
+            </a:solidFill>
+          </a:ln>
+          <a:effectLst/>
+        </p:spPr>
+        <p:style>
+          <a:lnRef idx="1">
+            <a:schemeClr val="accent1"/>
+          </a:lnRef>
+          <a:fillRef idx="3">
+            <a:schemeClr val="accent1"/>
+          </a:fillRef>
+          <a:effectRef idx="2">
+            <a:schemeClr val="accent1"/>
+          </a:effectRef>
+          <a:fontRef idx="minor">
+            <a:schemeClr val="lt1"/>
+          </a:fontRef>
+        </p:style>
+        <p:txBody>
+          <a:bodyPr rtlCol="0" anchor="ctr"/>
+          <a:lstStyle/>
+          <a:p>
+            <a:pPr algn="ctr"/>
+            <a:r>
+              <a:rPr lang="en-US" dirty="0" smtClean="0">
+                <a:solidFill>
+                  <a:schemeClr val="tx1"/>
+                </a:solidFill>
+              </a:rPr>
+              <a:t>Guidance</a:t>
+            </a:r>
+            <a:endParaRPr lang="en-US" dirty="0">
+              <a:solidFill>
+                <a:schemeClr val="tx1"/>
+              </a:solidFill>
+            </a:endParaRPr>
+          </a:p>
+        </p:txBody>
+      </p:sp>
+      <p:sp>
+        <p:nvSpPr>
+          <p:cNvPr id="14" name="Rounded Rectangle 13"/>
+          <p:cNvSpPr/>
+          <p:nvPr/>
+        </p:nvSpPr>
+        <p:spPr>
+          <a:xfrm>
+            <a:off x="5512201" y="5027763"/>
+            <a:ext cx="1431655" cy="525373"/>
+          </a:xfrm>
+          <a:prstGeom prst="roundRect">
+            <a:avLst/>
+          </a:prstGeom>
+          <a:solidFill>
+            <a:schemeClr val="bg1">
+              <a:lumMod val="75000"/>
+            </a:schemeClr>
+          </a:solidFill>
+          <a:ln w="19050">
+            <a:solidFill>
+              <a:schemeClr val="tx1"/>
+            </a:solidFill>
+          </a:ln>
+          <a:effectLst/>
+        </p:spPr>
+        <p:style>
+          <a:lnRef idx="1">
+            <a:schemeClr val="accent1"/>
+          </a:lnRef>
+          <a:fillRef idx="3">
+            <a:schemeClr val="accent1"/>
+          </a:fillRef>
+          <a:effectRef idx="2">
+            <a:schemeClr val="accent1"/>
+          </a:effectRef>
+          <a:fontRef idx="minor">
+            <a:schemeClr val="lt1"/>
+          </a:fontRef>
+        </p:style>
+        <p:txBody>
+          <a:bodyPr rtlCol="0" anchor="ctr"/>
+          <a:lstStyle/>
+          <a:p>
+            <a:pPr algn="ctr"/>
+            <a:r>
+              <a:rPr lang="en-US" dirty="0" smtClean="0">
+                <a:solidFill>
+                  <a:schemeClr val="tx1"/>
+                </a:solidFill>
+              </a:rPr>
+              <a:t>Motors</a:t>
+            </a:r>
+            <a:endParaRPr lang="en-US" dirty="0">
+              <a:solidFill>
+                <a:schemeClr val="tx1"/>
+              </a:solidFill>
+            </a:endParaRPr>
+          </a:p>
+        </p:txBody>
+      </p:sp>
+      <p:cxnSp>
+        <p:nvCxnSpPr>
+          <p:cNvPr id="44" name="Straight Arrow Connector 43"/>
+          <p:cNvCxnSpPr>
+            <a:stCxn id="91" idx="1"/>
+            <a:endCxn id="11" idx="3"/>
+          </p:cNvCxnSpPr>
+          <p:nvPr/>
+        </p:nvCxnSpPr>
+        <p:spPr>
+          <a:xfrm flipH="1" flipV="1">
+            <a:off x="3459886" y="3000089"/>
+            <a:ext cx="2052315" cy="1"/>
+          </a:xfrm>
+          <a:prstGeom prst="straightConnector1">
+            <a:avLst/>
+          </a:prstGeom>
+          <a:ln w="19050">
+            <a:solidFill>
+              <a:srgbClr val="00B050"/>
+            </a:solidFill>
+            <a:tailEnd type="triangle" w="lg" len="lg"/>
+          </a:ln>
+          <a:effectLst/>
+        </p:spPr>
+        <p:style>
+          <a:lnRef idx="2">
+            <a:schemeClr val="accent1"/>
+          </a:lnRef>
+          <a:fillRef idx="0">
+            <a:schemeClr val="accent1"/>
+          </a:fillRef>
+          <a:effectRef idx="1">
+            <a:schemeClr val="accent1"/>
+          </a:effectRef>
+          <a:fontRef idx="minor">
+            <a:schemeClr val="tx1"/>
+          </a:fontRef>
+        </p:style>
+      </p:cxnSp>
+      <p:sp>
+        <p:nvSpPr>
+          <p:cNvPr id="220" name="TextBox 219"/>
+          <p:cNvSpPr txBox="1"/>
+          <p:nvPr/>
+        </p:nvSpPr>
+        <p:spPr>
+          <a:xfrm>
+            <a:off x="6228025" y="2224652"/>
+            <a:ext cx="588623" cy="276999"/>
+          </a:xfrm>
+          <a:prstGeom prst="rect">
+            <a:avLst/>
+          </a:prstGeom>
+          <a:noFill/>
+        </p:spPr>
+        <p:txBody>
+          <a:bodyPr wrap="none" rtlCol="0">
+            <a:spAutoFit/>
+          </a:bodyPr>
+          <a:lstStyle/>
+          <a:p>
+            <a:r>
+              <a:rPr lang="en-US" sz="1200" b="1" dirty="0" smtClean="0"/>
+              <a:t>14.8 V</a:t>
+            </a:r>
+            <a:endParaRPr lang="en-US" sz="1200" b="1" dirty="0"/>
+          </a:p>
+        </p:txBody>
+      </p:sp>
+      <p:sp>
+        <p:nvSpPr>
+          <p:cNvPr id="86" name="Rounded Rectangle 85"/>
+          <p:cNvSpPr/>
+          <p:nvPr/>
+        </p:nvSpPr>
+        <p:spPr>
+          <a:xfrm>
+            <a:off x="5512200" y="1647520"/>
+            <a:ext cx="1431655" cy="525373"/>
+          </a:xfrm>
+          <a:prstGeom prst="roundRect">
+            <a:avLst/>
+          </a:prstGeom>
+          <a:solidFill>
+            <a:schemeClr val="accent2">
+              <a:lumMod val="40000"/>
+              <a:lumOff val="60000"/>
+            </a:schemeClr>
+          </a:solidFill>
+          <a:ln w="19050">
+            <a:solidFill>
+              <a:srgbClr val="C00000"/>
+            </a:solidFill>
+          </a:ln>
+          <a:effectLst/>
+        </p:spPr>
+        <p:style>
+          <a:lnRef idx="1">
+            <a:schemeClr val="accent1"/>
+          </a:lnRef>
+          <a:fillRef idx="3">
+            <a:schemeClr val="accent1"/>
+          </a:fillRef>
+          <a:effectRef idx="2">
+            <a:schemeClr val="accent1"/>
+          </a:effectRef>
+          <a:fontRef idx="minor">
+            <a:schemeClr val="lt1"/>
+          </a:fontRef>
+        </p:style>
+        <p:txBody>
+          <a:bodyPr rtlCol="0" anchor="ctr"/>
+          <a:lstStyle/>
+          <a:p>
+            <a:pPr algn="ctr"/>
+            <a:r>
+              <a:rPr lang="en-US" dirty="0" smtClean="0">
+                <a:solidFill>
+                  <a:schemeClr val="tx1"/>
+                </a:solidFill>
+              </a:rPr>
+              <a:t>Battery (14.8V)</a:t>
+            </a:r>
+            <a:endParaRPr lang="en-US" dirty="0">
+              <a:solidFill>
+                <a:schemeClr val="tx1"/>
+              </a:solidFill>
+            </a:endParaRPr>
+          </a:p>
+        </p:txBody>
+      </p:sp>
+      <p:sp>
+        <p:nvSpPr>
+          <p:cNvPr id="87" name="Rounded Rectangle 86"/>
+          <p:cNvSpPr/>
+          <p:nvPr/>
+        </p:nvSpPr>
+        <p:spPr>
+          <a:xfrm>
+            <a:off x="5512201" y="3966068"/>
+            <a:ext cx="1431655" cy="525373"/>
+          </a:xfrm>
+          <a:prstGeom prst="roundRect">
+            <a:avLst/>
+          </a:prstGeom>
+          <a:solidFill>
+            <a:schemeClr val="bg1">
+              <a:lumMod val="75000"/>
+            </a:schemeClr>
+          </a:solidFill>
+          <a:ln w="19050">
+            <a:solidFill>
+              <a:schemeClr val="tx1"/>
+            </a:solidFill>
+          </a:ln>
+          <a:effectLst/>
+        </p:spPr>
+        <p:style>
+          <a:lnRef idx="1">
+            <a:schemeClr val="accent1"/>
+          </a:lnRef>
+          <a:fillRef idx="3">
+            <a:schemeClr val="accent1"/>
+          </a:fillRef>
+          <a:effectRef idx="2">
+            <a:schemeClr val="accent1"/>
+          </a:effectRef>
+          <a:fontRef idx="minor">
+            <a:schemeClr val="lt1"/>
+          </a:fontRef>
+        </p:style>
+        <p:txBody>
+          <a:bodyPr rtlCol="0" anchor="ctr"/>
+          <a:lstStyle/>
+          <a:p>
+            <a:pPr algn="ctr"/>
+            <a:r>
+              <a:rPr lang="en-US" dirty="0" smtClean="0">
+                <a:solidFill>
+                  <a:schemeClr val="tx1"/>
+                </a:solidFill>
+              </a:rPr>
+              <a:t>ESC</a:t>
+            </a:r>
+            <a:endParaRPr lang="en-US" dirty="0">
+              <a:solidFill>
+                <a:schemeClr val="tx1"/>
+              </a:solidFill>
+            </a:endParaRPr>
+          </a:p>
+        </p:txBody>
+      </p:sp>
+      <p:sp>
+        <p:nvSpPr>
+          <p:cNvPr id="88" name="Rounded Rectangle 87"/>
+          <p:cNvSpPr/>
+          <p:nvPr/>
+        </p:nvSpPr>
+        <p:spPr>
+          <a:xfrm>
+            <a:off x="2028231" y="1647521"/>
+            <a:ext cx="1431655" cy="525373"/>
+          </a:xfrm>
+          <a:prstGeom prst="roundRect">
+            <a:avLst/>
+          </a:prstGeom>
+          <a:solidFill>
+            <a:schemeClr val="bg1">
+              <a:lumMod val="75000"/>
+            </a:schemeClr>
+          </a:solidFill>
+          <a:ln w="19050">
+            <a:solidFill>
+              <a:schemeClr val="tx1"/>
+            </a:solidFill>
+          </a:ln>
+          <a:effectLst/>
+        </p:spPr>
+        <p:style>
+          <a:lnRef idx="1">
+            <a:schemeClr val="accent1"/>
+          </a:lnRef>
+          <a:fillRef idx="3">
+            <a:schemeClr val="accent1"/>
+          </a:fillRef>
+          <a:effectRef idx="2">
+            <a:schemeClr val="accent1"/>
+          </a:effectRef>
+          <a:fontRef idx="minor">
+            <a:schemeClr val="lt1"/>
+          </a:fontRef>
+        </p:style>
+        <p:txBody>
+          <a:bodyPr rtlCol="0" anchor="ctr"/>
+          <a:lstStyle/>
+          <a:p>
+            <a:pPr algn="ctr"/>
+            <a:r>
+              <a:rPr lang="en-US" dirty="0" smtClean="0">
+                <a:solidFill>
+                  <a:schemeClr val="tx1"/>
+                </a:solidFill>
+              </a:rPr>
+              <a:t>ODROID</a:t>
+            </a:r>
+            <a:endParaRPr lang="en-US" dirty="0">
+              <a:solidFill>
+                <a:schemeClr val="tx1"/>
+              </a:solidFill>
+            </a:endParaRPr>
+          </a:p>
+        </p:txBody>
+      </p:sp>
+      <p:sp>
+        <p:nvSpPr>
+          <p:cNvPr id="89" name="Rounded Rectangle 88"/>
+          <p:cNvSpPr/>
+          <p:nvPr/>
+        </p:nvSpPr>
+        <p:spPr>
+          <a:xfrm>
+            <a:off x="2028231" y="633979"/>
+            <a:ext cx="1431655" cy="525373"/>
+          </a:xfrm>
+          <a:prstGeom prst="roundRect">
+            <a:avLst/>
+          </a:prstGeom>
+          <a:solidFill>
+            <a:schemeClr val="bg1">
+              <a:lumMod val="75000"/>
+            </a:schemeClr>
+          </a:solidFill>
+          <a:ln w="19050">
+            <a:solidFill>
+              <a:schemeClr val="tx1"/>
+            </a:solidFill>
+          </a:ln>
+          <a:effectLst/>
+        </p:spPr>
+        <p:style>
+          <a:lnRef idx="1">
+            <a:schemeClr val="accent1"/>
+          </a:lnRef>
+          <a:fillRef idx="3">
+            <a:schemeClr val="accent1"/>
+          </a:fillRef>
+          <a:effectRef idx="2">
+            <a:schemeClr val="accent1"/>
+          </a:effectRef>
+          <a:fontRef idx="minor">
+            <a:schemeClr val="lt1"/>
+          </a:fontRef>
+        </p:style>
+        <p:txBody>
+          <a:bodyPr rtlCol="0" anchor="ctr"/>
+          <a:lstStyle/>
+          <a:p>
+            <a:pPr algn="ctr"/>
+            <a:r>
+              <a:rPr lang="en-US" dirty="0" err="1" smtClean="0">
+                <a:solidFill>
+                  <a:schemeClr val="tx1"/>
+                </a:solidFill>
+              </a:rPr>
+              <a:t>FLiR</a:t>
+            </a:r>
+            <a:endParaRPr lang="en-US" dirty="0">
+              <a:solidFill>
+                <a:schemeClr val="tx1"/>
+              </a:solidFill>
+            </a:endParaRPr>
+          </a:p>
+        </p:txBody>
+      </p:sp>
+      <p:sp>
+        <p:nvSpPr>
+          <p:cNvPr id="90" name="Rounded Rectangle 89"/>
+          <p:cNvSpPr/>
+          <p:nvPr/>
+        </p:nvSpPr>
+        <p:spPr>
+          <a:xfrm>
+            <a:off x="2028230" y="3964199"/>
+            <a:ext cx="1431655" cy="525373"/>
+          </a:xfrm>
+          <a:prstGeom prst="roundRect">
+            <a:avLst/>
+          </a:prstGeom>
+          <a:solidFill>
+            <a:schemeClr val="bg1">
+              <a:lumMod val="75000"/>
+            </a:schemeClr>
+          </a:solidFill>
+          <a:ln w="19050">
+            <a:solidFill>
+              <a:schemeClr val="tx1"/>
+            </a:solidFill>
+          </a:ln>
+          <a:effectLst/>
+        </p:spPr>
+        <p:style>
+          <a:lnRef idx="1">
+            <a:schemeClr val="accent1"/>
+          </a:lnRef>
+          <a:fillRef idx="3">
+            <a:schemeClr val="accent1"/>
+          </a:fillRef>
+          <a:effectRef idx="2">
+            <a:schemeClr val="accent1"/>
+          </a:effectRef>
+          <a:fontRef idx="minor">
+            <a:schemeClr val="lt1"/>
+          </a:fontRef>
+        </p:style>
+        <p:txBody>
+          <a:bodyPr rtlCol="0" anchor="ctr"/>
+          <a:lstStyle/>
+          <a:p>
+            <a:pPr algn="ctr"/>
+            <a:r>
+              <a:rPr lang="en-US" dirty="0" smtClean="0">
+                <a:solidFill>
+                  <a:schemeClr val="tx1"/>
+                </a:solidFill>
+              </a:rPr>
+              <a:t>Radio Receiver</a:t>
+            </a:r>
+            <a:endParaRPr lang="en-US" dirty="0">
+              <a:solidFill>
+                <a:schemeClr val="tx1"/>
+              </a:solidFill>
+            </a:endParaRPr>
+          </a:p>
+        </p:txBody>
+      </p:sp>
+      <p:sp>
+        <p:nvSpPr>
+          <p:cNvPr id="91" name="Rounded Rectangle 90"/>
+          <p:cNvSpPr/>
+          <p:nvPr/>
+        </p:nvSpPr>
+        <p:spPr>
+          <a:xfrm>
+            <a:off x="5512201" y="2737403"/>
+            <a:ext cx="1431655" cy="525373"/>
+          </a:xfrm>
+          <a:prstGeom prst="roundRect">
+            <a:avLst/>
+          </a:prstGeom>
+          <a:solidFill>
+            <a:schemeClr val="accent6">
+              <a:lumMod val="40000"/>
+              <a:lumOff val="60000"/>
+            </a:schemeClr>
+          </a:solidFill>
+          <a:ln w="19050">
+            <a:solidFill>
+              <a:schemeClr val="accent6">
+                <a:lumMod val="75000"/>
+              </a:schemeClr>
+            </a:solidFill>
+          </a:ln>
+          <a:effectLst/>
+        </p:spPr>
+        <p:style>
+          <a:lnRef idx="1">
+            <a:schemeClr val="accent1"/>
+          </a:lnRef>
+          <a:fillRef idx="3">
+            <a:schemeClr val="accent1"/>
+          </a:fillRef>
+          <a:effectRef idx="2">
+            <a:schemeClr val="accent1"/>
+          </a:effectRef>
+          <a:fontRef idx="minor">
+            <a:schemeClr val="lt1"/>
+          </a:fontRef>
+        </p:style>
+        <p:txBody>
+          <a:bodyPr rtlCol="0" anchor="ctr"/>
+          <a:lstStyle/>
+          <a:p>
+            <a:pPr algn="ctr"/>
+            <a:r>
+              <a:rPr lang="en-US" dirty="0" smtClean="0">
+                <a:solidFill>
+                  <a:schemeClr val="tx1"/>
+                </a:solidFill>
+              </a:rPr>
+              <a:t>Power Distribution</a:t>
+            </a:r>
+            <a:endParaRPr lang="en-US" dirty="0">
+              <a:solidFill>
+                <a:schemeClr val="tx1"/>
+              </a:solidFill>
+            </a:endParaRPr>
+          </a:p>
+        </p:txBody>
+      </p:sp>
+      <p:cxnSp>
+        <p:nvCxnSpPr>
+          <p:cNvPr id="101" name="Straight Arrow Connector 100"/>
+          <p:cNvCxnSpPr>
+            <a:endCxn id="12" idx="1"/>
+          </p:cNvCxnSpPr>
+          <p:nvPr/>
+        </p:nvCxnSpPr>
+        <p:spPr>
+          <a:xfrm>
+            <a:off x="6015369" y="2455148"/>
+            <a:ext cx="1372068" cy="0"/>
+          </a:xfrm>
+          <a:prstGeom prst="straightConnector1">
+            <a:avLst/>
+          </a:prstGeom>
+          <a:ln w="19050">
+            <a:solidFill>
+              <a:srgbClr val="C00000"/>
+            </a:solidFill>
+            <a:tailEnd type="triangle" w="lg" len="lg"/>
+          </a:ln>
+          <a:effectLst/>
+        </p:spPr>
+        <p:style>
+          <a:lnRef idx="2">
+            <a:schemeClr val="accent1"/>
+          </a:lnRef>
+          <a:fillRef idx="0">
+            <a:schemeClr val="accent1"/>
+          </a:fillRef>
+          <a:effectRef idx="1">
+            <a:schemeClr val="accent1"/>
+          </a:effectRef>
+          <a:fontRef idx="minor">
+            <a:schemeClr val="tx1"/>
+          </a:fontRef>
+        </p:style>
+      </p:cxnSp>
+      <p:cxnSp>
+        <p:nvCxnSpPr>
+          <p:cNvPr id="104" name="Straight Arrow Connector 103"/>
+          <p:cNvCxnSpPr>
+            <a:stCxn id="91" idx="2"/>
+            <a:endCxn id="87" idx="0"/>
+          </p:cNvCxnSpPr>
+          <p:nvPr/>
+        </p:nvCxnSpPr>
+        <p:spPr>
+          <a:xfrm>
+            <a:off x="6228029" y="3262776"/>
+            <a:ext cx="0" cy="703292"/>
+          </a:xfrm>
+          <a:prstGeom prst="straightConnector1">
+            <a:avLst/>
+          </a:prstGeom>
+          <a:ln w="19050">
+            <a:solidFill>
+              <a:srgbClr val="C00000"/>
+            </a:solidFill>
+            <a:tailEnd type="triangle" w="lg" len="lg"/>
+          </a:ln>
+          <a:effectLst/>
+        </p:spPr>
+        <p:style>
+          <a:lnRef idx="2">
+            <a:schemeClr val="accent1"/>
+          </a:lnRef>
+          <a:fillRef idx="0">
+            <a:schemeClr val="accent1"/>
+          </a:fillRef>
+          <a:effectRef idx="1">
+            <a:schemeClr val="accent1"/>
+          </a:effectRef>
+          <a:fontRef idx="minor">
+            <a:schemeClr val="tx1"/>
+          </a:fontRef>
+        </p:style>
+      </p:cxnSp>
+      <p:cxnSp>
+        <p:nvCxnSpPr>
+          <p:cNvPr id="109" name="Straight Arrow Connector 108"/>
+          <p:cNvCxnSpPr>
+            <a:stCxn id="87" idx="2"/>
+            <a:endCxn id="14" idx="0"/>
+          </p:cNvCxnSpPr>
+          <p:nvPr/>
+        </p:nvCxnSpPr>
+        <p:spPr>
+          <a:xfrm>
+            <a:off x="6228029" y="4491441"/>
+            <a:ext cx="0" cy="536322"/>
+          </a:xfrm>
+          <a:prstGeom prst="straightConnector1">
+            <a:avLst/>
+          </a:prstGeom>
+          <a:ln w="19050">
+            <a:solidFill>
+              <a:srgbClr val="C00000"/>
+            </a:solidFill>
+            <a:tailEnd type="triangle" w="lg" len="lg"/>
+          </a:ln>
+          <a:effectLst/>
+        </p:spPr>
+        <p:style>
+          <a:lnRef idx="2">
+            <a:schemeClr val="accent1"/>
+          </a:lnRef>
+          <a:fillRef idx="0">
+            <a:schemeClr val="accent1"/>
+          </a:fillRef>
+          <a:effectRef idx="1">
+            <a:schemeClr val="accent1"/>
+          </a:effectRef>
+          <a:fontRef idx="minor">
+            <a:schemeClr val="tx1"/>
+          </a:fontRef>
+        </p:style>
+      </p:cxnSp>
+      <p:cxnSp>
+        <p:nvCxnSpPr>
+          <p:cNvPr id="111" name="Straight Arrow Connector 110"/>
+          <p:cNvCxnSpPr>
+            <a:stCxn id="11" idx="2"/>
+            <a:endCxn id="90" idx="0"/>
+          </p:cNvCxnSpPr>
+          <p:nvPr/>
+        </p:nvCxnSpPr>
+        <p:spPr>
+          <a:xfrm flipH="1">
+            <a:off x="2744058" y="3247218"/>
+            <a:ext cx="1" cy="716981"/>
+          </a:xfrm>
+          <a:prstGeom prst="straightConnector1">
+            <a:avLst/>
+          </a:prstGeom>
+          <a:ln w="19050">
+            <a:solidFill>
+              <a:srgbClr val="00B050"/>
+            </a:solidFill>
+            <a:tailEnd type="triangle" w="lg" len="lg"/>
+          </a:ln>
+          <a:effectLst/>
+        </p:spPr>
+        <p:style>
+          <a:lnRef idx="2">
+            <a:schemeClr val="accent1"/>
+          </a:lnRef>
+          <a:fillRef idx="0">
+            <a:schemeClr val="accent1"/>
+          </a:fillRef>
+          <a:effectRef idx="1">
+            <a:schemeClr val="accent1"/>
+          </a:effectRef>
+          <a:fontRef idx="minor">
+            <a:schemeClr val="tx1"/>
+          </a:fontRef>
+        </p:style>
+      </p:cxnSp>
+      <p:cxnSp>
+        <p:nvCxnSpPr>
+          <p:cNvPr id="120" name="Straight Arrow Connector 119"/>
+          <p:cNvCxnSpPr>
+            <a:stCxn id="88" idx="0"/>
+            <a:endCxn id="89" idx="2"/>
+          </p:cNvCxnSpPr>
+          <p:nvPr/>
+        </p:nvCxnSpPr>
+        <p:spPr>
+          <a:xfrm flipV="1">
+            <a:off x="2744059" y="1159352"/>
+            <a:ext cx="0" cy="488169"/>
+          </a:xfrm>
+          <a:prstGeom prst="straightConnector1">
+            <a:avLst/>
+          </a:prstGeom>
+          <a:ln w="19050">
+            <a:solidFill>
+              <a:srgbClr val="00B050"/>
+            </a:solidFill>
+            <a:tailEnd type="triangle" w="lg" len="lg"/>
+          </a:ln>
+          <a:effectLst/>
+        </p:spPr>
+        <p:style>
+          <a:lnRef idx="2">
+            <a:schemeClr val="accent1"/>
+          </a:lnRef>
+          <a:fillRef idx="0">
+            <a:schemeClr val="accent1"/>
+          </a:fillRef>
+          <a:effectRef idx="1">
+            <a:schemeClr val="accent1"/>
+          </a:effectRef>
+          <a:fontRef idx="minor">
+            <a:schemeClr val="tx1"/>
+          </a:fontRef>
+        </p:style>
+      </p:cxnSp>
+      <p:cxnSp>
+        <p:nvCxnSpPr>
+          <p:cNvPr id="123" name="Straight Arrow Connector 122"/>
+          <p:cNvCxnSpPr>
+            <a:stCxn id="86" idx="2"/>
+            <a:endCxn id="91" idx="0"/>
+          </p:cNvCxnSpPr>
+          <p:nvPr/>
+        </p:nvCxnSpPr>
+        <p:spPr>
+          <a:xfrm>
+            <a:off x="6228028" y="2172893"/>
+            <a:ext cx="1" cy="564510"/>
+          </a:xfrm>
+          <a:prstGeom prst="straightConnector1">
+            <a:avLst/>
+          </a:prstGeom>
+          <a:ln w="19050">
+            <a:solidFill>
+              <a:srgbClr val="C00000"/>
+            </a:solidFill>
+            <a:tailEnd type="triangle" w="lg" len="lg"/>
+          </a:ln>
+          <a:effectLst/>
+        </p:spPr>
+        <p:style>
+          <a:lnRef idx="2">
+            <a:schemeClr val="accent1"/>
+          </a:lnRef>
+          <a:fillRef idx="0">
+            <a:schemeClr val="accent1"/>
+          </a:fillRef>
+          <a:effectRef idx="1">
+            <a:schemeClr val="accent1"/>
+          </a:effectRef>
+          <a:fontRef idx="minor">
+            <a:schemeClr val="tx1"/>
+          </a:fontRef>
+        </p:style>
+      </p:cxnSp>
+      <p:sp>
+        <p:nvSpPr>
+          <p:cNvPr id="127" name="Rounded Rectangle 126"/>
+          <p:cNvSpPr/>
+          <p:nvPr/>
+        </p:nvSpPr>
+        <p:spPr>
+          <a:xfrm>
+            <a:off x="3931542" y="2192601"/>
+            <a:ext cx="1270328" cy="525373"/>
+          </a:xfrm>
+          <a:prstGeom prst="roundRect">
+            <a:avLst/>
+          </a:prstGeom>
+          <a:solidFill>
+            <a:schemeClr val="accent6">
+              <a:lumMod val="40000"/>
+              <a:lumOff val="60000"/>
+            </a:schemeClr>
+          </a:solidFill>
+          <a:ln w="19050">
+            <a:solidFill>
+              <a:schemeClr val="accent6">
+                <a:lumMod val="75000"/>
+              </a:schemeClr>
+            </a:solidFill>
+          </a:ln>
+          <a:effectLst/>
+        </p:spPr>
+        <p:style>
+          <a:lnRef idx="1">
+            <a:schemeClr val="accent1"/>
+          </a:lnRef>
+          <a:fillRef idx="3">
+            <a:schemeClr val="accent1"/>
+          </a:fillRef>
+          <a:effectRef idx="2">
+            <a:schemeClr val="accent1"/>
+          </a:effectRef>
+          <a:fontRef idx="minor">
+            <a:schemeClr val="lt1"/>
+          </a:fontRef>
+        </p:style>
+        <p:txBody>
+          <a:bodyPr rtlCol="0" anchor="ctr"/>
+          <a:lstStyle/>
+          <a:p>
+            <a:pPr algn="ctr"/>
+            <a:r>
+              <a:rPr lang="en-US" dirty="0" smtClean="0">
+                <a:solidFill>
+                  <a:schemeClr val="tx1"/>
+                </a:solidFill>
+              </a:rPr>
+              <a:t>5V </a:t>
+            </a:r>
+          </a:p>
+          <a:p>
+            <a:pPr algn="ctr"/>
+            <a:r>
+              <a:rPr lang="en-US" dirty="0" smtClean="0">
+                <a:solidFill>
+                  <a:schemeClr val="tx1"/>
+                </a:solidFill>
+              </a:rPr>
+              <a:t>Regulator</a:t>
+            </a:r>
+            <a:endParaRPr lang="en-US" dirty="0">
+              <a:solidFill>
+                <a:schemeClr val="tx1"/>
+              </a:solidFill>
+            </a:endParaRPr>
+          </a:p>
+        </p:txBody>
+      </p:sp>
+      <p:cxnSp>
+        <p:nvCxnSpPr>
+          <p:cNvPr id="129" name="Straight Arrow Connector 128"/>
+          <p:cNvCxnSpPr>
+            <a:endCxn id="127" idx="3"/>
+          </p:cNvCxnSpPr>
+          <p:nvPr/>
+        </p:nvCxnSpPr>
+        <p:spPr>
+          <a:xfrm flipH="1">
+            <a:off x="5201870" y="2455288"/>
+            <a:ext cx="1026157" cy="0"/>
+          </a:xfrm>
+          <a:prstGeom prst="straightConnector1">
+            <a:avLst/>
+          </a:prstGeom>
+          <a:ln w="19050">
+            <a:solidFill>
+              <a:srgbClr val="C00000"/>
+            </a:solidFill>
+            <a:tailEnd type="triangle" w="lg" len="lg"/>
+          </a:ln>
+          <a:effectLst/>
+        </p:spPr>
+        <p:style>
+          <a:lnRef idx="2">
+            <a:schemeClr val="accent1"/>
+          </a:lnRef>
+          <a:fillRef idx="0">
+            <a:schemeClr val="accent1"/>
+          </a:fillRef>
+          <a:effectRef idx="1">
+            <a:schemeClr val="accent1"/>
+          </a:effectRef>
+          <a:fontRef idx="minor">
+            <a:schemeClr val="tx1"/>
+          </a:fontRef>
+        </p:style>
+      </p:cxnSp>
+      <p:cxnSp>
+        <p:nvCxnSpPr>
+          <p:cNvPr id="132" name="Straight Arrow Connector 131"/>
+          <p:cNvCxnSpPr>
+            <a:stCxn id="127" idx="1"/>
+            <a:endCxn id="88" idx="2"/>
+          </p:cNvCxnSpPr>
+          <p:nvPr/>
+        </p:nvCxnSpPr>
+        <p:spPr>
+          <a:xfrm rot="10800000">
+            <a:off x="2744060" y="2172894"/>
+            <a:ext cx="1187483" cy="282394"/>
+          </a:xfrm>
+          <a:prstGeom prst="bentConnector2">
+            <a:avLst/>
+          </a:prstGeom>
+          <a:ln w="19050">
+            <a:solidFill>
+              <a:srgbClr val="00B050"/>
+            </a:solidFill>
+            <a:tailEnd type="triangle" w="lg" len="lg"/>
+          </a:ln>
+          <a:effectLst/>
+        </p:spPr>
+        <p:style>
+          <a:lnRef idx="2">
+            <a:schemeClr val="accent1"/>
+          </a:lnRef>
+          <a:fillRef idx="0">
+            <a:schemeClr val="accent1"/>
+          </a:fillRef>
+          <a:effectRef idx="1">
+            <a:schemeClr val="accent1"/>
+          </a:effectRef>
+          <a:fontRef idx="minor">
+            <a:schemeClr val="tx1"/>
+          </a:fontRef>
+        </p:style>
+      </p:cxnSp>
+      <p:sp>
+        <p:nvSpPr>
+          <p:cNvPr id="135" name="TextBox 134"/>
+          <p:cNvSpPr txBox="1"/>
+          <p:nvPr/>
+        </p:nvSpPr>
+        <p:spPr>
+          <a:xfrm>
+            <a:off x="6228026" y="3467208"/>
+            <a:ext cx="588623" cy="276999"/>
+          </a:xfrm>
+          <a:prstGeom prst="rect">
+            <a:avLst/>
+          </a:prstGeom>
+          <a:noFill/>
+        </p:spPr>
+        <p:txBody>
+          <a:bodyPr wrap="none" rtlCol="0">
+            <a:spAutoFit/>
+          </a:bodyPr>
+          <a:lstStyle/>
+          <a:p>
+            <a:r>
+              <a:rPr lang="en-US" sz="1200" b="1" dirty="0" smtClean="0"/>
+              <a:t>14.8 V</a:t>
+            </a:r>
+            <a:endParaRPr lang="en-US" sz="1200" b="1" dirty="0"/>
+          </a:p>
+        </p:txBody>
+      </p:sp>
+      <p:sp>
+        <p:nvSpPr>
+          <p:cNvPr id="136" name="TextBox 135"/>
+          <p:cNvSpPr txBox="1"/>
+          <p:nvPr/>
+        </p:nvSpPr>
+        <p:spPr>
+          <a:xfrm>
+            <a:off x="6228029" y="4621102"/>
+            <a:ext cx="588623" cy="276999"/>
+          </a:xfrm>
+          <a:prstGeom prst="rect">
+            <a:avLst/>
+          </a:prstGeom>
+          <a:noFill/>
+        </p:spPr>
+        <p:txBody>
+          <a:bodyPr wrap="none" rtlCol="0">
+            <a:spAutoFit/>
+          </a:bodyPr>
+          <a:lstStyle/>
+          <a:p>
+            <a:r>
+              <a:rPr lang="en-US" sz="1200" b="1" dirty="0" smtClean="0"/>
+              <a:t>14.8 V</a:t>
+            </a:r>
+            <a:endParaRPr lang="en-US" sz="1200" b="1" dirty="0"/>
+          </a:p>
+        </p:txBody>
+      </p:sp>
+      <p:sp>
+        <p:nvSpPr>
+          <p:cNvPr id="138" name="TextBox 137"/>
+          <p:cNvSpPr txBox="1"/>
+          <p:nvPr/>
+        </p:nvSpPr>
+        <p:spPr>
+          <a:xfrm>
+            <a:off x="4371781" y="3000090"/>
+            <a:ext cx="389850" cy="276999"/>
+          </a:xfrm>
+          <a:prstGeom prst="rect">
+            <a:avLst/>
+          </a:prstGeom>
+          <a:noFill/>
+        </p:spPr>
+        <p:txBody>
+          <a:bodyPr wrap="none" rtlCol="0">
+            <a:spAutoFit/>
+          </a:bodyPr>
+          <a:lstStyle/>
+          <a:p>
+            <a:r>
+              <a:rPr lang="en-US" sz="1200" b="1" dirty="0" smtClean="0"/>
+              <a:t>5 V</a:t>
+            </a:r>
+            <a:endParaRPr lang="en-US" sz="1200" b="1" dirty="0"/>
+          </a:p>
+        </p:txBody>
+      </p:sp>
+      <p:sp>
+        <p:nvSpPr>
+          <p:cNvPr id="140" name="TextBox 139"/>
+          <p:cNvSpPr txBox="1"/>
+          <p:nvPr/>
+        </p:nvSpPr>
+        <p:spPr>
+          <a:xfrm>
+            <a:off x="2691646" y="3475922"/>
+            <a:ext cx="389850" cy="276999"/>
+          </a:xfrm>
+          <a:prstGeom prst="rect">
+            <a:avLst/>
+          </a:prstGeom>
+          <a:noFill/>
+        </p:spPr>
+        <p:txBody>
+          <a:bodyPr wrap="none" rtlCol="0">
+            <a:spAutoFit/>
+          </a:bodyPr>
+          <a:lstStyle/>
+          <a:p>
+            <a:r>
+              <a:rPr lang="en-US" sz="1200" b="1" dirty="0" smtClean="0"/>
+              <a:t>5 V</a:t>
+            </a:r>
+            <a:endParaRPr lang="en-US" sz="1200" b="1" dirty="0"/>
+          </a:p>
+        </p:txBody>
+      </p:sp>
+      <p:sp>
+        <p:nvSpPr>
+          <p:cNvPr id="141" name="TextBox 140"/>
+          <p:cNvSpPr txBox="1"/>
+          <p:nvPr/>
+        </p:nvSpPr>
+        <p:spPr>
+          <a:xfrm>
+            <a:off x="2691646" y="1264936"/>
+            <a:ext cx="389850" cy="276999"/>
+          </a:xfrm>
+          <a:prstGeom prst="rect">
+            <a:avLst/>
+          </a:prstGeom>
+          <a:noFill/>
+        </p:spPr>
+        <p:txBody>
+          <a:bodyPr wrap="none" rtlCol="0">
+            <a:spAutoFit/>
+          </a:bodyPr>
+          <a:lstStyle/>
+          <a:p>
+            <a:r>
+              <a:rPr lang="en-US" sz="1200" b="1" dirty="0" smtClean="0"/>
+              <a:t>5 V</a:t>
+            </a:r>
+            <a:endParaRPr lang="en-US" sz="1200" b="1" dirty="0"/>
+          </a:p>
+        </p:txBody>
+      </p:sp>
+      <p:sp>
+        <p:nvSpPr>
+          <p:cNvPr id="142" name="TextBox 141"/>
+          <p:cNvSpPr txBox="1"/>
+          <p:nvPr/>
+        </p:nvSpPr>
+        <p:spPr>
+          <a:xfrm>
+            <a:off x="3142876" y="2439511"/>
+            <a:ext cx="389850" cy="276999"/>
+          </a:xfrm>
+          <a:prstGeom prst="rect">
+            <a:avLst/>
+          </a:prstGeom>
+          <a:noFill/>
+        </p:spPr>
+        <p:txBody>
+          <a:bodyPr wrap="none" rtlCol="0">
+            <a:spAutoFit/>
+          </a:bodyPr>
+          <a:lstStyle/>
+          <a:p>
+            <a:r>
+              <a:rPr lang="en-US" sz="1200" b="1" dirty="0" smtClean="0"/>
+              <a:t>5 V</a:t>
+            </a:r>
+            <a:endParaRPr lang="en-US" sz="1200" b="1" dirty="0"/>
+          </a:p>
+        </p:txBody>
+      </p:sp>
+      <p:sp>
+        <p:nvSpPr>
+          <p:cNvPr id="143" name="Rounded Rectangle 142"/>
+          <p:cNvSpPr/>
+          <p:nvPr/>
+        </p:nvSpPr>
+        <p:spPr>
+          <a:xfrm>
+            <a:off x="149812" y="1647521"/>
+            <a:ext cx="1431655" cy="525373"/>
+          </a:xfrm>
+          <a:prstGeom prst="roundRect">
+            <a:avLst/>
+          </a:prstGeom>
+          <a:solidFill>
+            <a:schemeClr val="bg1">
+              <a:lumMod val="75000"/>
+            </a:schemeClr>
+          </a:solidFill>
+          <a:ln w="19050">
+            <a:solidFill>
+              <a:schemeClr val="tx1"/>
+            </a:solidFill>
+          </a:ln>
+          <a:effectLst/>
+        </p:spPr>
+        <p:style>
+          <a:lnRef idx="1">
+            <a:schemeClr val="accent1"/>
+          </a:lnRef>
+          <a:fillRef idx="3">
+            <a:schemeClr val="accent1"/>
+          </a:fillRef>
+          <a:effectRef idx="2">
+            <a:schemeClr val="accent1"/>
+          </a:effectRef>
+          <a:fontRef idx="minor">
+            <a:schemeClr val="lt1"/>
+          </a:fontRef>
+        </p:style>
+        <p:txBody>
+          <a:bodyPr rtlCol="0" anchor="ctr"/>
+          <a:lstStyle/>
+          <a:p>
+            <a:pPr algn="ctr"/>
+            <a:r>
+              <a:rPr lang="en-US" dirty="0" err="1" smtClean="0">
+                <a:solidFill>
+                  <a:schemeClr val="tx1"/>
+                </a:solidFill>
+              </a:rPr>
+              <a:t>WiFi</a:t>
+            </a:r>
+            <a:r>
+              <a:rPr lang="en-US" dirty="0" smtClean="0">
+                <a:solidFill>
+                  <a:schemeClr val="tx1"/>
+                </a:solidFill>
+              </a:rPr>
+              <a:t> Dongle</a:t>
+            </a:r>
+            <a:endParaRPr lang="en-US" dirty="0">
+              <a:solidFill>
+                <a:schemeClr val="tx1"/>
+              </a:solidFill>
+            </a:endParaRPr>
+          </a:p>
+        </p:txBody>
+      </p:sp>
+      <p:sp>
+        <p:nvSpPr>
+          <p:cNvPr id="144" name="TextBox 143"/>
+          <p:cNvSpPr txBox="1"/>
+          <p:nvPr/>
+        </p:nvSpPr>
+        <p:spPr>
+          <a:xfrm>
+            <a:off x="1630270" y="1895894"/>
+            <a:ext cx="389850" cy="276999"/>
+          </a:xfrm>
+          <a:prstGeom prst="rect">
+            <a:avLst/>
+          </a:prstGeom>
+          <a:noFill/>
+        </p:spPr>
+        <p:txBody>
+          <a:bodyPr wrap="none" rtlCol="0">
+            <a:spAutoFit/>
+          </a:bodyPr>
+          <a:lstStyle/>
+          <a:p>
+            <a:r>
+              <a:rPr lang="en-US" sz="1200" b="1" dirty="0" smtClean="0"/>
+              <a:t>5 V</a:t>
+            </a:r>
+            <a:endParaRPr lang="en-US" sz="1200" b="1" dirty="0"/>
+          </a:p>
+        </p:txBody>
+      </p:sp>
+      <p:cxnSp>
+        <p:nvCxnSpPr>
+          <p:cNvPr id="146" name="Straight Arrow Connector 145"/>
+          <p:cNvCxnSpPr>
+            <a:stCxn id="88" idx="1"/>
+            <a:endCxn id="143" idx="3"/>
+          </p:cNvCxnSpPr>
+          <p:nvPr/>
+        </p:nvCxnSpPr>
+        <p:spPr>
+          <a:xfrm flipH="1">
+            <a:off x="1581467" y="1910208"/>
+            <a:ext cx="446764" cy="0"/>
+          </a:xfrm>
+          <a:prstGeom prst="straightConnector1">
+            <a:avLst/>
+          </a:prstGeom>
+          <a:ln w="19050">
+            <a:solidFill>
+              <a:srgbClr val="00B050"/>
+            </a:solidFill>
+            <a:tailEnd type="triangle" w="lg" len="lg"/>
+          </a:ln>
+          <a:effectLst/>
+        </p:spPr>
+        <p:style>
+          <a:lnRef idx="2">
+            <a:schemeClr val="accent1"/>
+          </a:lnRef>
+          <a:fillRef idx="0">
+            <a:schemeClr val="accent1"/>
+          </a:fillRef>
+          <a:effectRef idx="1">
+            <a:schemeClr val="accent1"/>
+          </a:effectRef>
+          <a:fontRef idx="minor">
+            <a:schemeClr val="tx1"/>
+          </a:fontRef>
+        </p:style>
+      </p:cxnSp>
+    </p:spTree>
+    <p:extLst>
+      <p:ext uri="{BB962C8B-B14F-4D97-AF65-F5344CB8AC3E}">
+        <p14:creationId xmlns:p14="http://schemas.microsoft.com/office/powerpoint/2010/main" val="3225363177"/>
+      </p:ext>
+    </p:extLst>
+  </p:cSld>
+  <p:clrMapOvr>
+    <a:masterClrMapping/>
+  </p:clrMapOvr>
+  <p:timing>
+    <p:tnLst>
+      <p:par>
+        <p:cTn id="1" dur="indefinite" restart="never" nodeType="tmRoot"/>
+      </p:par>
+    </p:tnLst>
+  </p:timing>
+</p:sld>
+</file>
+
+<file path=ppt/slides/slide3.xml><?xml version="1.0" encoding="utf-8"?>
+<p:sld xmlns:a="http://schemas.openxmlformats.org/drawingml/2006/main" xmlns:r="http://schemas.openxmlformats.org/officeDocument/2006/relationships" xmlns:p="http://schemas.openxmlformats.org/presentationml/2006/main">
+  <p:cSld>
+    <p:spTree>
+      <p:nvGrpSpPr>
+        <p:cNvPr id="1" name=""/>
+        <p:cNvGrpSpPr/>
+        <p:nvPr/>
+      </p:nvGrpSpPr>
+      <p:grpSpPr>
+        <a:xfrm>
+          <a:off x="0" y="0"/>
+          <a:ext cx="0" cy="0"/>
+          <a:chOff x="0" y="0"/>
+          <a:chExt cx="0" cy="0"/>
+        </a:xfrm>
+      </p:grpSpPr>
+      <p:sp>
+        <p:nvSpPr>
+          <p:cNvPr id="11" name="Rounded Rectangle 10"/>
+          <p:cNvSpPr/>
+          <p:nvPr/>
+        </p:nvSpPr>
+        <p:spPr>
+          <a:xfrm>
+            <a:off x="3850876" y="3454731"/>
+            <a:ext cx="1431655" cy="494259"/>
+          </a:xfrm>
+          <a:prstGeom prst="roundRect">
+            <a:avLst/>
+          </a:prstGeom>
+          <a:solidFill>
+            <a:schemeClr val="bg1">
+              <a:lumMod val="75000"/>
+            </a:schemeClr>
+          </a:solidFill>
+          <a:ln w="19050">
+            <a:solidFill>
+              <a:schemeClr val="tx1"/>
+            </a:solidFill>
+          </a:ln>
+          <a:effectLst/>
+        </p:spPr>
+        <p:style>
+          <a:lnRef idx="1">
+            <a:schemeClr val="accent1"/>
+          </a:lnRef>
+          <a:fillRef idx="3">
+            <a:schemeClr val="accent1"/>
+          </a:fillRef>
+          <a:effectRef idx="2">
+            <a:schemeClr val="accent1"/>
+          </a:effectRef>
+          <a:fontRef idx="minor">
+            <a:schemeClr val="lt1"/>
+          </a:fontRef>
+        </p:style>
+        <p:txBody>
+          <a:bodyPr rtlCol="0" anchor="ctr"/>
+          <a:lstStyle/>
+          <a:p>
+            <a:pPr algn="ctr"/>
+            <a:r>
+              <a:rPr lang="en-US" dirty="0" err="1" smtClean="0">
+                <a:solidFill>
+                  <a:schemeClr val="tx1"/>
+                </a:solidFill>
+              </a:rPr>
+              <a:t>Pixhawk</a:t>
+            </a:r>
+            <a:endParaRPr lang="en-US" dirty="0">
+              <a:solidFill>
+                <a:schemeClr val="tx1"/>
+              </a:solidFill>
+            </a:endParaRPr>
+          </a:p>
+        </p:txBody>
+      </p:sp>
+      <p:sp>
+        <p:nvSpPr>
+          <p:cNvPr id="12" name="Rounded Rectangle 11"/>
+          <p:cNvSpPr/>
+          <p:nvPr/>
+        </p:nvSpPr>
+        <p:spPr>
+          <a:xfrm>
+            <a:off x="6430507" y="2439741"/>
+            <a:ext cx="1431655" cy="525373"/>
+          </a:xfrm>
+          <a:prstGeom prst="roundRect">
+            <a:avLst/>
+          </a:prstGeom>
+          <a:solidFill>
+            <a:schemeClr val="bg1">
+              <a:lumMod val="75000"/>
+            </a:schemeClr>
+          </a:solidFill>
+          <a:ln w="19050">
+            <a:solidFill>
+              <a:schemeClr val="tx1"/>
+            </a:solidFill>
+          </a:ln>
+          <a:effectLst/>
+        </p:spPr>
+        <p:style>
+          <a:lnRef idx="1">
+            <a:schemeClr val="accent1"/>
+          </a:lnRef>
+          <a:fillRef idx="3">
+            <a:schemeClr val="accent1"/>
+          </a:fillRef>
+          <a:effectRef idx="2">
+            <a:schemeClr val="accent1"/>
+          </a:effectRef>
+          <a:fontRef idx="minor">
+            <a:schemeClr val="lt1"/>
+          </a:fontRef>
+        </p:style>
+        <p:txBody>
+          <a:bodyPr rtlCol="0" anchor="ctr"/>
+          <a:lstStyle/>
+          <a:p>
+            <a:pPr algn="ctr"/>
+            <a:r>
+              <a:rPr lang="en-US" dirty="0" smtClean="0">
+                <a:solidFill>
+                  <a:schemeClr val="tx1"/>
+                </a:solidFill>
+              </a:rPr>
+              <a:t>Guidance</a:t>
+            </a:r>
+            <a:endParaRPr lang="en-US" dirty="0">
+              <a:solidFill>
+                <a:schemeClr val="tx1"/>
+              </a:solidFill>
+            </a:endParaRPr>
+          </a:p>
+        </p:txBody>
+      </p:sp>
+      <p:sp>
+        <p:nvSpPr>
+          <p:cNvPr id="87" name="Rounded Rectangle 86"/>
+          <p:cNvSpPr/>
+          <p:nvPr/>
+        </p:nvSpPr>
+        <p:spPr>
+          <a:xfrm>
+            <a:off x="6430507" y="3439173"/>
+            <a:ext cx="1431655" cy="525373"/>
+          </a:xfrm>
+          <a:prstGeom prst="roundRect">
+            <a:avLst/>
+          </a:prstGeom>
+          <a:solidFill>
+            <a:schemeClr val="bg1">
+              <a:lumMod val="75000"/>
+            </a:schemeClr>
+          </a:solidFill>
+          <a:ln w="19050">
+            <a:solidFill>
+              <a:schemeClr val="tx1"/>
+            </a:solidFill>
+          </a:ln>
+          <a:effectLst/>
+        </p:spPr>
+        <p:style>
+          <a:lnRef idx="1">
+            <a:schemeClr val="accent1"/>
+          </a:lnRef>
+          <a:fillRef idx="3">
+            <a:schemeClr val="accent1"/>
+          </a:fillRef>
+          <a:effectRef idx="2">
+            <a:schemeClr val="accent1"/>
+          </a:effectRef>
+          <a:fontRef idx="minor">
+            <a:schemeClr val="lt1"/>
+          </a:fontRef>
+        </p:style>
+        <p:txBody>
+          <a:bodyPr rtlCol="0" anchor="ctr"/>
+          <a:lstStyle/>
+          <a:p>
+            <a:pPr algn="ctr"/>
+            <a:r>
+              <a:rPr lang="en-US" dirty="0" smtClean="0">
+                <a:solidFill>
+                  <a:schemeClr val="tx1"/>
+                </a:solidFill>
+              </a:rPr>
+              <a:t>ESC</a:t>
+            </a:r>
+            <a:endParaRPr lang="en-US" dirty="0">
+              <a:solidFill>
+                <a:schemeClr val="tx1"/>
+              </a:solidFill>
+            </a:endParaRPr>
+          </a:p>
+        </p:txBody>
+      </p:sp>
+      <p:sp>
+        <p:nvSpPr>
+          <p:cNvPr id="88" name="Rounded Rectangle 87"/>
+          <p:cNvSpPr/>
+          <p:nvPr/>
+        </p:nvSpPr>
+        <p:spPr>
+          <a:xfrm>
+            <a:off x="3850877" y="2439742"/>
+            <a:ext cx="1431655" cy="525373"/>
+          </a:xfrm>
+          <a:prstGeom prst="roundRect">
+            <a:avLst/>
+          </a:prstGeom>
+          <a:solidFill>
+            <a:schemeClr val="bg1">
+              <a:lumMod val="75000"/>
+            </a:schemeClr>
+          </a:solidFill>
+          <a:ln w="19050">
+            <a:solidFill>
+              <a:schemeClr val="tx1"/>
+            </a:solidFill>
+          </a:ln>
+          <a:effectLst/>
+        </p:spPr>
+        <p:style>
+          <a:lnRef idx="1">
+            <a:schemeClr val="accent1"/>
+          </a:lnRef>
+          <a:fillRef idx="3">
+            <a:schemeClr val="accent1"/>
+          </a:fillRef>
+          <a:effectRef idx="2">
+            <a:schemeClr val="accent1"/>
+          </a:effectRef>
+          <a:fontRef idx="minor">
+            <a:schemeClr val="lt1"/>
+          </a:fontRef>
+        </p:style>
+        <p:txBody>
+          <a:bodyPr rtlCol="0" anchor="ctr"/>
+          <a:lstStyle/>
+          <a:p>
+            <a:pPr algn="ctr"/>
+            <a:r>
+              <a:rPr lang="en-US" dirty="0" smtClean="0">
+                <a:solidFill>
+                  <a:schemeClr val="tx1"/>
+                </a:solidFill>
+              </a:rPr>
+              <a:t>ODROID</a:t>
+            </a:r>
+            <a:endParaRPr lang="en-US" dirty="0">
+              <a:solidFill>
+                <a:schemeClr val="tx1"/>
+              </a:solidFill>
+            </a:endParaRPr>
+          </a:p>
+        </p:txBody>
+      </p:sp>
+      <p:sp>
+        <p:nvSpPr>
+          <p:cNvPr id="89" name="Rounded Rectangle 88"/>
+          <p:cNvSpPr/>
+          <p:nvPr/>
+        </p:nvSpPr>
+        <p:spPr>
+          <a:xfrm>
+            <a:off x="3850878" y="1282588"/>
+            <a:ext cx="1431655" cy="525373"/>
+          </a:xfrm>
+          <a:prstGeom prst="roundRect">
+            <a:avLst/>
+          </a:prstGeom>
+          <a:solidFill>
+            <a:schemeClr val="bg1">
+              <a:lumMod val="75000"/>
+            </a:schemeClr>
+          </a:solidFill>
+          <a:ln w="19050">
+            <a:solidFill>
+              <a:schemeClr val="tx1"/>
+            </a:solidFill>
+          </a:ln>
+          <a:effectLst/>
+        </p:spPr>
+        <p:style>
+          <a:lnRef idx="1">
+            <a:schemeClr val="accent1"/>
+          </a:lnRef>
+          <a:fillRef idx="3">
+            <a:schemeClr val="accent1"/>
+          </a:fillRef>
+          <a:effectRef idx="2">
+            <a:schemeClr val="accent1"/>
+          </a:effectRef>
+          <a:fontRef idx="minor">
+            <a:schemeClr val="lt1"/>
+          </a:fontRef>
+        </p:style>
+        <p:txBody>
+          <a:bodyPr rtlCol="0" anchor="ctr"/>
+          <a:lstStyle/>
+          <a:p>
+            <a:pPr algn="ctr"/>
+            <a:r>
+              <a:rPr lang="en-US" dirty="0" err="1" smtClean="0">
+                <a:solidFill>
+                  <a:schemeClr val="tx1"/>
+                </a:solidFill>
+              </a:rPr>
+              <a:t>FLiR</a:t>
+            </a:r>
+            <a:endParaRPr lang="en-US" dirty="0">
+              <a:solidFill>
+                <a:schemeClr val="tx1"/>
+              </a:solidFill>
+            </a:endParaRPr>
+          </a:p>
+        </p:txBody>
+      </p:sp>
+      <p:sp>
+        <p:nvSpPr>
+          <p:cNvPr id="90" name="Rounded Rectangle 89"/>
+          <p:cNvSpPr/>
+          <p:nvPr/>
+        </p:nvSpPr>
+        <p:spPr>
+          <a:xfrm>
+            <a:off x="3850878" y="4506481"/>
+            <a:ext cx="1431655" cy="525373"/>
+          </a:xfrm>
+          <a:prstGeom prst="roundRect">
+            <a:avLst/>
+          </a:prstGeom>
+          <a:solidFill>
+            <a:schemeClr val="bg1">
+              <a:lumMod val="75000"/>
+            </a:schemeClr>
+          </a:solidFill>
+          <a:ln w="19050">
+            <a:solidFill>
+              <a:schemeClr val="tx1"/>
+            </a:solidFill>
+          </a:ln>
+          <a:effectLst/>
+        </p:spPr>
+        <p:style>
+          <a:lnRef idx="1">
+            <a:schemeClr val="accent1"/>
+          </a:lnRef>
+          <a:fillRef idx="3">
+            <a:schemeClr val="accent1"/>
+          </a:fillRef>
+          <a:effectRef idx="2">
+            <a:schemeClr val="accent1"/>
+          </a:effectRef>
+          <a:fontRef idx="minor">
+            <a:schemeClr val="lt1"/>
+          </a:fontRef>
+        </p:style>
+        <p:txBody>
+          <a:bodyPr rtlCol="0" anchor="ctr"/>
+          <a:lstStyle/>
+          <a:p>
+            <a:pPr algn="ctr"/>
+            <a:r>
+              <a:rPr lang="en-US" dirty="0" smtClean="0">
+                <a:solidFill>
+                  <a:schemeClr val="tx1"/>
+                </a:solidFill>
+              </a:rPr>
+              <a:t>Radio Receiver</a:t>
+            </a:r>
+            <a:endParaRPr lang="en-US" dirty="0">
+              <a:solidFill>
+                <a:schemeClr val="tx1"/>
+              </a:solidFill>
+            </a:endParaRPr>
+          </a:p>
+        </p:txBody>
+      </p:sp>
+      <p:sp>
+        <p:nvSpPr>
+          <p:cNvPr id="138" name="TextBox 137"/>
+          <p:cNvSpPr txBox="1"/>
+          <p:nvPr/>
+        </p:nvSpPr>
+        <p:spPr>
+          <a:xfrm>
+            <a:off x="4945737" y="1985352"/>
+            <a:ext cx="885179" cy="276999"/>
+          </a:xfrm>
+          <a:prstGeom prst="rect">
+            <a:avLst/>
+          </a:prstGeom>
+          <a:noFill/>
+        </p:spPr>
+        <p:txBody>
+          <a:bodyPr wrap="none" rtlCol="0">
+            <a:spAutoFit/>
+          </a:bodyPr>
+          <a:lstStyle/>
+          <a:p>
+            <a:r>
+              <a:rPr lang="en-US" sz="1200" b="1" dirty="0" smtClean="0"/>
+              <a:t>SPI (Video)</a:t>
+            </a:r>
+            <a:endParaRPr lang="en-US" sz="1200" b="1" dirty="0"/>
+          </a:p>
+        </p:txBody>
+      </p:sp>
+      <p:sp>
+        <p:nvSpPr>
+          <p:cNvPr id="142" name="TextBox 141"/>
+          <p:cNvSpPr txBox="1"/>
+          <p:nvPr/>
+        </p:nvSpPr>
+        <p:spPr>
+          <a:xfrm>
+            <a:off x="3186379" y="2688114"/>
+            <a:ext cx="444352" cy="276999"/>
+          </a:xfrm>
+          <a:prstGeom prst="rect">
+            <a:avLst/>
+          </a:prstGeom>
+          <a:noFill/>
+        </p:spPr>
+        <p:txBody>
+          <a:bodyPr wrap="none" rtlCol="0">
+            <a:spAutoFit/>
+          </a:bodyPr>
+          <a:lstStyle/>
+          <a:p>
+            <a:r>
+              <a:rPr lang="en-US" sz="1200" b="1" dirty="0" smtClean="0"/>
+              <a:t>USB</a:t>
+            </a:r>
+            <a:endParaRPr lang="en-US" sz="1200" b="1" dirty="0"/>
+          </a:p>
+        </p:txBody>
+      </p:sp>
+      <p:sp>
+        <p:nvSpPr>
+          <p:cNvPr id="143" name="Rounded Rectangle 142"/>
+          <p:cNvSpPr/>
+          <p:nvPr/>
+        </p:nvSpPr>
+        <p:spPr>
+          <a:xfrm>
+            <a:off x="1534578" y="2439740"/>
+            <a:ext cx="1431655" cy="525373"/>
+          </a:xfrm>
+          <a:prstGeom prst="roundRect">
+            <a:avLst/>
+          </a:prstGeom>
+          <a:solidFill>
+            <a:schemeClr val="bg1">
+              <a:lumMod val="75000"/>
+            </a:schemeClr>
+          </a:solidFill>
+          <a:ln w="19050">
+            <a:solidFill>
+              <a:schemeClr val="tx1"/>
+            </a:solidFill>
+          </a:ln>
+          <a:effectLst/>
+        </p:spPr>
+        <p:style>
+          <a:lnRef idx="1">
+            <a:schemeClr val="accent1"/>
+          </a:lnRef>
+          <a:fillRef idx="3">
+            <a:schemeClr val="accent1"/>
+          </a:fillRef>
+          <a:effectRef idx="2">
+            <a:schemeClr val="accent1"/>
+          </a:effectRef>
+          <a:fontRef idx="minor">
+            <a:schemeClr val="lt1"/>
+          </a:fontRef>
+        </p:style>
+        <p:txBody>
+          <a:bodyPr rtlCol="0" anchor="ctr"/>
+          <a:lstStyle/>
+          <a:p>
+            <a:pPr algn="ctr"/>
+            <a:r>
+              <a:rPr lang="en-US" dirty="0" err="1" smtClean="0">
+                <a:solidFill>
+                  <a:schemeClr val="tx1"/>
+                </a:solidFill>
+              </a:rPr>
+              <a:t>WiFi</a:t>
+            </a:r>
+            <a:r>
+              <a:rPr lang="en-US" dirty="0" smtClean="0">
+                <a:solidFill>
+                  <a:schemeClr val="tx1"/>
+                </a:solidFill>
+              </a:rPr>
+              <a:t> Dongle</a:t>
+            </a:r>
+            <a:endParaRPr lang="en-US" dirty="0">
+              <a:solidFill>
+                <a:schemeClr val="tx1"/>
+              </a:solidFill>
+            </a:endParaRPr>
+          </a:p>
+        </p:txBody>
+      </p:sp>
+      <p:cxnSp>
+        <p:nvCxnSpPr>
+          <p:cNvPr id="32" name="Straight Arrow Connector 31"/>
+          <p:cNvCxnSpPr/>
+          <p:nvPr/>
+        </p:nvCxnSpPr>
+        <p:spPr>
+          <a:xfrm flipV="1">
+            <a:off x="4208547" y="1807962"/>
+            <a:ext cx="0" cy="631780"/>
+          </a:xfrm>
+          <a:prstGeom prst="straightConnector1">
+            <a:avLst/>
+          </a:prstGeom>
+          <a:ln w="28575">
+            <a:solidFill>
+              <a:srgbClr val="00B050"/>
+            </a:solidFill>
+            <a:headEnd type="triangle" w="med" len="med"/>
+            <a:tailEnd type="triangle" w="med" len="med"/>
+          </a:ln>
+          <a:effectLst/>
+        </p:spPr>
+        <p:style>
+          <a:lnRef idx="2">
+            <a:schemeClr val="accent1"/>
+          </a:lnRef>
+          <a:fillRef idx="0">
+            <a:schemeClr val="accent1"/>
+          </a:fillRef>
+          <a:effectRef idx="1">
+            <a:schemeClr val="accent1"/>
+          </a:effectRef>
+          <a:fontRef idx="minor">
+            <a:schemeClr val="tx1"/>
+          </a:fontRef>
+        </p:style>
+      </p:cxnSp>
+      <p:cxnSp>
+        <p:nvCxnSpPr>
+          <p:cNvPr id="34" name="Straight Arrow Connector 33"/>
+          <p:cNvCxnSpPr/>
+          <p:nvPr/>
+        </p:nvCxnSpPr>
+        <p:spPr>
+          <a:xfrm flipV="1">
+            <a:off x="4945737" y="1807961"/>
+            <a:ext cx="0" cy="631780"/>
+          </a:xfrm>
+          <a:prstGeom prst="straightConnector1">
+            <a:avLst/>
+          </a:prstGeom>
+          <a:ln w="28575">
+            <a:solidFill>
+              <a:srgbClr val="00B050"/>
+            </a:solidFill>
+            <a:headEnd type="triangle" w="med" len="med"/>
+            <a:tailEnd type="triangle" w="med" len="med"/>
+          </a:ln>
+          <a:effectLst/>
+        </p:spPr>
+        <p:style>
+          <a:lnRef idx="2">
+            <a:schemeClr val="accent1"/>
+          </a:lnRef>
+          <a:fillRef idx="0">
+            <a:schemeClr val="accent1"/>
+          </a:fillRef>
+          <a:effectRef idx="1">
+            <a:schemeClr val="accent1"/>
+          </a:effectRef>
+          <a:fontRef idx="minor">
+            <a:schemeClr val="tx1"/>
+          </a:fontRef>
+        </p:style>
+      </p:cxnSp>
+      <p:cxnSp>
+        <p:nvCxnSpPr>
+          <p:cNvPr id="35" name="Straight Arrow Connector 34"/>
+          <p:cNvCxnSpPr>
+            <a:stCxn id="88" idx="3"/>
+            <a:endCxn id="12" idx="1"/>
+          </p:cNvCxnSpPr>
+          <p:nvPr/>
+        </p:nvCxnSpPr>
+        <p:spPr>
+          <a:xfrm flipV="1">
+            <a:off x="5282532" y="2702428"/>
+            <a:ext cx="1147975" cy="1"/>
+          </a:xfrm>
+          <a:prstGeom prst="straightConnector1">
+            <a:avLst/>
+          </a:prstGeom>
+          <a:ln w="28575">
+            <a:solidFill>
+              <a:srgbClr val="00B050"/>
+            </a:solidFill>
+            <a:headEnd type="triangle" w="med" len="med"/>
+            <a:tailEnd type="triangle" w="med" len="med"/>
+          </a:ln>
+          <a:effectLst/>
+        </p:spPr>
+        <p:style>
+          <a:lnRef idx="2">
+            <a:schemeClr val="accent1"/>
+          </a:lnRef>
+          <a:fillRef idx="0">
+            <a:schemeClr val="accent1"/>
+          </a:fillRef>
+          <a:effectRef idx="1">
+            <a:schemeClr val="accent1"/>
+          </a:effectRef>
+          <a:fontRef idx="minor">
+            <a:schemeClr val="tx1"/>
+          </a:fontRef>
+        </p:style>
+      </p:cxnSp>
+      <p:sp>
+        <p:nvSpPr>
+          <p:cNvPr id="38" name="TextBox 37"/>
+          <p:cNvSpPr txBox="1"/>
+          <p:nvPr/>
+        </p:nvSpPr>
+        <p:spPr>
+          <a:xfrm>
+            <a:off x="3216031" y="2001513"/>
+            <a:ext cx="992516" cy="276999"/>
+          </a:xfrm>
+          <a:prstGeom prst="rect">
+            <a:avLst/>
+          </a:prstGeom>
+          <a:noFill/>
+        </p:spPr>
+        <p:txBody>
+          <a:bodyPr wrap="none" rtlCol="0">
+            <a:spAutoFit/>
+          </a:bodyPr>
+          <a:lstStyle/>
+          <a:p>
+            <a:r>
+              <a:rPr lang="en-US" sz="1200" b="1" dirty="0" smtClean="0"/>
+              <a:t>I2C (Control)</a:t>
+            </a:r>
+            <a:endParaRPr lang="en-US" sz="1200" b="1" dirty="0"/>
+          </a:p>
+        </p:txBody>
+      </p:sp>
+      <p:sp>
+        <p:nvSpPr>
+          <p:cNvPr id="39" name="TextBox 38"/>
+          <p:cNvSpPr txBox="1"/>
+          <p:nvPr/>
+        </p:nvSpPr>
+        <p:spPr>
+          <a:xfrm>
+            <a:off x="5586252" y="3424860"/>
+            <a:ext cx="540533" cy="276999"/>
+          </a:xfrm>
+          <a:prstGeom prst="rect">
+            <a:avLst/>
+          </a:prstGeom>
+          <a:noFill/>
+        </p:spPr>
+        <p:txBody>
+          <a:bodyPr wrap="none" rtlCol="0">
+            <a:spAutoFit/>
+          </a:bodyPr>
+          <a:lstStyle/>
+          <a:p>
+            <a:r>
+              <a:rPr lang="en-US" sz="1200" b="1" dirty="0" smtClean="0"/>
+              <a:t>PWM</a:t>
+            </a:r>
+            <a:endParaRPr lang="en-US" sz="1200" b="1" dirty="0"/>
+          </a:p>
+        </p:txBody>
+      </p:sp>
+      <p:cxnSp>
+        <p:nvCxnSpPr>
+          <p:cNvPr id="42" name="Straight Arrow Connector 41"/>
+          <p:cNvCxnSpPr>
+            <a:stCxn id="11" idx="0"/>
+            <a:endCxn id="88" idx="2"/>
+          </p:cNvCxnSpPr>
+          <p:nvPr/>
+        </p:nvCxnSpPr>
+        <p:spPr>
+          <a:xfrm flipV="1">
+            <a:off x="4566704" y="2965115"/>
+            <a:ext cx="1" cy="489616"/>
+          </a:xfrm>
+          <a:prstGeom prst="straightConnector1">
+            <a:avLst/>
+          </a:prstGeom>
+          <a:ln w="28575">
+            <a:solidFill>
+              <a:srgbClr val="00B050"/>
+            </a:solidFill>
+            <a:headEnd type="triangle" w="med" len="med"/>
+            <a:tailEnd type="triangle" w="med" len="med"/>
+          </a:ln>
+          <a:effectLst/>
+        </p:spPr>
+        <p:style>
+          <a:lnRef idx="2">
+            <a:schemeClr val="accent1"/>
+          </a:lnRef>
+          <a:fillRef idx="0">
+            <a:schemeClr val="accent1"/>
+          </a:fillRef>
+          <a:effectRef idx="1">
+            <a:schemeClr val="accent1"/>
+          </a:effectRef>
+          <a:fontRef idx="minor">
+            <a:schemeClr val="tx1"/>
+          </a:fontRef>
+        </p:style>
+      </p:cxnSp>
+      <p:cxnSp>
+        <p:nvCxnSpPr>
+          <p:cNvPr id="45" name="Straight Arrow Connector 44"/>
+          <p:cNvCxnSpPr>
+            <a:stCxn id="90" idx="0"/>
+            <a:endCxn id="11" idx="2"/>
+          </p:cNvCxnSpPr>
+          <p:nvPr/>
+        </p:nvCxnSpPr>
+        <p:spPr>
+          <a:xfrm flipH="1" flipV="1">
+            <a:off x="4566704" y="3948990"/>
+            <a:ext cx="2" cy="557491"/>
+          </a:xfrm>
+          <a:prstGeom prst="straightConnector1">
+            <a:avLst/>
+          </a:prstGeom>
+          <a:ln w="28575">
+            <a:solidFill>
+              <a:srgbClr val="00B050"/>
+            </a:solidFill>
+            <a:headEnd type="triangle" w="med" len="med"/>
+            <a:tailEnd type="triangle" w="med" len="med"/>
+          </a:ln>
+          <a:effectLst/>
+        </p:spPr>
+        <p:style>
+          <a:lnRef idx="2">
+            <a:schemeClr val="accent1"/>
+          </a:lnRef>
+          <a:fillRef idx="0">
+            <a:schemeClr val="accent1"/>
+          </a:fillRef>
+          <a:effectRef idx="1">
+            <a:schemeClr val="accent1"/>
+          </a:effectRef>
+          <a:fontRef idx="minor">
+            <a:schemeClr val="tx1"/>
+          </a:fontRef>
+        </p:style>
+      </p:cxnSp>
+      <p:cxnSp>
+        <p:nvCxnSpPr>
+          <p:cNvPr id="52" name="Straight Arrow Connector 51"/>
+          <p:cNvCxnSpPr>
+            <a:stCxn id="11" idx="3"/>
+            <a:endCxn id="87" idx="1"/>
+          </p:cNvCxnSpPr>
+          <p:nvPr/>
+        </p:nvCxnSpPr>
+        <p:spPr>
+          <a:xfrm flipV="1">
+            <a:off x="5282531" y="3701860"/>
+            <a:ext cx="1147976" cy="1"/>
+          </a:xfrm>
+          <a:prstGeom prst="straightConnector1">
+            <a:avLst/>
+          </a:prstGeom>
+          <a:ln w="28575">
+            <a:solidFill>
+              <a:srgbClr val="00B050"/>
+            </a:solidFill>
+            <a:headEnd type="triangle" w="med" len="med"/>
+            <a:tailEnd type="triangle" w="med" len="med"/>
+          </a:ln>
+          <a:effectLst/>
+        </p:spPr>
+        <p:style>
+          <a:lnRef idx="2">
+            <a:schemeClr val="accent1"/>
+          </a:lnRef>
+          <a:fillRef idx="0">
+            <a:schemeClr val="accent1"/>
+          </a:fillRef>
+          <a:effectRef idx="1">
+            <a:schemeClr val="accent1"/>
+          </a:effectRef>
+          <a:fontRef idx="minor">
+            <a:schemeClr val="tx1"/>
+          </a:fontRef>
+        </p:style>
+      </p:cxnSp>
+      <p:cxnSp>
+        <p:nvCxnSpPr>
+          <p:cNvPr id="55" name="Straight Arrow Connector 54"/>
+          <p:cNvCxnSpPr>
+            <a:stCxn id="88" idx="1"/>
+            <a:endCxn id="143" idx="3"/>
+          </p:cNvCxnSpPr>
+          <p:nvPr/>
+        </p:nvCxnSpPr>
+        <p:spPr>
+          <a:xfrm flipH="1" flipV="1">
+            <a:off x="2966233" y="2702427"/>
+            <a:ext cx="884644" cy="2"/>
+          </a:xfrm>
+          <a:prstGeom prst="straightConnector1">
+            <a:avLst/>
+          </a:prstGeom>
+          <a:ln w="28575">
+            <a:solidFill>
+              <a:srgbClr val="00B050"/>
+            </a:solidFill>
+            <a:headEnd type="triangle" w="med" len="med"/>
+            <a:tailEnd type="triangle" w="med" len="med"/>
+          </a:ln>
+          <a:effectLst/>
+        </p:spPr>
+        <p:style>
+          <a:lnRef idx="2">
+            <a:schemeClr val="accent1"/>
+          </a:lnRef>
+          <a:fillRef idx="0">
+            <a:schemeClr val="accent1"/>
+          </a:fillRef>
+          <a:effectRef idx="1">
+            <a:schemeClr val="accent1"/>
+          </a:effectRef>
+          <a:fontRef idx="minor">
+            <a:schemeClr val="tx1"/>
+          </a:fontRef>
+        </p:style>
+      </p:cxnSp>
+      <p:sp>
+        <p:nvSpPr>
+          <p:cNvPr id="59" name="TextBox 58"/>
+          <p:cNvSpPr txBox="1"/>
+          <p:nvPr/>
+        </p:nvSpPr>
+        <p:spPr>
+          <a:xfrm>
+            <a:off x="4095485" y="3117513"/>
+            <a:ext cx="444352" cy="276999"/>
+          </a:xfrm>
+          <a:prstGeom prst="rect">
+            <a:avLst/>
+          </a:prstGeom>
+          <a:noFill/>
+        </p:spPr>
+        <p:txBody>
+          <a:bodyPr wrap="none" rtlCol="0">
+            <a:spAutoFit/>
+          </a:bodyPr>
+          <a:lstStyle/>
+          <a:p>
+            <a:r>
+              <a:rPr lang="en-US" sz="1200" b="1" dirty="0" smtClean="0"/>
+              <a:t>USB</a:t>
+            </a:r>
+            <a:endParaRPr lang="en-US" sz="1200" b="1" dirty="0"/>
+          </a:p>
+        </p:txBody>
+      </p:sp>
+      <p:sp>
+        <p:nvSpPr>
+          <p:cNvPr id="60" name="TextBox 59"/>
+          <p:cNvSpPr txBox="1"/>
+          <p:nvPr/>
+        </p:nvSpPr>
+        <p:spPr>
+          <a:xfrm>
+            <a:off x="5586252" y="2424785"/>
+            <a:ext cx="444352" cy="276999"/>
+          </a:xfrm>
+          <a:prstGeom prst="rect">
+            <a:avLst/>
+          </a:prstGeom>
+          <a:noFill/>
+        </p:spPr>
+        <p:txBody>
+          <a:bodyPr wrap="none" rtlCol="0">
+            <a:spAutoFit/>
+          </a:bodyPr>
+          <a:lstStyle/>
+          <a:p>
+            <a:r>
+              <a:rPr lang="en-US" sz="1200" b="1" dirty="0" smtClean="0"/>
+              <a:t>USB</a:t>
+            </a:r>
+            <a:endParaRPr lang="en-US" sz="1200" b="1" dirty="0"/>
+          </a:p>
+        </p:txBody>
+      </p:sp>
+    </p:spTree>
+    <p:extLst>
+      <p:ext uri="{BB962C8B-B14F-4D97-AF65-F5344CB8AC3E}">
+        <p14:creationId xmlns:p14="http://schemas.microsoft.com/office/powerpoint/2010/main" val="3814760131"/>
+      </p:ext>
+    </p:extLst>
+  </p:cSld>
+  <p:clrMapOvr>
+    <a:masterClrMapping/>
+  </p:clrMapOvr>
+  <p:timing>
+    <p:tnLst>
+      <p:par>
+        <p:cTn id="1" dur="indefinite" restart="never" nodeType="tmRoot"/>
+      </p:par>
+    </p:tnLst>
+  </p:timing>
+</p:sld>
+</file>
+
+<file path=ppt/slides/slide4.xml><?xml version="1.0" encoding="utf-8"?>
 <p:sld xmlns:a="http://schemas.openxmlformats.org/drawingml/2006/main" xmlns:r="http://schemas.openxmlformats.org/officeDocument/2006/relationships" xmlns:p="http://schemas.openxmlformats.org/presentationml/2006/main">
   <p:cSld>
     <p:spTree>
@@ -8091,11 +10561,7 @@
               </a:r>
               <a:r>
                 <a:rPr lang="en-US" dirty="0" smtClean="0"/>
-                <a:t> with </a:t>
-              </a:r>
-              <a:r>
-                <a:rPr lang="en-US" dirty="0" smtClean="0"/>
-                <a:t>PX4 Firmware</a:t>
+                <a:t> with PX4 Firmware</a:t>
               </a:r>
               <a:endParaRPr lang="en-US" dirty="0"/>
             </a:p>
@@ -9421,7 +11887,7 @@
 </p:sld>
 </file>
 
-<file path=ppt/slides/slide3.xml><?xml version="1.0" encoding="utf-8"?>
+<file path=ppt/slides/slide5.xml><?xml version="1.0" encoding="utf-8"?>
 <p:sld xmlns:a="http://schemas.openxmlformats.org/drawingml/2006/main" xmlns:r="http://schemas.openxmlformats.org/officeDocument/2006/relationships" xmlns:p="http://schemas.openxmlformats.org/presentationml/2006/main">
   <p:cSld>
     <p:spTree>
@@ -9644,13 +12110,8 @@
               </a:r>
               <a:r>
                 <a:rPr lang="en-US" dirty="0" smtClean="0"/>
-                <a:t>ata visualization with </a:t>
+                <a:t>ata visualization with RVIZ</a:t>
               </a:r>
-              <a:r>
-                <a:rPr lang="en-US" dirty="0" smtClean="0"/>
-                <a:t>RVIZ</a:t>
-              </a:r>
-              <a:endParaRPr lang="en-US" dirty="0" smtClean="0"/>
             </a:p>
           </p:txBody>
         </p:sp>
@@ -9738,11 +12199,7 @@
               </a:r>
               <a:r>
                 <a:rPr lang="en-US" b="1" dirty="0" smtClean="0"/>
-                <a:t> </a:t>
-              </a:r>
-              <a:r>
-                <a:rPr lang="en-US" b="1" dirty="0" smtClean="0"/>
-                <a:t>XU4</a:t>
+                <a:t> XU4</a:t>
               </a:r>
               <a:endParaRPr lang="en-US" b="1" dirty="0"/>
             </a:p>
@@ -9808,7 +12265,6 @@
                 <a:rPr lang="en-US" dirty="0" smtClean="0"/>
                 <a:t>Runs target ID algorithms</a:t>
               </a:r>
-              <a:endParaRPr lang="en-US" dirty="0" smtClean="0"/>
             </a:p>
             <a:p>
               <a:pPr marL="285750" indent="-285750">
@@ -10254,13 +12710,8 @@
               </a:pPr>
               <a:r>
                 <a:rPr lang="en-US" dirty="0" smtClean="0"/>
-                <a:t>Running </a:t>
+                <a:t>Running PX4 Firmware</a:t>
               </a:r>
-              <a:r>
-                <a:rPr lang="en-US" dirty="0" smtClean="0"/>
-                <a:t>PX4 Firmware</a:t>
-              </a:r>
-              <a:endParaRPr lang="en-US" dirty="0" smtClean="0"/>
             </a:p>
             <a:p>
               <a:pPr marL="285750" indent="-285750">
@@ -10297,11 +12748,7 @@
               </a:pPr>
               <a:r>
                 <a:rPr lang="en-US" dirty="0" smtClean="0"/>
-                <a:t>Provides attitude information to target </a:t>
-              </a:r>
-              <a:r>
-                <a:rPr lang="en-US" dirty="0" smtClean="0"/>
-                <a:t>ID algorithms</a:t>
+                <a:t>Provides attitude information to target ID algorithms</a:t>
               </a:r>
               <a:endParaRPr lang="en-US" dirty="0"/>
             </a:p>
@@ -10601,7 +13048,7 @@
   <p:timing>
     <p:tnLst>
       <p:par>
-        <p:cTn xmlns:p14="http://schemas.microsoft.com/office/powerpoint/2010/main" id="1" dur="indefinite" restart="never" nodeType="tmRoot"/>
+        <p:cTn id="1" dur="indefinite" restart="never" nodeType="tmRoot"/>
       </p:par>
     </p:tnLst>
   </p:timing>

--- a/Presentations/frew_approved_block_diagrams.pptx
+++ b/Presentations/frew_approved_block_diagrams.pptx
@@ -5,14 +5,15 @@
     <p:sldMasterId id="2147483648" r:id="rId1"/>
   </p:sldMasterIdLst>
   <p:notesMasterIdLst>
-    <p:notesMasterId r:id="rId7"/>
+    <p:notesMasterId r:id="rId8"/>
   </p:notesMasterIdLst>
   <p:sldIdLst>
     <p:sldId id="256" r:id="rId2"/>
     <p:sldId id="259" r:id="rId3"/>
     <p:sldId id="260" r:id="rId4"/>
     <p:sldId id="257" r:id="rId5"/>
-    <p:sldId id="258" r:id="rId6"/>
+    <p:sldId id="261" r:id="rId6"/>
+    <p:sldId id="258" r:id="rId7"/>
   </p:sldIdLst>
   <p:sldSz cx="9144000" cy="6858000" type="screen4x3"/>
   <p:notesSz cx="6858000" cy="9144000"/>
@@ -196,7 +197,7 @@
           <a:p>
             <a:fld id="{4A080564-0BB4-C74D-B7AF-329E8F37804D}" type="datetimeFigureOut">
               <a:rPr lang="en-US" smtClean="0"/>
-              <a:t>11/10/2015</a:t>
+              <a:t>11/11/2015</a:t>
             </a:fld>
             <a:endParaRPr lang="en-US"/>
           </a:p>
@@ -897,7 +898,7 @@
           <a:p>
             <a:fld id="{3BBED690-81D0-0D43-8915-1586A19F50EB}" type="datetimeFigureOut">
               <a:rPr lang="en-US" smtClean="0"/>
-              <a:t>11/10/2015</a:t>
+              <a:t>11/11/2015</a:t>
             </a:fld>
             <a:endParaRPr lang="en-US"/>
           </a:p>
@@ -1067,7 +1068,7 @@
           <a:p>
             <a:fld id="{3BBED690-81D0-0D43-8915-1586A19F50EB}" type="datetimeFigureOut">
               <a:rPr lang="en-US" smtClean="0"/>
-              <a:t>11/10/2015</a:t>
+              <a:t>11/11/2015</a:t>
             </a:fld>
             <a:endParaRPr lang="en-US"/>
           </a:p>
@@ -1247,7 +1248,7 @@
           <a:p>
             <a:fld id="{3BBED690-81D0-0D43-8915-1586A19F50EB}" type="datetimeFigureOut">
               <a:rPr lang="en-US" smtClean="0"/>
-              <a:t>11/10/2015</a:t>
+              <a:t>11/11/2015</a:t>
             </a:fld>
             <a:endParaRPr lang="en-US"/>
           </a:p>
@@ -1417,7 +1418,7 @@
           <a:p>
             <a:fld id="{3BBED690-81D0-0D43-8915-1586A19F50EB}" type="datetimeFigureOut">
               <a:rPr lang="en-US" smtClean="0"/>
-              <a:t>11/10/2015</a:t>
+              <a:t>11/11/2015</a:t>
             </a:fld>
             <a:endParaRPr lang="en-US"/>
           </a:p>
@@ -1663,7 +1664,7 @@
           <a:p>
             <a:fld id="{3BBED690-81D0-0D43-8915-1586A19F50EB}" type="datetimeFigureOut">
               <a:rPr lang="en-US" smtClean="0"/>
-              <a:t>11/10/2015</a:t>
+              <a:t>11/11/2015</a:t>
             </a:fld>
             <a:endParaRPr lang="en-US"/>
           </a:p>
@@ -1951,7 +1952,7 @@
           <a:p>
             <a:fld id="{3BBED690-81D0-0D43-8915-1586A19F50EB}" type="datetimeFigureOut">
               <a:rPr lang="en-US" smtClean="0"/>
-              <a:t>11/10/2015</a:t>
+              <a:t>11/11/2015</a:t>
             </a:fld>
             <a:endParaRPr lang="en-US"/>
           </a:p>
@@ -2373,7 +2374,7 @@
           <a:p>
             <a:fld id="{3BBED690-81D0-0D43-8915-1586A19F50EB}" type="datetimeFigureOut">
               <a:rPr lang="en-US" smtClean="0"/>
-              <a:t>11/10/2015</a:t>
+              <a:t>11/11/2015</a:t>
             </a:fld>
             <a:endParaRPr lang="en-US"/>
           </a:p>
@@ -2491,7 +2492,7 @@
           <a:p>
             <a:fld id="{3BBED690-81D0-0D43-8915-1586A19F50EB}" type="datetimeFigureOut">
               <a:rPr lang="en-US" smtClean="0"/>
-              <a:t>11/10/2015</a:t>
+              <a:t>11/11/2015</a:t>
             </a:fld>
             <a:endParaRPr lang="en-US"/>
           </a:p>
@@ -2586,7 +2587,7 @@
           <a:p>
             <a:fld id="{3BBED690-81D0-0D43-8915-1586A19F50EB}" type="datetimeFigureOut">
               <a:rPr lang="en-US" smtClean="0"/>
-              <a:t>11/10/2015</a:t>
+              <a:t>11/11/2015</a:t>
             </a:fld>
             <a:endParaRPr lang="en-US"/>
           </a:p>
@@ -2863,7 +2864,7 @@
           <a:p>
             <a:fld id="{3BBED690-81D0-0D43-8915-1586A19F50EB}" type="datetimeFigureOut">
               <a:rPr lang="en-US" smtClean="0"/>
-              <a:t>11/10/2015</a:t>
+              <a:t>11/11/2015</a:t>
             </a:fld>
             <a:endParaRPr lang="en-US"/>
           </a:p>
@@ -3116,7 +3117,7 @@
           <a:p>
             <a:fld id="{3BBED690-81D0-0D43-8915-1586A19F50EB}" type="datetimeFigureOut">
               <a:rPr lang="en-US" smtClean="0"/>
-              <a:t>11/10/2015</a:t>
+              <a:t>11/11/2015</a:t>
             </a:fld>
             <a:endParaRPr lang="en-US"/>
           </a:p>
@@ -3329,7 +3330,7 @@
           <a:p>
             <a:fld id="{3BBED690-81D0-0D43-8915-1586A19F50EB}" type="datetimeFigureOut">
               <a:rPr lang="en-US" smtClean="0"/>
-              <a:t>11/10/2015</a:t>
+              <a:t>11/11/2015</a:t>
             </a:fld>
             <a:endParaRPr lang="en-US"/>
           </a:p>
@@ -9802,7 +9803,7 @@
         </p:nvSpPr>
         <p:spPr>
           <a:xfrm>
-            <a:off x="3850878" y="1282588"/>
+            <a:off x="3850878" y="757215"/>
             <a:ext cx="1431655" cy="525373"/>
           </a:xfrm>
           <a:prstGeom prst="roundRect">
@@ -9924,7 +9925,7 @@
         </p:nvSpPr>
         <p:spPr>
           <a:xfrm>
-            <a:off x="4945737" y="1985352"/>
+            <a:off x="4874245" y="1398394"/>
             <a:ext cx="885179" cy="276999"/>
           </a:xfrm>
           <a:prstGeom prst="rect">
@@ -9954,8 +9955,8 @@
         </p:nvSpPr>
         <p:spPr>
           <a:xfrm>
-            <a:off x="3186379" y="2688114"/>
-            <a:ext cx="444352" cy="276999"/>
+            <a:off x="2984352" y="2688114"/>
+            <a:ext cx="965329" cy="276999"/>
           </a:xfrm>
           <a:prstGeom prst="rect">
             <a:avLst/>
@@ -9970,7 +9971,7 @@
           <a:p>
             <a:r>
               <a:rPr lang="en-US" sz="1200" b="1" dirty="0" smtClean="0"/>
-              <a:t>USB</a:t>
+              <a:t>USB 3.0 (#0)</a:t>
             </a:r>
             <a:endParaRPr lang="en-US" sz="1200" b="1" dirty="0"/>
           </a:p>
@@ -10053,8 +10054,8 @@
         </p:nvCxnSpPr>
         <p:spPr>
           <a:xfrm flipV="1">
-            <a:off x="4208547" y="1807962"/>
-            <a:ext cx="0" cy="631780"/>
+            <a:off x="4208547" y="1282588"/>
+            <a:ext cx="0" cy="1157154"/>
           </a:xfrm>
           <a:prstGeom prst="straightConnector1">
             <a:avLst/>
@@ -10091,8 +10092,8 @@
         </p:nvCxnSpPr>
         <p:spPr>
           <a:xfrm flipV="1">
-            <a:off x="4945737" y="1807961"/>
-            <a:ext cx="0" cy="631780"/>
+            <a:off x="4945737" y="1282588"/>
+            <a:ext cx="0" cy="1157153"/>
           </a:xfrm>
           <a:prstGeom prst="straightConnector1">
             <a:avLst/>
@@ -10170,7 +10171,7 @@
         </p:nvSpPr>
         <p:spPr>
           <a:xfrm>
-            <a:off x="3216031" y="2001513"/>
+            <a:off x="3320105" y="1402414"/>
             <a:ext cx="992516" cy="276999"/>
           </a:xfrm>
           <a:prstGeom prst="rect">
@@ -10394,8 +10395,8 @@
         </p:nvSpPr>
         <p:spPr>
           <a:xfrm>
-            <a:off x="4095485" y="3117513"/>
-            <a:ext cx="444352" cy="276999"/>
+            <a:off x="3978522" y="3117513"/>
+            <a:ext cx="965329" cy="276999"/>
           </a:xfrm>
           <a:prstGeom prst="rect">
             <a:avLst/>
@@ -10410,7 +10411,7 @@
           <a:p>
             <a:r>
               <a:rPr lang="en-US" sz="1200" b="1" dirty="0" smtClean="0"/>
-              <a:t>USB</a:t>
+              <a:t>USB 2.0 (#1)</a:t>
             </a:r>
             <a:endParaRPr lang="en-US" sz="1200" b="1" dirty="0"/>
           </a:p>
@@ -10418,14 +10419,56 @@
       </p:sp>
       <p:sp>
         <p:nvSpPr>
-          <p:cNvPr id="60" name="TextBox 59"/>
+          <p:cNvPr id="2" name="Rectangle 1"/>
+          <p:cNvSpPr/>
+          <p:nvPr/>
+        </p:nvSpPr>
+        <p:spPr>
+          <a:xfrm>
+            <a:off x="3850878" y="1703974"/>
+            <a:ext cx="1537448" cy="518058"/>
+          </a:xfrm>
+          <a:prstGeom prst="rect">
+            <a:avLst/>
+          </a:prstGeom>
+        </p:spPr>
+        <p:style>
+          <a:lnRef idx="1">
+            <a:schemeClr val="accent1"/>
+          </a:lnRef>
+          <a:fillRef idx="3">
+            <a:schemeClr val="accent1"/>
+          </a:fillRef>
+          <a:effectRef idx="2">
+            <a:schemeClr val="accent1"/>
+          </a:effectRef>
+          <a:fontRef idx="minor">
+            <a:schemeClr val="lt1"/>
+          </a:fontRef>
+        </p:style>
+        <p:txBody>
+          <a:bodyPr rtlCol="0" anchor="ctr"/>
+          <a:lstStyle/>
+          <a:p>
+            <a:pPr algn="ctr"/>
+            <a:r>
+              <a:rPr lang="en-US" dirty="0" smtClean="0"/>
+              <a:t>Expansion Board</a:t>
+            </a:r>
+            <a:endParaRPr lang="en-US" dirty="0"/>
+          </a:p>
+        </p:txBody>
+      </p:sp>
+      <p:sp>
+        <p:nvSpPr>
+          <p:cNvPr id="25" name="TextBox 24"/>
           <p:cNvSpPr txBox="1"/>
           <p:nvPr/>
         </p:nvSpPr>
         <p:spPr>
           <a:xfrm>
-            <a:off x="5586252" y="2424785"/>
-            <a:ext cx="444352" cy="276999"/>
+            <a:off x="5373853" y="2388740"/>
+            <a:ext cx="965329" cy="276999"/>
           </a:xfrm>
           <a:prstGeom prst="rect">
             <a:avLst/>
@@ -10440,7 +10483,7 @@
           <a:p>
             <a:r>
               <a:rPr lang="en-US" sz="1200" b="1" dirty="0" smtClean="0"/>
-              <a:t>USB</a:t>
+              <a:t>USB 2.0 (#2)</a:t>
             </a:r>
             <a:endParaRPr lang="en-US" sz="1200" b="1" dirty="0"/>
           </a:p>
@@ -11888,6 +11931,1435 @@
 </file>
 
 <file path=ppt/slides/slide5.xml><?xml version="1.0" encoding="utf-8"?>
+<p:sld xmlns:a="http://schemas.openxmlformats.org/drawingml/2006/main" xmlns:r="http://schemas.openxmlformats.org/officeDocument/2006/relationships" xmlns:p="http://schemas.openxmlformats.org/presentationml/2006/main">
+  <p:cSld>
+    <p:spTree>
+      <p:nvGrpSpPr>
+        <p:cNvPr id="1" name=""/>
+        <p:cNvGrpSpPr/>
+        <p:nvPr/>
+      </p:nvGrpSpPr>
+      <p:grpSpPr>
+        <a:xfrm>
+          <a:off x="0" y="0"/>
+          <a:ext cx="0" cy="0"/>
+          <a:chOff x="0" y="0"/>
+          <a:chExt cx="0" cy="0"/>
+        </a:xfrm>
+      </p:grpSpPr>
+      <p:pic>
+        <p:nvPicPr>
+          <p:cNvPr id="1026" name="Picture 2" descr="C:\Users\Tyler\Desktop\FlyNet Stuff\PD board.jpg"/>
+          <p:cNvPicPr>
+            <a:picLocks noChangeAspect="1" noChangeArrowheads="1"/>
+          </p:cNvPicPr>
+          <p:nvPr/>
+        </p:nvPicPr>
+        <p:blipFill>
+          <a:blip r:embed="rId2">
+            <a:extLst>
+              <a:ext uri="{28A0092B-C50C-407E-A947-70E740481C1C}">
+                <a14:useLocalDpi xmlns:a14="http://schemas.microsoft.com/office/drawing/2010/main" val="0"/>
+              </a:ext>
+            </a:extLst>
+          </a:blip>
+          <a:srcRect/>
+          <a:stretch>
+            <a:fillRect/>
+          </a:stretch>
+        </p:blipFill>
+        <p:spPr bwMode="auto">
+          <a:xfrm>
+            <a:off x="1130670" y="5136880"/>
+            <a:ext cx="2146800" cy="1573053"/>
+          </a:xfrm>
+          <a:prstGeom prst="rect">
+            <a:avLst/>
+          </a:prstGeom>
+          <a:noFill/>
+          <a:ln w="28575">
+            <a:solidFill>
+              <a:schemeClr val="tx1"/>
+            </a:solidFill>
+          </a:ln>
+          <a:extLst>
+            <a:ext uri="{909E8E84-426E-40DD-AFC4-6F175D3DCCD1}">
+              <a14:hiddenFill xmlns:a14="http://schemas.microsoft.com/office/drawing/2010/main">
+                <a:solidFill>
+                  <a:srgbClr val="FFFFFF"/>
+                </a:solidFill>
+              </a14:hiddenFill>
+            </a:ext>
+          </a:extLst>
+        </p:spPr>
+      </p:pic>
+      <p:grpSp>
+        <p:nvGrpSpPr>
+          <p:cNvPr id="30" name="Group 29"/>
+          <p:cNvGrpSpPr/>
+          <p:nvPr/>
+        </p:nvGrpSpPr>
+        <p:grpSpPr>
+          <a:xfrm>
+            <a:off x="618320" y="2241294"/>
+            <a:ext cx="2086480" cy="2304374"/>
+            <a:chOff x="385546" y="599594"/>
+            <a:chExt cx="2282757" cy="2521149"/>
+          </a:xfrm>
+        </p:grpSpPr>
+        <p:pic>
+          <p:nvPicPr>
+            <p:cNvPr id="5" name="Picture 4"/>
+            <p:cNvPicPr>
+              <a:picLocks noChangeAspect="1"/>
+            </p:cNvPicPr>
+            <p:nvPr/>
+          </p:nvPicPr>
+          <p:blipFill rotWithShape="1">
+            <a:blip r:embed="rId3"/>
+            <a:srcRect l="26520" t="9033" r="25536" b="6477"/>
+            <a:stretch/>
+          </p:blipFill>
+          <p:spPr>
+            <a:xfrm>
+              <a:off x="922022" y="599594"/>
+              <a:ext cx="1276638" cy="1874818"/>
+            </a:xfrm>
+            <a:prstGeom prst="rect">
+              <a:avLst/>
+            </a:prstGeom>
+            <a:ln w="31750">
+              <a:solidFill>
+                <a:schemeClr val="tx1"/>
+              </a:solidFill>
+            </a:ln>
+          </p:spPr>
+        </p:pic>
+        <p:sp>
+          <p:nvSpPr>
+            <p:cNvPr id="11" name="TextBox 10"/>
+            <p:cNvSpPr txBox="1"/>
+            <p:nvPr/>
+          </p:nvSpPr>
+          <p:spPr>
+            <a:xfrm>
+              <a:off x="385546" y="2474412"/>
+              <a:ext cx="2282757" cy="646331"/>
+            </a:xfrm>
+            <a:prstGeom prst="rect">
+              <a:avLst/>
+            </a:prstGeom>
+            <a:solidFill>
+              <a:srgbClr val="FFFFFF"/>
+            </a:solidFill>
+            <a:ln w="28575" cmpd="sng">
+              <a:solidFill>
+                <a:schemeClr val="tx1"/>
+              </a:solidFill>
+            </a:ln>
+          </p:spPr>
+          <p:txBody>
+            <a:bodyPr wrap="square" rtlCol="0">
+              <a:spAutoFit/>
+            </a:bodyPr>
+            <a:lstStyle/>
+            <a:p>
+              <a:pPr algn="ctr"/>
+              <a:r>
+                <a:rPr lang="en-US" dirty="0" err="1" smtClean="0"/>
+                <a:t>Pixhawk</a:t>
+              </a:r>
+              <a:r>
+                <a:rPr lang="en-US" dirty="0" smtClean="0"/>
+                <a:t> with PX4 Firmware</a:t>
+              </a:r>
+              <a:endParaRPr lang="en-US" dirty="0"/>
+            </a:p>
+          </p:txBody>
+        </p:sp>
+      </p:grpSp>
+      <p:grpSp>
+        <p:nvGrpSpPr>
+          <p:cNvPr id="33" name="Group 32"/>
+          <p:cNvGrpSpPr/>
+          <p:nvPr/>
+        </p:nvGrpSpPr>
+        <p:grpSpPr>
+          <a:xfrm>
+            <a:off x="-2402316" y="835931"/>
+            <a:ext cx="2225378" cy="2224583"/>
+            <a:chOff x="369670" y="3695805"/>
+            <a:chExt cx="2373529" cy="2372681"/>
+          </a:xfrm>
+        </p:grpSpPr>
+        <p:pic>
+          <p:nvPicPr>
+            <p:cNvPr id="6" name="Picture 5"/>
+            <p:cNvPicPr>
+              <a:picLocks noChangeAspect="1"/>
+            </p:cNvPicPr>
+            <p:nvPr/>
+          </p:nvPicPr>
+          <p:blipFill>
+            <a:blip r:embed="rId4"/>
+            <a:stretch>
+              <a:fillRect/>
+            </a:stretch>
+          </p:blipFill>
+          <p:spPr>
+            <a:xfrm>
+              <a:off x="385546" y="3695805"/>
+              <a:ext cx="2340533" cy="1715010"/>
+            </a:xfrm>
+            <a:prstGeom prst="rect">
+              <a:avLst/>
+            </a:prstGeom>
+            <a:ln w="31750">
+              <a:solidFill>
+                <a:schemeClr val="tx1"/>
+              </a:solidFill>
+            </a:ln>
+          </p:spPr>
+        </p:pic>
+        <p:sp>
+          <p:nvSpPr>
+            <p:cNvPr id="12" name="TextBox 11"/>
+            <p:cNvSpPr txBox="1"/>
+            <p:nvPr/>
+          </p:nvSpPr>
+          <p:spPr>
+            <a:xfrm>
+              <a:off x="369670" y="5422155"/>
+              <a:ext cx="2373529" cy="646331"/>
+            </a:xfrm>
+            <a:prstGeom prst="rect">
+              <a:avLst/>
+            </a:prstGeom>
+            <a:solidFill>
+              <a:srgbClr val="FFFFFF"/>
+            </a:solidFill>
+            <a:ln w="28575" cmpd="sng">
+              <a:solidFill>
+                <a:schemeClr val="tx1"/>
+              </a:solidFill>
+            </a:ln>
+          </p:spPr>
+          <p:txBody>
+            <a:bodyPr wrap="square" rtlCol="0">
+              <a:spAutoFit/>
+            </a:bodyPr>
+            <a:lstStyle/>
+            <a:p>
+              <a:pPr algn="ctr"/>
+              <a:r>
+                <a:rPr lang="en-US" dirty="0" err="1" smtClean="0"/>
+                <a:t>Aliencopter</a:t>
+              </a:r>
+              <a:r>
+                <a:rPr lang="en-US" dirty="0" smtClean="0"/>
+                <a:t> Bee </a:t>
+              </a:r>
+              <a:r>
+                <a:rPr lang="en-US" dirty="0" err="1" smtClean="0"/>
+                <a:t>Quadrotor</a:t>
+              </a:r>
+              <a:endParaRPr lang="en-US" dirty="0"/>
+            </a:p>
+          </p:txBody>
+        </p:sp>
+      </p:grpSp>
+      <p:grpSp>
+        <p:nvGrpSpPr>
+          <p:cNvPr id="34" name="Group 33"/>
+          <p:cNvGrpSpPr/>
+          <p:nvPr/>
+        </p:nvGrpSpPr>
+        <p:grpSpPr>
+          <a:xfrm>
+            <a:off x="3356487" y="2523748"/>
+            <a:ext cx="2221912" cy="2031198"/>
+            <a:chOff x="3736975" y="1831362"/>
+            <a:chExt cx="2459736" cy="2248609"/>
+          </a:xfrm>
+        </p:grpSpPr>
+        <p:pic>
+          <p:nvPicPr>
+            <p:cNvPr id="8" name="Picture 7"/>
+            <p:cNvPicPr>
+              <a:picLocks noChangeAspect="1"/>
+            </p:cNvPicPr>
+            <p:nvPr/>
+          </p:nvPicPr>
+          <p:blipFill>
+            <a:blip r:embed="rId5"/>
+            <a:stretch>
+              <a:fillRect/>
+            </a:stretch>
+          </p:blipFill>
+          <p:spPr>
+            <a:xfrm>
+              <a:off x="3752353" y="1831362"/>
+              <a:ext cx="2427660" cy="1864443"/>
+            </a:xfrm>
+            <a:prstGeom prst="rect">
+              <a:avLst/>
+            </a:prstGeom>
+            <a:ln w="31750">
+              <a:solidFill>
+                <a:schemeClr val="tx1"/>
+              </a:solidFill>
+            </a:ln>
+          </p:spPr>
+        </p:pic>
+        <p:sp>
+          <p:nvSpPr>
+            <p:cNvPr id="13" name="TextBox 12"/>
+            <p:cNvSpPr txBox="1"/>
+            <p:nvPr/>
+          </p:nvSpPr>
+          <p:spPr>
+            <a:xfrm>
+              <a:off x="3736975" y="3710639"/>
+              <a:ext cx="2459736" cy="369332"/>
+            </a:xfrm>
+            <a:prstGeom prst="rect">
+              <a:avLst/>
+            </a:prstGeom>
+            <a:solidFill>
+              <a:srgbClr val="FFFFFF"/>
+            </a:solidFill>
+            <a:ln w="28575" cmpd="sng">
+              <a:solidFill>
+                <a:schemeClr val="tx1"/>
+              </a:solidFill>
+            </a:ln>
+          </p:spPr>
+          <p:txBody>
+            <a:bodyPr wrap="square" rtlCol="0">
+              <a:spAutoFit/>
+            </a:bodyPr>
+            <a:lstStyle/>
+            <a:p>
+              <a:pPr algn="ctr"/>
+              <a:r>
+                <a:rPr lang="en-US" dirty="0" smtClean="0"/>
+                <a:t>ODROID XU4</a:t>
+              </a:r>
+              <a:endParaRPr lang="en-US" dirty="0"/>
+            </a:p>
+          </p:txBody>
+        </p:sp>
+      </p:grpSp>
+      <p:grpSp>
+        <p:nvGrpSpPr>
+          <p:cNvPr id="35" name="Group 34"/>
+          <p:cNvGrpSpPr/>
+          <p:nvPr/>
+        </p:nvGrpSpPr>
+        <p:grpSpPr>
+          <a:xfrm>
+            <a:off x="7246812" y="2523748"/>
+            <a:ext cx="1396166" cy="1799643"/>
+            <a:chOff x="7066827" y="3726514"/>
+            <a:chExt cx="1719072" cy="2066674"/>
+          </a:xfrm>
+        </p:grpSpPr>
+        <p:pic>
+          <p:nvPicPr>
+            <p:cNvPr id="7" name="Picture 6"/>
+            <p:cNvPicPr>
+              <a:picLocks noChangeAspect="1"/>
+            </p:cNvPicPr>
+            <p:nvPr/>
+          </p:nvPicPr>
+          <p:blipFill>
+            <a:blip r:embed="rId6"/>
+            <a:stretch>
+              <a:fillRect/>
+            </a:stretch>
+          </p:blipFill>
+          <p:spPr>
+            <a:xfrm>
+              <a:off x="7085189" y="3726514"/>
+              <a:ext cx="1684301" cy="1684301"/>
+            </a:xfrm>
+            <a:prstGeom prst="rect">
+              <a:avLst/>
+            </a:prstGeom>
+            <a:ln w="31750">
+              <a:solidFill>
+                <a:schemeClr val="tx1"/>
+              </a:solidFill>
+            </a:ln>
+          </p:spPr>
+        </p:pic>
+        <p:sp>
+          <p:nvSpPr>
+            <p:cNvPr id="16" name="TextBox 15"/>
+            <p:cNvSpPr txBox="1"/>
+            <p:nvPr/>
+          </p:nvSpPr>
+          <p:spPr>
+            <a:xfrm>
+              <a:off x="7066827" y="5423856"/>
+              <a:ext cx="1719072" cy="369332"/>
+            </a:xfrm>
+            <a:prstGeom prst="rect">
+              <a:avLst/>
+            </a:prstGeom>
+            <a:solidFill>
+              <a:srgbClr val="FFFFFF"/>
+            </a:solidFill>
+            <a:ln w="28575" cmpd="sng">
+              <a:solidFill>
+                <a:schemeClr val="tx1"/>
+              </a:solidFill>
+            </a:ln>
+          </p:spPr>
+          <p:txBody>
+            <a:bodyPr wrap="square" rtlCol="0">
+              <a:spAutoFit/>
+            </a:bodyPr>
+            <a:lstStyle/>
+            <a:p>
+              <a:pPr algn="ctr"/>
+              <a:r>
+                <a:rPr lang="en-US" dirty="0" err="1" smtClean="0"/>
+                <a:t>FLiR</a:t>
+              </a:r>
+              <a:r>
+                <a:rPr lang="en-US" dirty="0" smtClean="0"/>
+                <a:t> Sensor</a:t>
+              </a:r>
+              <a:endParaRPr lang="en-US" dirty="0"/>
+            </a:p>
+          </p:txBody>
+        </p:sp>
+      </p:grpSp>
+      <p:grpSp>
+        <p:nvGrpSpPr>
+          <p:cNvPr id="37" name="Group 36"/>
+          <p:cNvGrpSpPr/>
+          <p:nvPr/>
+        </p:nvGrpSpPr>
+        <p:grpSpPr>
+          <a:xfrm>
+            <a:off x="320579" y="670508"/>
+            <a:ext cx="2762865" cy="923330"/>
+            <a:chOff x="2399576" y="355977"/>
+            <a:chExt cx="2762865" cy="923330"/>
+          </a:xfrm>
+        </p:grpSpPr>
+        <p:pic>
+          <p:nvPicPr>
+            <p:cNvPr id="10" name="Picture 9" descr="Radio_Receiver.jpg"/>
+            <p:cNvPicPr>
+              <a:picLocks noChangeAspect="1"/>
+            </p:cNvPicPr>
+            <p:nvPr/>
+          </p:nvPicPr>
+          <p:blipFill>
+            <a:blip r:embed="rId7" cstate="print"/>
+            <a:srcRect l="4444" t="31111" r="7778" b="21111"/>
+            <a:stretch>
+              <a:fillRect/>
+            </a:stretch>
+          </p:blipFill>
+          <p:spPr>
+            <a:xfrm>
+              <a:off x="3724919" y="375244"/>
+              <a:ext cx="1437522" cy="884797"/>
+            </a:xfrm>
+            <a:prstGeom prst="rect">
+              <a:avLst/>
+            </a:prstGeom>
+            <a:ln w="31750">
+              <a:solidFill>
+                <a:schemeClr val="tx1"/>
+              </a:solidFill>
+            </a:ln>
+          </p:spPr>
+        </p:pic>
+        <p:sp>
+          <p:nvSpPr>
+            <p:cNvPr id="17" name="TextBox 16"/>
+            <p:cNvSpPr txBox="1"/>
+            <p:nvPr/>
+          </p:nvSpPr>
+          <p:spPr>
+            <a:xfrm>
+              <a:off x="2399576" y="355977"/>
+              <a:ext cx="1325343" cy="923330"/>
+            </a:xfrm>
+            <a:prstGeom prst="rect">
+              <a:avLst/>
+            </a:prstGeom>
+            <a:solidFill>
+              <a:srgbClr val="FFFFFF"/>
+            </a:solidFill>
+            <a:ln w="28575" cmpd="sng">
+              <a:solidFill>
+                <a:schemeClr val="tx1"/>
+              </a:solidFill>
+            </a:ln>
+          </p:spPr>
+          <p:txBody>
+            <a:bodyPr wrap="square" rtlCol="0">
+              <a:spAutoFit/>
+            </a:bodyPr>
+            <a:lstStyle/>
+            <a:p>
+              <a:pPr algn="ctr"/>
+              <a:r>
+                <a:rPr lang="en-US" dirty="0" err="1" smtClean="0"/>
+                <a:t>FrSKY</a:t>
+              </a:r>
+              <a:r>
+                <a:rPr lang="en-US" dirty="0" smtClean="0"/>
+                <a:t> TFR4 Radio Receiver</a:t>
+              </a:r>
+              <a:endParaRPr lang="en-US" dirty="0"/>
+            </a:p>
+          </p:txBody>
+        </p:sp>
+      </p:grpSp>
+      <p:sp>
+        <p:nvSpPr>
+          <p:cNvPr id="18" name="TextBox 17"/>
+          <p:cNvSpPr txBox="1"/>
+          <p:nvPr/>
+        </p:nvSpPr>
+        <p:spPr>
+          <a:xfrm>
+            <a:off x="3828123" y="5755926"/>
+            <a:ext cx="1278641" cy="334963"/>
+          </a:xfrm>
+          <a:prstGeom prst="rect">
+            <a:avLst/>
+          </a:prstGeom>
+          <a:ln w="28575" cmpd="sng">
+            <a:solidFill>
+              <a:schemeClr val="tx1"/>
+            </a:solidFill>
+          </a:ln>
+        </p:spPr>
+        <p:style>
+          <a:lnRef idx="2">
+            <a:schemeClr val="dk1"/>
+          </a:lnRef>
+          <a:fillRef idx="1">
+            <a:schemeClr val="lt1"/>
+          </a:fillRef>
+          <a:effectRef idx="0">
+            <a:schemeClr val="dk1"/>
+          </a:effectRef>
+          <a:fontRef idx="minor">
+            <a:schemeClr val="dk1"/>
+          </a:fontRef>
+        </p:style>
+        <p:txBody>
+          <a:bodyPr wrap="square" rtlCol="0">
+            <a:spAutoFit/>
+          </a:bodyPr>
+          <a:lstStyle/>
+          <a:p>
+            <a:pPr algn="ctr"/>
+            <a:r>
+              <a:rPr lang="en-US" dirty="0" smtClean="0"/>
+              <a:t>Battery</a:t>
+            </a:r>
+          </a:p>
+        </p:txBody>
+      </p:sp>
+      <p:sp>
+        <p:nvSpPr>
+          <p:cNvPr id="20" name="TextBox 19"/>
+          <p:cNvSpPr txBox="1"/>
+          <p:nvPr/>
+        </p:nvSpPr>
+        <p:spPr>
+          <a:xfrm>
+            <a:off x="42580" y="5630313"/>
+            <a:ext cx="899742" cy="586185"/>
+          </a:xfrm>
+          <a:prstGeom prst="rect">
+            <a:avLst/>
+          </a:prstGeom>
+          <a:ln w="28575" cmpd="sng">
+            <a:solidFill>
+              <a:schemeClr val="tx1"/>
+            </a:solidFill>
+          </a:ln>
+        </p:spPr>
+        <p:style>
+          <a:lnRef idx="2">
+            <a:schemeClr val="dk1"/>
+          </a:lnRef>
+          <a:fillRef idx="1">
+            <a:schemeClr val="lt1"/>
+          </a:fillRef>
+          <a:effectRef idx="0">
+            <a:schemeClr val="dk1"/>
+          </a:effectRef>
+          <a:fontRef idx="minor">
+            <a:schemeClr val="dk1"/>
+          </a:fontRef>
+        </p:style>
+        <p:txBody>
+          <a:bodyPr wrap="square" rtlCol="0">
+            <a:spAutoFit/>
+          </a:bodyPr>
+          <a:lstStyle/>
+          <a:p>
+            <a:pPr algn="ctr"/>
+            <a:r>
+              <a:rPr lang="en-US" dirty="0" smtClean="0"/>
+              <a:t>ESC/ Motor</a:t>
+            </a:r>
+          </a:p>
+        </p:txBody>
+      </p:sp>
+      <p:cxnSp>
+        <p:nvCxnSpPr>
+          <p:cNvPr id="23" name="Straight Connector 22"/>
+          <p:cNvCxnSpPr>
+            <a:stCxn id="20" idx="3"/>
+            <a:endCxn id="1026" idx="1"/>
+          </p:cNvCxnSpPr>
+          <p:nvPr/>
+        </p:nvCxnSpPr>
+        <p:spPr>
+          <a:xfrm>
+            <a:off x="942322" y="5923406"/>
+            <a:ext cx="188348" cy="1"/>
+          </a:xfrm>
+          <a:prstGeom prst="line">
+            <a:avLst/>
+          </a:prstGeom>
+          <a:ln>
+            <a:solidFill>
+              <a:srgbClr val="FF0000"/>
+            </a:solidFill>
+          </a:ln>
+          <a:effectLst/>
+        </p:spPr>
+        <p:style>
+          <a:lnRef idx="2">
+            <a:schemeClr val="accent1"/>
+          </a:lnRef>
+          <a:fillRef idx="0">
+            <a:schemeClr val="accent1"/>
+          </a:fillRef>
+          <a:effectRef idx="1">
+            <a:schemeClr val="accent1"/>
+          </a:effectRef>
+          <a:fontRef idx="minor">
+            <a:schemeClr val="tx1"/>
+          </a:fontRef>
+        </p:style>
+      </p:cxnSp>
+      <p:cxnSp>
+        <p:nvCxnSpPr>
+          <p:cNvPr id="27" name="Straight Connector 26"/>
+          <p:cNvCxnSpPr>
+            <a:stCxn id="18" idx="3"/>
+          </p:cNvCxnSpPr>
+          <p:nvPr/>
+        </p:nvCxnSpPr>
+        <p:spPr>
+          <a:xfrm>
+            <a:off x="5106764" y="5923408"/>
+            <a:ext cx="2203923" cy="1"/>
+          </a:xfrm>
+          <a:prstGeom prst="line">
+            <a:avLst/>
+          </a:prstGeom>
+          <a:ln>
+            <a:solidFill>
+              <a:srgbClr val="FF0000"/>
+            </a:solidFill>
+          </a:ln>
+          <a:effectLst/>
+        </p:spPr>
+        <p:style>
+          <a:lnRef idx="2">
+            <a:schemeClr val="accent1"/>
+          </a:lnRef>
+          <a:fillRef idx="0">
+            <a:schemeClr val="accent1"/>
+          </a:fillRef>
+          <a:effectRef idx="1">
+            <a:schemeClr val="accent1"/>
+          </a:effectRef>
+          <a:fontRef idx="minor">
+            <a:schemeClr val="tx1"/>
+          </a:fontRef>
+        </p:style>
+      </p:cxnSp>
+      <p:grpSp>
+        <p:nvGrpSpPr>
+          <p:cNvPr id="36" name="Group 35"/>
+          <p:cNvGrpSpPr/>
+          <p:nvPr/>
+        </p:nvGrpSpPr>
+        <p:grpSpPr>
+          <a:xfrm>
+            <a:off x="6843407" y="4898424"/>
+            <a:ext cx="2203113" cy="1698853"/>
+            <a:chOff x="6646835" y="919979"/>
+            <a:chExt cx="2514600" cy="1939045"/>
+          </a:xfrm>
+        </p:grpSpPr>
+        <p:pic>
+          <p:nvPicPr>
+            <p:cNvPr id="4" name="Picture 3"/>
+            <p:cNvPicPr>
+              <a:picLocks noChangeAspect="1"/>
+            </p:cNvPicPr>
+            <p:nvPr/>
+          </p:nvPicPr>
+          <p:blipFill rotWithShape="1">
+            <a:blip r:embed="rId8"/>
+            <a:srcRect l="7247" t="6296" r="12936" b="2751"/>
+            <a:stretch/>
+          </p:blipFill>
+          <p:spPr>
+            <a:xfrm>
+              <a:off x="6664116" y="919979"/>
+              <a:ext cx="2479884" cy="1554433"/>
+            </a:xfrm>
+            <a:prstGeom prst="rect">
+              <a:avLst/>
+            </a:prstGeom>
+            <a:ln w="31750">
+              <a:solidFill>
+                <a:schemeClr val="tx1"/>
+              </a:solidFill>
+            </a:ln>
+          </p:spPr>
+        </p:pic>
+        <p:sp>
+          <p:nvSpPr>
+            <p:cNvPr id="29" name="TextBox 28"/>
+            <p:cNvSpPr txBox="1"/>
+            <p:nvPr/>
+          </p:nvSpPr>
+          <p:spPr>
+            <a:xfrm>
+              <a:off x="6646835" y="2489692"/>
+              <a:ext cx="2514600" cy="369332"/>
+            </a:xfrm>
+            <a:prstGeom prst="rect">
+              <a:avLst/>
+            </a:prstGeom>
+            <a:solidFill>
+              <a:srgbClr val="FFFFFF"/>
+            </a:solidFill>
+            <a:ln w="28575" cmpd="sng">
+              <a:solidFill>
+                <a:schemeClr val="tx1"/>
+              </a:solidFill>
+            </a:ln>
+          </p:spPr>
+          <p:txBody>
+            <a:bodyPr wrap="square" rtlCol="0">
+              <a:spAutoFit/>
+            </a:bodyPr>
+            <a:lstStyle/>
+            <a:p>
+              <a:pPr algn="ctr"/>
+              <a:r>
+                <a:rPr lang="en-US" dirty="0" smtClean="0"/>
+                <a:t>DJI Guidance</a:t>
+              </a:r>
+              <a:endParaRPr lang="en-US" dirty="0"/>
+            </a:p>
+          </p:txBody>
+        </p:sp>
+      </p:grpSp>
+      <p:grpSp>
+        <p:nvGrpSpPr>
+          <p:cNvPr id="60" name="Group 59"/>
+          <p:cNvGrpSpPr/>
+          <p:nvPr/>
+        </p:nvGrpSpPr>
+        <p:grpSpPr>
+          <a:xfrm>
+            <a:off x="3828123" y="493415"/>
+            <a:ext cx="1430800" cy="1277515"/>
+            <a:chOff x="5169080" y="465987"/>
+            <a:chExt cx="1580256" cy="1449925"/>
+          </a:xfrm>
+        </p:grpSpPr>
+        <p:pic>
+          <p:nvPicPr>
+            <p:cNvPr id="58" name="Picture 57"/>
+            <p:cNvPicPr>
+              <a:picLocks noChangeAspect="1"/>
+            </p:cNvPicPr>
+            <p:nvPr/>
+          </p:nvPicPr>
+          <p:blipFill>
+            <a:blip r:embed="rId9"/>
+            <a:stretch>
+              <a:fillRect/>
+            </a:stretch>
+          </p:blipFill>
+          <p:spPr>
+            <a:xfrm rot="5400000">
+              <a:off x="5429088" y="218590"/>
+              <a:ext cx="1057710" cy="1552503"/>
+            </a:xfrm>
+            <a:prstGeom prst="rect">
+              <a:avLst/>
+            </a:prstGeom>
+            <a:ln w="31750">
+              <a:solidFill>
+                <a:schemeClr val="tx1"/>
+              </a:solidFill>
+            </a:ln>
+          </p:spPr>
+        </p:pic>
+        <p:sp>
+          <p:nvSpPr>
+            <p:cNvPr id="59" name="TextBox 58"/>
+            <p:cNvSpPr txBox="1"/>
+            <p:nvPr/>
+          </p:nvSpPr>
+          <p:spPr>
+            <a:xfrm>
+              <a:off x="5169080" y="1546580"/>
+              <a:ext cx="1580256" cy="369332"/>
+            </a:xfrm>
+            <a:prstGeom prst="rect">
+              <a:avLst/>
+            </a:prstGeom>
+            <a:solidFill>
+              <a:srgbClr val="FFFFFF"/>
+            </a:solidFill>
+            <a:ln w="28575" cmpd="sng">
+              <a:solidFill>
+                <a:schemeClr val="tx1"/>
+              </a:solidFill>
+            </a:ln>
+          </p:spPr>
+          <p:txBody>
+            <a:bodyPr wrap="square" rtlCol="0">
+              <a:spAutoFit/>
+            </a:bodyPr>
+            <a:lstStyle/>
+            <a:p>
+              <a:pPr algn="ctr"/>
+              <a:r>
+                <a:rPr lang="en-US" dirty="0" err="1" smtClean="0"/>
+                <a:t>WiFi</a:t>
+              </a:r>
+              <a:r>
+                <a:rPr lang="en-US" dirty="0" smtClean="0"/>
+                <a:t> Adapter</a:t>
+              </a:r>
+              <a:endParaRPr lang="en-US" dirty="0"/>
+            </a:p>
+          </p:txBody>
+        </p:sp>
+      </p:grpSp>
+      <p:cxnSp>
+        <p:nvCxnSpPr>
+          <p:cNvPr id="45" name="Straight Connector 44"/>
+          <p:cNvCxnSpPr>
+            <a:stCxn id="1026" idx="3"/>
+            <a:endCxn id="18" idx="1"/>
+          </p:cNvCxnSpPr>
+          <p:nvPr/>
+        </p:nvCxnSpPr>
+        <p:spPr>
+          <a:xfrm>
+            <a:off x="3277470" y="5923407"/>
+            <a:ext cx="550653" cy="1"/>
+          </a:xfrm>
+          <a:prstGeom prst="line">
+            <a:avLst/>
+          </a:prstGeom>
+          <a:ln>
+            <a:solidFill>
+              <a:srgbClr val="FF0000"/>
+            </a:solidFill>
+          </a:ln>
+          <a:effectLst/>
+        </p:spPr>
+        <p:style>
+          <a:lnRef idx="2">
+            <a:schemeClr val="accent1"/>
+          </a:lnRef>
+          <a:fillRef idx="0">
+            <a:schemeClr val="accent1"/>
+          </a:fillRef>
+          <a:effectRef idx="1">
+            <a:schemeClr val="accent1"/>
+          </a:effectRef>
+          <a:fontRef idx="minor">
+            <a:schemeClr val="tx1"/>
+          </a:fontRef>
+        </p:style>
+      </p:cxnSp>
+      <p:cxnSp>
+        <p:nvCxnSpPr>
+          <p:cNvPr id="50" name="Straight Connector 49"/>
+          <p:cNvCxnSpPr>
+            <a:stCxn id="18" idx="0"/>
+            <a:endCxn id="13" idx="2"/>
+          </p:cNvCxnSpPr>
+          <p:nvPr/>
+        </p:nvCxnSpPr>
+        <p:spPr>
+          <a:xfrm flipH="1" flipV="1">
+            <a:off x="4467443" y="4554946"/>
+            <a:ext cx="1" cy="1200980"/>
+          </a:xfrm>
+          <a:prstGeom prst="line">
+            <a:avLst/>
+          </a:prstGeom>
+          <a:ln>
+            <a:solidFill>
+              <a:srgbClr val="FF0000"/>
+            </a:solidFill>
+          </a:ln>
+          <a:effectLst/>
+        </p:spPr>
+        <p:style>
+          <a:lnRef idx="2">
+            <a:schemeClr val="accent1"/>
+          </a:lnRef>
+          <a:fillRef idx="0">
+            <a:schemeClr val="accent1"/>
+          </a:fillRef>
+          <a:effectRef idx="1">
+            <a:schemeClr val="accent1"/>
+          </a:effectRef>
+          <a:fontRef idx="minor">
+            <a:schemeClr val="tx1"/>
+          </a:fontRef>
+        </p:style>
+      </p:cxnSp>
+      <p:cxnSp>
+        <p:nvCxnSpPr>
+          <p:cNvPr id="53" name="Straight Connector 52"/>
+          <p:cNvCxnSpPr/>
+          <p:nvPr/>
+        </p:nvCxnSpPr>
+        <p:spPr>
+          <a:xfrm>
+            <a:off x="5563314" y="2908636"/>
+            <a:ext cx="1683497" cy="0"/>
+          </a:xfrm>
+          <a:prstGeom prst="line">
+            <a:avLst/>
+          </a:prstGeom>
+          <a:ln>
+            <a:solidFill>
+              <a:srgbClr val="FF0000"/>
+            </a:solidFill>
+          </a:ln>
+          <a:effectLst/>
+        </p:spPr>
+        <p:style>
+          <a:lnRef idx="2">
+            <a:schemeClr val="accent1"/>
+          </a:lnRef>
+          <a:fillRef idx="0">
+            <a:schemeClr val="accent1"/>
+          </a:fillRef>
+          <a:effectRef idx="1">
+            <a:schemeClr val="accent1"/>
+          </a:effectRef>
+          <a:fontRef idx="minor">
+            <a:schemeClr val="tx1"/>
+          </a:fontRef>
+        </p:style>
+      </p:cxnSp>
+      <p:cxnSp>
+        <p:nvCxnSpPr>
+          <p:cNvPr id="56" name="Straight Connector 55"/>
+          <p:cNvCxnSpPr/>
+          <p:nvPr/>
+        </p:nvCxnSpPr>
+        <p:spPr>
+          <a:xfrm flipH="1" flipV="1">
+            <a:off x="4073442" y="1770930"/>
+            <a:ext cx="1" cy="752818"/>
+          </a:xfrm>
+          <a:prstGeom prst="line">
+            <a:avLst/>
+          </a:prstGeom>
+          <a:ln>
+            <a:solidFill>
+              <a:srgbClr val="00B0F0"/>
+            </a:solidFill>
+          </a:ln>
+          <a:effectLst/>
+        </p:spPr>
+        <p:style>
+          <a:lnRef idx="2">
+            <a:schemeClr val="accent1"/>
+          </a:lnRef>
+          <a:fillRef idx="0">
+            <a:schemeClr val="accent1"/>
+          </a:fillRef>
+          <a:effectRef idx="1">
+            <a:schemeClr val="accent1"/>
+          </a:effectRef>
+          <a:fontRef idx="minor">
+            <a:schemeClr val="tx1"/>
+          </a:fontRef>
+        </p:style>
+      </p:cxnSp>
+      <p:cxnSp>
+        <p:nvCxnSpPr>
+          <p:cNvPr id="61" name="Straight Connector 60"/>
+          <p:cNvCxnSpPr>
+            <a:stCxn id="1026" idx="0"/>
+            <a:endCxn id="11" idx="2"/>
+          </p:cNvCxnSpPr>
+          <p:nvPr/>
+        </p:nvCxnSpPr>
+        <p:spPr>
+          <a:xfrm rot="16200000" flipV="1">
+            <a:off x="1637209" y="4570019"/>
+            <a:ext cx="591212" cy="542510"/>
+          </a:xfrm>
+          <a:prstGeom prst="bentConnector3">
+            <a:avLst>
+              <a:gd name="adj1" fmla="val 50000"/>
+            </a:avLst>
+          </a:prstGeom>
+          <a:ln>
+            <a:solidFill>
+              <a:srgbClr val="FF0000"/>
+            </a:solidFill>
+          </a:ln>
+          <a:effectLst/>
+        </p:spPr>
+        <p:style>
+          <a:lnRef idx="2">
+            <a:schemeClr val="accent1"/>
+          </a:lnRef>
+          <a:fillRef idx="0">
+            <a:schemeClr val="accent1"/>
+          </a:fillRef>
+          <a:effectRef idx="1">
+            <a:schemeClr val="accent1"/>
+          </a:effectRef>
+          <a:fontRef idx="minor">
+            <a:schemeClr val="tx1"/>
+          </a:fontRef>
+        </p:style>
+      </p:cxnSp>
+      <p:cxnSp>
+        <p:nvCxnSpPr>
+          <p:cNvPr id="76" name="Straight Connector 75"/>
+          <p:cNvCxnSpPr/>
+          <p:nvPr/>
+        </p:nvCxnSpPr>
+        <p:spPr>
+          <a:xfrm flipH="1" flipV="1">
+            <a:off x="1384822" y="1593838"/>
+            <a:ext cx="2" cy="630896"/>
+          </a:xfrm>
+          <a:prstGeom prst="line">
+            <a:avLst/>
+          </a:prstGeom>
+          <a:ln>
+            <a:solidFill>
+              <a:srgbClr val="00B0F0"/>
+            </a:solidFill>
+          </a:ln>
+          <a:effectLst/>
+        </p:spPr>
+        <p:style>
+          <a:lnRef idx="2">
+            <a:schemeClr val="accent1"/>
+          </a:lnRef>
+          <a:fillRef idx="0">
+            <a:schemeClr val="accent1"/>
+          </a:fillRef>
+          <a:effectRef idx="1">
+            <a:schemeClr val="accent1"/>
+          </a:effectRef>
+          <a:fontRef idx="minor">
+            <a:schemeClr val="tx1"/>
+          </a:fontRef>
+        </p:style>
+      </p:cxnSp>
+      <p:cxnSp>
+        <p:nvCxnSpPr>
+          <p:cNvPr id="78" name="Straight Connector 77"/>
+          <p:cNvCxnSpPr/>
+          <p:nvPr/>
+        </p:nvCxnSpPr>
+        <p:spPr>
+          <a:xfrm>
+            <a:off x="5578399" y="3365836"/>
+            <a:ext cx="1683497" cy="0"/>
+          </a:xfrm>
+          <a:prstGeom prst="line">
+            <a:avLst/>
+          </a:prstGeom>
+          <a:ln>
+            <a:solidFill>
+              <a:schemeClr val="tx2">
+                <a:lumMod val="60000"/>
+                <a:lumOff val="40000"/>
+              </a:schemeClr>
+            </a:solidFill>
+          </a:ln>
+          <a:effectLst/>
+        </p:spPr>
+        <p:style>
+          <a:lnRef idx="2">
+            <a:schemeClr val="accent1"/>
+          </a:lnRef>
+          <a:fillRef idx="0">
+            <a:schemeClr val="accent1"/>
+          </a:fillRef>
+          <a:effectRef idx="1">
+            <a:schemeClr val="accent1"/>
+          </a:effectRef>
+          <a:fontRef idx="minor">
+            <a:schemeClr val="tx1"/>
+          </a:fontRef>
+        </p:style>
+      </p:cxnSp>
+      <p:cxnSp>
+        <p:nvCxnSpPr>
+          <p:cNvPr id="79" name="Straight Connector 78"/>
+          <p:cNvCxnSpPr/>
+          <p:nvPr/>
+        </p:nvCxnSpPr>
+        <p:spPr>
+          <a:xfrm>
+            <a:off x="5563315" y="3511148"/>
+            <a:ext cx="1683497" cy="0"/>
+          </a:xfrm>
+          <a:prstGeom prst="line">
+            <a:avLst/>
+          </a:prstGeom>
+          <a:ln>
+            <a:solidFill>
+              <a:schemeClr val="tx2">
+                <a:lumMod val="60000"/>
+                <a:lumOff val="40000"/>
+              </a:schemeClr>
+            </a:solidFill>
+          </a:ln>
+          <a:effectLst/>
+        </p:spPr>
+        <p:style>
+          <a:lnRef idx="2">
+            <a:schemeClr val="accent1"/>
+          </a:lnRef>
+          <a:fillRef idx="0">
+            <a:schemeClr val="accent1"/>
+          </a:fillRef>
+          <a:effectRef idx="1">
+            <a:schemeClr val="accent1"/>
+          </a:effectRef>
+          <a:fontRef idx="minor">
+            <a:schemeClr val="tx1"/>
+          </a:fontRef>
+        </p:style>
+      </p:cxnSp>
+      <p:cxnSp>
+        <p:nvCxnSpPr>
+          <p:cNvPr id="84" name="Straight Connector 83"/>
+          <p:cNvCxnSpPr/>
+          <p:nvPr/>
+        </p:nvCxnSpPr>
+        <p:spPr>
+          <a:xfrm>
+            <a:off x="5106764" y="4554947"/>
+            <a:ext cx="1736643" cy="899555"/>
+          </a:xfrm>
+          <a:prstGeom prst="bentConnector3">
+            <a:avLst>
+              <a:gd name="adj1" fmla="val -204"/>
+            </a:avLst>
+          </a:prstGeom>
+          <a:ln>
+            <a:solidFill>
+              <a:schemeClr val="tx2">
+                <a:lumMod val="60000"/>
+                <a:lumOff val="40000"/>
+              </a:schemeClr>
+            </a:solidFill>
+          </a:ln>
+          <a:effectLst/>
+        </p:spPr>
+        <p:style>
+          <a:lnRef idx="2">
+            <a:schemeClr val="accent1"/>
+          </a:lnRef>
+          <a:fillRef idx="0">
+            <a:schemeClr val="accent1"/>
+          </a:fillRef>
+          <a:effectRef idx="1">
+            <a:schemeClr val="accent1"/>
+          </a:effectRef>
+          <a:fontRef idx="minor">
+            <a:schemeClr val="tx1"/>
+          </a:fontRef>
+        </p:style>
+      </p:cxnSp>
+      <p:cxnSp>
+        <p:nvCxnSpPr>
+          <p:cNvPr id="89" name="Straight Connector 88"/>
+          <p:cNvCxnSpPr/>
+          <p:nvPr/>
+        </p:nvCxnSpPr>
+        <p:spPr>
+          <a:xfrm flipH="1" flipV="1">
+            <a:off x="2049112" y="1599896"/>
+            <a:ext cx="2" cy="630896"/>
+          </a:xfrm>
+          <a:prstGeom prst="line">
+            <a:avLst/>
+          </a:prstGeom>
+          <a:ln>
+            <a:solidFill>
+              <a:srgbClr val="FF0000"/>
+            </a:solidFill>
+          </a:ln>
+          <a:effectLst/>
+        </p:spPr>
+        <p:style>
+          <a:lnRef idx="2">
+            <a:schemeClr val="accent1"/>
+          </a:lnRef>
+          <a:fillRef idx="0">
+            <a:schemeClr val="accent1"/>
+          </a:fillRef>
+          <a:effectRef idx="1">
+            <a:schemeClr val="accent1"/>
+          </a:effectRef>
+          <a:fontRef idx="minor">
+            <a:schemeClr val="tx1"/>
+          </a:fontRef>
+        </p:style>
+      </p:cxnSp>
+      <p:cxnSp>
+        <p:nvCxnSpPr>
+          <p:cNvPr id="90" name="Straight Connector 89"/>
+          <p:cNvCxnSpPr/>
+          <p:nvPr/>
+        </p:nvCxnSpPr>
+        <p:spPr>
+          <a:xfrm flipH="1" flipV="1">
+            <a:off x="4918376" y="1795419"/>
+            <a:ext cx="2" cy="703840"/>
+          </a:xfrm>
+          <a:prstGeom prst="line">
+            <a:avLst/>
+          </a:prstGeom>
+          <a:ln>
+            <a:solidFill>
+              <a:srgbClr val="FF0000"/>
+            </a:solidFill>
+          </a:ln>
+          <a:effectLst/>
+        </p:spPr>
+        <p:style>
+          <a:lnRef idx="2">
+            <a:schemeClr val="accent1"/>
+          </a:lnRef>
+          <a:fillRef idx="0">
+            <a:schemeClr val="accent1"/>
+          </a:fillRef>
+          <a:effectRef idx="1">
+            <a:schemeClr val="accent1"/>
+          </a:effectRef>
+          <a:fontRef idx="minor">
+            <a:schemeClr val="tx1"/>
+          </a:fontRef>
+        </p:style>
+      </p:cxnSp>
+      <p:cxnSp>
+        <p:nvCxnSpPr>
+          <p:cNvPr id="92" name="Straight Connector 91"/>
+          <p:cNvCxnSpPr/>
+          <p:nvPr/>
+        </p:nvCxnSpPr>
+        <p:spPr>
+          <a:xfrm>
+            <a:off x="2275538" y="3339886"/>
+            <a:ext cx="1080949" cy="0"/>
+          </a:xfrm>
+          <a:prstGeom prst="line">
+            <a:avLst/>
+          </a:prstGeom>
+          <a:ln>
+            <a:solidFill>
+              <a:schemeClr val="tx2">
+                <a:lumMod val="60000"/>
+                <a:lumOff val="40000"/>
+              </a:schemeClr>
+            </a:solidFill>
+          </a:ln>
+          <a:effectLst/>
+        </p:spPr>
+        <p:style>
+          <a:lnRef idx="2">
+            <a:schemeClr val="accent1"/>
+          </a:lnRef>
+          <a:fillRef idx="0">
+            <a:schemeClr val="accent1"/>
+          </a:fillRef>
+          <a:effectRef idx="1">
+            <a:schemeClr val="accent1"/>
+          </a:effectRef>
+          <a:fontRef idx="minor">
+            <a:schemeClr val="tx1"/>
+          </a:fontRef>
+        </p:style>
+      </p:cxnSp>
+      <p:cxnSp>
+        <p:nvCxnSpPr>
+          <p:cNvPr id="1049" name="Straight Arrow Connector 1048"/>
+          <p:cNvCxnSpPr/>
+          <p:nvPr/>
+        </p:nvCxnSpPr>
+        <p:spPr>
+          <a:xfrm>
+            <a:off x="6634716" y="670508"/>
+            <a:ext cx="1116419" cy="0"/>
+          </a:xfrm>
+          <a:prstGeom prst="straightConnector1">
+            <a:avLst/>
+          </a:prstGeom>
+          <a:ln>
+            <a:solidFill>
+              <a:srgbClr val="00B0F0"/>
+            </a:solidFill>
+            <a:headEnd type="arrow" w="med" len="med"/>
+            <a:tailEnd type="arrow" w="med" len="med"/>
+          </a:ln>
+        </p:spPr>
+        <p:style>
+          <a:lnRef idx="2">
+            <a:schemeClr val="accent1"/>
+          </a:lnRef>
+          <a:fillRef idx="0">
+            <a:schemeClr val="accent1"/>
+          </a:fillRef>
+          <a:effectRef idx="1">
+            <a:schemeClr val="accent1"/>
+          </a:effectRef>
+          <a:fontRef idx="minor">
+            <a:schemeClr val="tx1"/>
+          </a:fontRef>
+        </p:style>
+      </p:cxnSp>
+      <p:cxnSp>
+        <p:nvCxnSpPr>
+          <p:cNvPr id="1051" name="Straight Arrow Connector 1050"/>
+          <p:cNvCxnSpPr/>
+          <p:nvPr/>
+        </p:nvCxnSpPr>
+        <p:spPr>
+          <a:xfrm>
+            <a:off x="6634716" y="959384"/>
+            <a:ext cx="1116419" cy="0"/>
+          </a:xfrm>
+          <a:prstGeom prst="straightConnector1">
+            <a:avLst/>
+          </a:prstGeom>
+          <a:ln>
+            <a:solidFill>
+              <a:srgbClr val="FF0000"/>
+            </a:solidFill>
+            <a:tailEnd type="arrow"/>
+          </a:ln>
+        </p:spPr>
+        <p:style>
+          <a:lnRef idx="2">
+            <a:schemeClr val="accent1"/>
+          </a:lnRef>
+          <a:fillRef idx="0">
+            <a:schemeClr val="accent1"/>
+          </a:fillRef>
+          <a:effectRef idx="1">
+            <a:schemeClr val="accent1"/>
+          </a:effectRef>
+          <a:fontRef idx="minor">
+            <a:schemeClr val="tx1"/>
+          </a:fontRef>
+        </p:style>
+      </p:cxnSp>
+      <p:sp>
+        <p:nvSpPr>
+          <p:cNvPr id="1052" name="TextBox 1051"/>
+          <p:cNvSpPr txBox="1"/>
+          <p:nvPr/>
+        </p:nvSpPr>
+        <p:spPr>
+          <a:xfrm>
+            <a:off x="7751135" y="464576"/>
+            <a:ext cx="1295385" cy="646331"/>
+          </a:xfrm>
+          <a:prstGeom prst="rect">
+            <a:avLst/>
+          </a:prstGeom>
+          <a:noFill/>
+        </p:spPr>
+        <p:txBody>
+          <a:bodyPr wrap="square" rtlCol="0">
+            <a:spAutoFit/>
+          </a:bodyPr>
+          <a:lstStyle/>
+          <a:p>
+            <a:r>
+              <a:rPr lang="en-US" dirty="0" err="1" smtClean="0">
+                <a:solidFill>
+                  <a:srgbClr val="00B0F0"/>
+                </a:solidFill>
+              </a:rPr>
+              <a:t>Comms</a:t>
+            </a:r>
+            <a:endParaRPr lang="en-US" dirty="0" smtClean="0">
+              <a:solidFill>
+                <a:srgbClr val="00B0F0"/>
+              </a:solidFill>
+            </a:endParaRPr>
+          </a:p>
+          <a:p>
+            <a:r>
+              <a:rPr lang="en-US" dirty="0" smtClean="0">
+                <a:solidFill>
+                  <a:srgbClr val="FF0000"/>
+                </a:solidFill>
+              </a:rPr>
+              <a:t>Power</a:t>
+            </a:r>
+            <a:endParaRPr lang="en-US" dirty="0">
+              <a:solidFill>
+                <a:srgbClr val="FF0000"/>
+              </a:solidFill>
+            </a:endParaRPr>
+          </a:p>
+        </p:txBody>
+      </p:sp>
+    </p:spTree>
+    <p:extLst>
+      <p:ext uri="{BB962C8B-B14F-4D97-AF65-F5344CB8AC3E}">
+        <p14:creationId xmlns:p14="http://schemas.microsoft.com/office/powerpoint/2010/main" val="4128830047"/>
+      </p:ext>
+    </p:extLst>
+  </p:cSld>
+  <p:clrMapOvr>
+    <a:masterClrMapping/>
+  </p:clrMapOvr>
+</p:sld>
+</file>
+
+<file path=ppt/slides/slide6.xml><?xml version="1.0" encoding="utf-8"?>
 <p:sld xmlns:a="http://schemas.openxmlformats.org/drawingml/2006/main" xmlns:r="http://schemas.openxmlformats.org/officeDocument/2006/relationships" xmlns:p="http://schemas.openxmlformats.org/presentationml/2006/main">
   <p:cSld>
     <p:spTree>

--- a/Presentations/frew_approved_block_diagrams.pptx
+++ b/Presentations/frew_approved_block_diagrams.pptx
@@ -197,7 +197,7 @@
           <a:p>
             <a:fld id="{4A080564-0BB4-C74D-B7AF-329E8F37804D}" type="datetimeFigureOut">
               <a:rPr lang="en-US" smtClean="0"/>
-              <a:t>11/11/2015</a:t>
+              <a:t>11/18/2015</a:t>
             </a:fld>
             <a:endParaRPr lang="en-US"/>
           </a:p>
@@ -898,7 +898,7 @@
           <a:p>
             <a:fld id="{3BBED690-81D0-0D43-8915-1586A19F50EB}" type="datetimeFigureOut">
               <a:rPr lang="en-US" smtClean="0"/>
-              <a:t>11/11/2015</a:t>
+              <a:t>11/18/2015</a:t>
             </a:fld>
             <a:endParaRPr lang="en-US"/>
           </a:p>
@@ -1068,7 +1068,7 @@
           <a:p>
             <a:fld id="{3BBED690-81D0-0D43-8915-1586A19F50EB}" type="datetimeFigureOut">
               <a:rPr lang="en-US" smtClean="0"/>
-              <a:t>11/11/2015</a:t>
+              <a:t>11/18/2015</a:t>
             </a:fld>
             <a:endParaRPr lang="en-US"/>
           </a:p>
@@ -1248,7 +1248,7 @@
           <a:p>
             <a:fld id="{3BBED690-81D0-0D43-8915-1586A19F50EB}" type="datetimeFigureOut">
               <a:rPr lang="en-US" smtClean="0"/>
-              <a:t>11/11/2015</a:t>
+              <a:t>11/18/2015</a:t>
             </a:fld>
             <a:endParaRPr lang="en-US"/>
           </a:p>
@@ -1418,7 +1418,7 @@
           <a:p>
             <a:fld id="{3BBED690-81D0-0D43-8915-1586A19F50EB}" type="datetimeFigureOut">
               <a:rPr lang="en-US" smtClean="0"/>
-              <a:t>11/11/2015</a:t>
+              <a:t>11/18/2015</a:t>
             </a:fld>
             <a:endParaRPr lang="en-US"/>
           </a:p>
@@ -1664,7 +1664,7 @@
           <a:p>
             <a:fld id="{3BBED690-81D0-0D43-8915-1586A19F50EB}" type="datetimeFigureOut">
               <a:rPr lang="en-US" smtClean="0"/>
-              <a:t>11/11/2015</a:t>
+              <a:t>11/18/2015</a:t>
             </a:fld>
             <a:endParaRPr lang="en-US"/>
           </a:p>
@@ -1952,7 +1952,7 @@
           <a:p>
             <a:fld id="{3BBED690-81D0-0D43-8915-1586A19F50EB}" type="datetimeFigureOut">
               <a:rPr lang="en-US" smtClean="0"/>
-              <a:t>11/11/2015</a:t>
+              <a:t>11/18/2015</a:t>
             </a:fld>
             <a:endParaRPr lang="en-US"/>
           </a:p>
@@ -2374,7 +2374,7 @@
           <a:p>
             <a:fld id="{3BBED690-81D0-0D43-8915-1586A19F50EB}" type="datetimeFigureOut">
               <a:rPr lang="en-US" smtClean="0"/>
-              <a:t>11/11/2015</a:t>
+              <a:t>11/18/2015</a:t>
             </a:fld>
             <a:endParaRPr lang="en-US"/>
           </a:p>
@@ -2492,7 +2492,7 @@
           <a:p>
             <a:fld id="{3BBED690-81D0-0D43-8915-1586A19F50EB}" type="datetimeFigureOut">
               <a:rPr lang="en-US" smtClean="0"/>
-              <a:t>11/11/2015</a:t>
+              <a:t>11/18/2015</a:t>
             </a:fld>
             <a:endParaRPr lang="en-US"/>
           </a:p>
@@ -2587,7 +2587,7 @@
           <a:p>
             <a:fld id="{3BBED690-81D0-0D43-8915-1586A19F50EB}" type="datetimeFigureOut">
               <a:rPr lang="en-US" smtClean="0"/>
-              <a:t>11/11/2015</a:t>
+              <a:t>11/18/2015</a:t>
             </a:fld>
             <a:endParaRPr lang="en-US"/>
           </a:p>
@@ -2864,7 +2864,7 @@
           <a:p>
             <a:fld id="{3BBED690-81D0-0D43-8915-1586A19F50EB}" type="datetimeFigureOut">
               <a:rPr lang="en-US" smtClean="0"/>
-              <a:t>11/11/2015</a:t>
+              <a:t>11/18/2015</a:t>
             </a:fld>
             <a:endParaRPr lang="en-US"/>
           </a:p>
@@ -3117,7 +3117,7 @@
           <a:p>
             <a:fld id="{3BBED690-81D0-0D43-8915-1586A19F50EB}" type="datetimeFigureOut">
               <a:rPr lang="en-US" smtClean="0"/>
-              <a:t>11/11/2015</a:t>
+              <a:t>11/18/2015</a:t>
             </a:fld>
             <a:endParaRPr lang="en-US"/>
           </a:p>
@@ -3330,7 +3330,7 @@
           <a:p>
             <a:fld id="{3BBED690-81D0-0D43-8915-1586A19F50EB}" type="datetimeFigureOut">
               <a:rPr lang="en-US" smtClean="0"/>
-              <a:t>11/11/2015</a:t>
+              <a:t>11/18/2015</a:t>
             </a:fld>
             <a:endParaRPr lang="en-US"/>
           </a:p>
@@ -9204,7 +9204,7 @@
         <p:spPr>
           <a:xfrm>
             <a:off x="6228026" y="3467208"/>
-            <a:ext cx="588623" cy="276999"/>
+            <a:ext cx="1109599" cy="276999"/>
           </a:xfrm>
           <a:prstGeom prst="rect">
             <a:avLst/>
@@ -9219,7 +9219,11 @@
           <a:p>
             <a:r>
               <a:rPr lang="en-US" sz="1200" b="1" dirty="0" smtClean="0"/>
-              <a:t>14.8 V</a:t>
+              <a:t>14.8 </a:t>
+            </a:r>
+            <a:r>
+              <a:rPr lang="en-US" sz="1200" b="1" dirty="0" smtClean="0"/>
+              <a:t>V , 2-15 A</a:t>
             </a:r>
             <a:endParaRPr lang="en-US" sz="1200" b="1" dirty="0"/>
           </a:p>
@@ -12431,8 +12435,8 @@
         </p:nvSpPr>
         <p:spPr>
           <a:xfrm>
-            <a:off x="3828123" y="5755926"/>
-            <a:ext cx="1278641" cy="334963"/>
+            <a:off x="3710762" y="5745293"/>
+            <a:ext cx="1545085" cy="369332"/>
           </a:xfrm>
           <a:prstGeom prst="rect">
             <a:avLst/>
@@ -12468,6 +12472,7 @@
               <a:rPr lang="en-US" dirty="0" smtClean="0"/>
               <a:t>Battery</a:t>
             </a:r>
+            <a:endParaRPr lang="en-US" dirty="0" smtClean="0"/>
           </a:p>
         </p:txBody>
       </p:sp>
@@ -12567,9 +12572,9 @@
           <p:nvPr/>
         </p:nvCxnSpPr>
         <p:spPr>
-          <a:xfrm>
-            <a:off x="5106764" y="5923408"/>
-            <a:ext cx="2203923" cy="1"/>
+          <a:xfrm flipV="1">
+            <a:off x="5255847" y="5912777"/>
+            <a:ext cx="2065473" cy="17182"/>
           </a:xfrm>
           <a:prstGeom prst="line">
             <a:avLst/>
@@ -12775,7 +12780,7 @@
         <p:spPr>
           <a:xfrm>
             <a:off x="3277470" y="5923407"/>
-            <a:ext cx="550653" cy="1"/>
+            <a:ext cx="433292" cy="6552"/>
           </a:xfrm>
           <a:prstGeom prst="line">
             <a:avLst/>
@@ -12814,7 +12819,7 @@
         <p:spPr>
           <a:xfrm flipH="1" flipV="1">
             <a:off x="4467443" y="4554946"/>
-            <a:ext cx="1" cy="1200980"/>
+            <a:ext cx="15862" cy="1190347"/>
           </a:xfrm>
           <a:prstGeom prst="line">
             <a:avLst/>
@@ -13343,6 +13348,150 @@
                 <a:srgbClr val="FF0000"/>
               </a:solidFill>
             </a:endParaRPr>
+          </a:p>
+        </p:txBody>
+      </p:sp>
+      <p:sp>
+        <p:nvSpPr>
+          <p:cNvPr id="2" name="TextBox 1"/>
+          <p:cNvSpPr txBox="1"/>
+          <p:nvPr/>
+        </p:nvSpPr>
+        <p:spPr>
+          <a:xfrm>
+            <a:off x="5746350" y="3128244"/>
+            <a:ext cx="1403356" cy="600164"/>
+          </a:xfrm>
+          <a:prstGeom prst="rect">
+            <a:avLst/>
+          </a:prstGeom>
+          <a:noFill/>
+        </p:spPr>
+        <p:txBody>
+          <a:bodyPr wrap="square" rtlCol="0">
+            <a:spAutoFit/>
+          </a:bodyPr>
+          <a:lstStyle/>
+          <a:p>
+            <a:pPr>
+              <a:spcAft>
+                <a:spcPts val="600"/>
+              </a:spcAft>
+            </a:pPr>
+            <a:r>
+              <a:rPr lang="en-US" sz="1400" b="1" dirty="0" smtClean="0"/>
+              <a:t>SPI   (video)</a:t>
+            </a:r>
+          </a:p>
+          <a:p>
+            <a:pPr>
+              <a:spcAft>
+                <a:spcPts val="600"/>
+              </a:spcAft>
+            </a:pPr>
+            <a:r>
+              <a:rPr lang="en-US" sz="1400" b="1" dirty="0" smtClean="0"/>
+              <a:t>I2C  (control) </a:t>
+            </a:r>
+            <a:endParaRPr lang="en-US" sz="1400" b="1" dirty="0"/>
+          </a:p>
+        </p:txBody>
+      </p:sp>
+      <p:sp>
+        <p:nvSpPr>
+          <p:cNvPr id="44" name="TextBox 43"/>
+          <p:cNvSpPr txBox="1"/>
+          <p:nvPr/>
+        </p:nvSpPr>
+        <p:spPr>
+          <a:xfrm>
+            <a:off x="3062178" y="1988529"/>
+            <a:ext cx="1091966" cy="307777"/>
+          </a:xfrm>
+          <a:prstGeom prst="rect">
+            <a:avLst/>
+          </a:prstGeom>
+          <a:noFill/>
+        </p:spPr>
+        <p:txBody>
+          <a:bodyPr wrap="none" rtlCol="0">
+            <a:spAutoFit/>
+          </a:bodyPr>
+          <a:lstStyle/>
+          <a:p>
+            <a:r>
+              <a:rPr lang="en-US" sz="1400" b="1" dirty="0" smtClean="0"/>
+              <a:t>USB 3.0 (#0)</a:t>
+            </a:r>
+            <a:endParaRPr lang="en-US" sz="1400" b="1" dirty="0"/>
+          </a:p>
+        </p:txBody>
+      </p:sp>
+      <p:sp>
+        <p:nvSpPr>
+          <p:cNvPr id="46" name="TextBox 45"/>
+          <p:cNvSpPr txBox="1"/>
+          <p:nvPr/>
+        </p:nvSpPr>
+        <p:spPr>
+          <a:xfrm>
+            <a:off x="5578399" y="5163343"/>
+            <a:ext cx="1091966" cy="307777"/>
+          </a:xfrm>
+          <a:prstGeom prst="rect">
+            <a:avLst/>
+          </a:prstGeom>
+          <a:noFill/>
+        </p:spPr>
+        <p:txBody>
+          <a:bodyPr wrap="none" rtlCol="0">
+            <a:spAutoFit/>
+          </a:bodyPr>
+          <a:lstStyle/>
+          <a:p>
+            <a:r>
+              <a:rPr lang="en-US" sz="1400" b="1" dirty="0" smtClean="0"/>
+              <a:t>USB </a:t>
+            </a:r>
+            <a:r>
+              <a:rPr lang="en-US" sz="1400" b="1" dirty="0" smtClean="0"/>
+              <a:t>2.0 (#2)</a:t>
+            </a:r>
+            <a:endParaRPr lang="en-US" sz="1400" b="1" dirty="0"/>
+          </a:p>
+        </p:txBody>
+      </p:sp>
+      <p:sp>
+        <p:nvSpPr>
+          <p:cNvPr id="47" name="TextBox 46"/>
+          <p:cNvSpPr txBox="1"/>
+          <p:nvPr/>
+        </p:nvSpPr>
+        <p:spPr>
+          <a:xfrm>
+            <a:off x="2298105" y="3060514"/>
+            <a:ext cx="1091966" cy="307777"/>
+          </a:xfrm>
+          <a:prstGeom prst="rect">
+            <a:avLst/>
+          </a:prstGeom>
+          <a:noFill/>
+        </p:spPr>
+        <p:txBody>
+          <a:bodyPr wrap="none" rtlCol="0">
+            <a:spAutoFit/>
+          </a:bodyPr>
+          <a:lstStyle/>
+          <a:p>
+            <a:r>
+              <a:rPr lang="en-US" sz="1400" b="1" dirty="0" smtClean="0"/>
+              <a:t>USB </a:t>
+            </a:r>
+            <a:r>
+              <a:rPr lang="en-US" sz="1400" b="1" dirty="0" smtClean="0"/>
+              <a:t>2.0 (#1)</a:t>
+            </a:r>
+            <a:endParaRPr lang="en-US" sz="1400" b="1" dirty="0"/>
           </a:p>
         </p:txBody>
       </p:sp>

--- a/Presentations/frew_approved_block_diagrams.pptx
+++ b/Presentations/frew_approved_block_diagrams.pptx
@@ -197,7 +197,7 @@
           <a:p>
             <a:fld id="{4A080564-0BB4-C74D-B7AF-329E8F37804D}" type="datetimeFigureOut">
               <a:rPr lang="en-US" smtClean="0"/>
-              <a:t>11/18/2015</a:t>
+              <a:t>12/1/2015</a:t>
             </a:fld>
             <a:endParaRPr lang="en-US"/>
           </a:p>
@@ -898,7 +898,7 @@
           <a:p>
             <a:fld id="{3BBED690-81D0-0D43-8915-1586A19F50EB}" type="datetimeFigureOut">
               <a:rPr lang="en-US" smtClean="0"/>
-              <a:t>11/18/2015</a:t>
+              <a:t>12/1/2015</a:t>
             </a:fld>
             <a:endParaRPr lang="en-US"/>
           </a:p>
@@ -1068,7 +1068,7 @@
           <a:p>
             <a:fld id="{3BBED690-81D0-0D43-8915-1586A19F50EB}" type="datetimeFigureOut">
               <a:rPr lang="en-US" smtClean="0"/>
-              <a:t>11/18/2015</a:t>
+              <a:t>12/1/2015</a:t>
             </a:fld>
             <a:endParaRPr lang="en-US"/>
           </a:p>
@@ -1248,7 +1248,7 @@
           <a:p>
             <a:fld id="{3BBED690-81D0-0D43-8915-1586A19F50EB}" type="datetimeFigureOut">
               <a:rPr lang="en-US" smtClean="0"/>
-              <a:t>11/18/2015</a:t>
+              <a:t>12/1/2015</a:t>
             </a:fld>
             <a:endParaRPr lang="en-US"/>
           </a:p>
@@ -1418,7 +1418,7 @@
           <a:p>
             <a:fld id="{3BBED690-81D0-0D43-8915-1586A19F50EB}" type="datetimeFigureOut">
               <a:rPr lang="en-US" smtClean="0"/>
-              <a:t>11/18/2015</a:t>
+              <a:t>12/1/2015</a:t>
             </a:fld>
             <a:endParaRPr lang="en-US"/>
           </a:p>
@@ -1664,7 +1664,7 @@
           <a:p>
             <a:fld id="{3BBED690-81D0-0D43-8915-1586A19F50EB}" type="datetimeFigureOut">
               <a:rPr lang="en-US" smtClean="0"/>
-              <a:t>11/18/2015</a:t>
+              <a:t>12/1/2015</a:t>
             </a:fld>
             <a:endParaRPr lang="en-US"/>
           </a:p>
@@ -1952,7 +1952,7 @@
           <a:p>
             <a:fld id="{3BBED690-81D0-0D43-8915-1586A19F50EB}" type="datetimeFigureOut">
               <a:rPr lang="en-US" smtClean="0"/>
-              <a:t>11/18/2015</a:t>
+              <a:t>12/1/2015</a:t>
             </a:fld>
             <a:endParaRPr lang="en-US"/>
           </a:p>
@@ -2374,7 +2374,7 @@
           <a:p>
             <a:fld id="{3BBED690-81D0-0D43-8915-1586A19F50EB}" type="datetimeFigureOut">
               <a:rPr lang="en-US" smtClean="0"/>
-              <a:t>11/18/2015</a:t>
+              <a:t>12/1/2015</a:t>
             </a:fld>
             <a:endParaRPr lang="en-US"/>
           </a:p>
@@ -2492,7 +2492,7 @@
           <a:p>
             <a:fld id="{3BBED690-81D0-0D43-8915-1586A19F50EB}" type="datetimeFigureOut">
               <a:rPr lang="en-US" smtClean="0"/>
-              <a:t>11/18/2015</a:t>
+              <a:t>12/1/2015</a:t>
             </a:fld>
             <a:endParaRPr lang="en-US"/>
           </a:p>
@@ -2587,7 +2587,7 @@
           <a:p>
             <a:fld id="{3BBED690-81D0-0D43-8915-1586A19F50EB}" type="datetimeFigureOut">
               <a:rPr lang="en-US" smtClean="0"/>
-              <a:t>11/18/2015</a:t>
+              <a:t>12/1/2015</a:t>
             </a:fld>
             <a:endParaRPr lang="en-US"/>
           </a:p>
@@ -2864,7 +2864,7 @@
           <a:p>
             <a:fld id="{3BBED690-81D0-0D43-8915-1586A19F50EB}" type="datetimeFigureOut">
               <a:rPr lang="en-US" smtClean="0"/>
-              <a:t>11/18/2015</a:t>
+              <a:t>12/1/2015</a:t>
             </a:fld>
             <a:endParaRPr lang="en-US"/>
           </a:p>
@@ -3117,7 +3117,7 @@
           <a:p>
             <a:fld id="{3BBED690-81D0-0D43-8915-1586A19F50EB}" type="datetimeFigureOut">
               <a:rPr lang="en-US" smtClean="0"/>
-              <a:t>11/18/2015</a:t>
+              <a:t>12/1/2015</a:t>
             </a:fld>
             <a:endParaRPr lang="en-US"/>
           </a:p>
@@ -3330,7 +3330,7 @@
           <a:p>
             <a:fld id="{3BBED690-81D0-0D43-8915-1586A19F50EB}" type="datetimeFigureOut">
               <a:rPr lang="en-US" smtClean="0"/>
-              <a:t>11/18/2015</a:t>
+              <a:t>12/1/2015</a:t>
             </a:fld>
             <a:endParaRPr lang="en-US"/>
           </a:p>
@@ -4179,7 +4179,7 @@
           <a:p>
             <a:pPr algn="ctr"/>
             <a:r>
-              <a:rPr lang="en-US" dirty="0" err="1" smtClean="0">
+              <a:rPr lang="en-US" dirty="0" smtClean="0">
                 <a:solidFill>
                   <a:schemeClr val="tx1"/>
                 </a:solidFill>
@@ -5433,20 +5433,12 @@
           <a:p>
             <a:pPr algn="ctr"/>
             <a:r>
-              <a:rPr lang="en-US" sz="1100" dirty="0" err="1" smtClean="0">
-                <a:solidFill>
-                  <a:schemeClr val="tx1"/>
-                </a:solidFill>
-              </a:rPr>
-              <a:t>Pixhawk</a:t>
-            </a:r>
-            <a:r>
               <a:rPr lang="en-US" sz="1100" dirty="0" smtClean="0">
                 <a:solidFill>
                   <a:schemeClr val="tx1"/>
                 </a:solidFill>
               </a:rPr>
-              <a:t> Pose Estimate</a:t>
+              <a:t>Pixhawk Pose Estimate</a:t>
             </a:r>
           </a:p>
           <a:p>
@@ -8179,1345 +8171,1274 @@
           <a:chExt cx="0" cy="0"/>
         </a:xfrm>
       </p:grpSpPr>
-      <p:sp>
-        <p:nvSpPr>
-          <p:cNvPr id="11" name="Rounded Rectangle 10"/>
-          <p:cNvSpPr/>
-          <p:nvPr/>
-        </p:nvSpPr>
-        <p:spPr>
-          <a:xfrm>
-            <a:off x="2028231" y="2752959"/>
-            <a:ext cx="1431655" cy="494259"/>
-          </a:xfrm>
-          <a:prstGeom prst="roundRect">
-            <a:avLst/>
-          </a:prstGeom>
-          <a:solidFill>
-            <a:schemeClr val="bg1">
-              <a:lumMod val="75000"/>
-            </a:schemeClr>
-          </a:solidFill>
-          <a:ln w="19050">
-            <a:solidFill>
-              <a:schemeClr val="tx1"/>
-            </a:solidFill>
-          </a:ln>
-          <a:effectLst/>
-        </p:spPr>
-        <p:style>
-          <a:lnRef idx="1">
-            <a:schemeClr val="accent1"/>
-          </a:lnRef>
-          <a:fillRef idx="3">
-            <a:schemeClr val="accent1"/>
-          </a:fillRef>
-          <a:effectRef idx="2">
-            <a:schemeClr val="accent1"/>
-          </a:effectRef>
-          <a:fontRef idx="minor">
-            <a:schemeClr val="lt1"/>
-          </a:fontRef>
-        </p:style>
-        <p:txBody>
-          <a:bodyPr rtlCol="0" anchor="ctr"/>
-          <a:lstStyle/>
-          <a:p>
-            <a:pPr algn="ctr"/>
-            <a:r>
-              <a:rPr lang="en-US" dirty="0" err="1" smtClean="0">
+      <p:grpSp>
+        <p:nvGrpSpPr>
+          <p:cNvPr id="2" name="Group 1"/>
+          <p:cNvGrpSpPr/>
+          <p:nvPr/>
+        </p:nvGrpSpPr>
+        <p:grpSpPr>
+          <a:xfrm>
+            <a:off x="149812" y="633979"/>
+            <a:ext cx="8669280" cy="4919157"/>
+            <a:chOff x="149812" y="633979"/>
+            <a:chExt cx="8669280" cy="4919157"/>
+          </a:xfrm>
+        </p:grpSpPr>
+        <p:sp>
+          <p:nvSpPr>
+            <p:cNvPr id="11" name="Rounded Rectangle 10"/>
+            <p:cNvSpPr/>
+            <p:nvPr/>
+          </p:nvSpPr>
+          <p:spPr>
+            <a:xfrm>
+              <a:off x="2028231" y="2752959"/>
+              <a:ext cx="1431655" cy="494259"/>
+            </a:xfrm>
+            <a:prstGeom prst="roundRect">
+              <a:avLst/>
+            </a:prstGeom>
+            <a:solidFill>
+              <a:schemeClr val="bg1">
+                <a:lumMod val="75000"/>
+              </a:schemeClr>
+            </a:solidFill>
+            <a:ln w="19050">
+              <a:solidFill>
+                <a:schemeClr val="tx1"/>
+              </a:solidFill>
+            </a:ln>
+            <a:effectLst/>
+          </p:spPr>
+          <p:style>
+            <a:lnRef idx="1">
+              <a:schemeClr val="accent1"/>
+            </a:lnRef>
+            <a:fillRef idx="3">
+              <a:schemeClr val="accent1"/>
+            </a:fillRef>
+            <a:effectRef idx="2">
+              <a:schemeClr val="accent1"/>
+            </a:effectRef>
+            <a:fontRef idx="minor">
+              <a:schemeClr val="lt1"/>
+            </a:fontRef>
+          </p:style>
+          <p:txBody>
+            <a:bodyPr rtlCol="0" anchor="ctr"/>
+            <a:lstStyle/>
+            <a:p>
+              <a:pPr algn="ctr"/>
+              <a:r>
+                <a:rPr lang="en-US" dirty="0" smtClean="0">
+                  <a:solidFill>
+                    <a:schemeClr val="tx1"/>
+                  </a:solidFill>
+                </a:rPr>
+                <a:t>Pixhawk</a:t>
+              </a:r>
+              <a:endParaRPr lang="en-US" dirty="0">
                 <a:solidFill>
                   <a:schemeClr val="tx1"/>
                 </a:solidFill>
-              </a:rPr>
-              <a:t>Pixhawk</a:t>
-            </a:r>
-            <a:endParaRPr lang="en-US" dirty="0">
+              </a:endParaRPr>
+            </a:p>
+          </p:txBody>
+        </p:sp>
+        <p:sp>
+          <p:nvSpPr>
+            <p:cNvPr id="12" name="Rounded Rectangle 11"/>
+            <p:cNvSpPr/>
+            <p:nvPr/>
+          </p:nvSpPr>
+          <p:spPr>
+            <a:xfrm>
+              <a:off x="7387437" y="2192461"/>
+              <a:ext cx="1431655" cy="525373"/>
+            </a:xfrm>
+            <a:prstGeom prst="roundRect">
+              <a:avLst/>
+            </a:prstGeom>
+            <a:solidFill>
+              <a:schemeClr val="bg1">
+                <a:lumMod val="75000"/>
+              </a:schemeClr>
+            </a:solidFill>
+            <a:ln w="19050">
               <a:solidFill>
                 <a:schemeClr val="tx1"/>
               </a:solidFill>
-            </a:endParaRPr>
-          </a:p>
-        </p:txBody>
-      </p:sp>
-      <p:sp>
-        <p:nvSpPr>
-          <p:cNvPr id="12" name="Rounded Rectangle 11"/>
-          <p:cNvSpPr/>
-          <p:nvPr/>
-        </p:nvSpPr>
-        <p:spPr>
-          <a:xfrm>
-            <a:off x="7387437" y="2192461"/>
-            <a:ext cx="1431655" cy="525373"/>
-          </a:xfrm>
-          <a:prstGeom prst="roundRect">
-            <a:avLst/>
-          </a:prstGeom>
-          <a:solidFill>
-            <a:schemeClr val="bg1">
-              <a:lumMod val="75000"/>
-            </a:schemeClr>
-          </a:solidFill>
-          <a:ln w="19050">
-            <a:solidFill>
-              <a:schemeClr val="tx1"/>
-            </a:solidFill>
-          </a:ln>
-          <a:effectLst/>
-        </p:spPr>
-        <p:style>
-          <a:lnRef idx="1">
-            <a:schemeClr val="accent1"/>
-          </a:lnRef>
-          <a:fillRef idx="3">
-            <a:schemeClr val="accent1"/>
-          </a:fillRef>
-          <a:effectRef idx="2">
-            <a:schemeClr val="accent1"/>
-          </a:effectRef>
-          <a:fontRef idx="minor">
-            <a:schemeClr val="lt1"/>
-          </a:fontRef>
-        </p:style>
-        <p:txBody>
-          <a:bodyPr rtlCol="0" anchor="ctr"/>
-          <a:lstStyle/>
-          <a:p>
-            <a:pPr algn="ctr"/>
-            <a:r>
-              <a:rPr lang="en-US" dirty="0" smtClean="0">
+            </a:ln>
+            <a:effectLst/>
+          </p:spPr>
+          <p:style>
+            <a:lnRef idx="1">
+              <a:schemeClr val="accent1"/>
+            </a:lnRef>
+            <a:fillRef idx="3">
+              <a:schemeClr val="accent1"/>
+            </a:fillRef>
+            <a:effectRef idx="2">
+              <a:schemeClr val="accent1"/>
+            </a:effectRef>
+            <a:fontRef idx="minor">
+              <a:schemeClr val="lt1"/>
+            </a:fontRef>
+          </p:style>
+          <p:txBody>
+            <a:bodyPr rtlCol="0" anchor="ctr"/>
+            <a:lstStyle/>
+            <a:p>
+              <a:pPr algn="ctr"/>
+              <a:r>
+                <a:rPr lang="en-US" dirty="0" smtClean="0">
+                  <a:solidFill>
+                    <a:schemeClr val="tx1"/>
+                  </a:solidFill>
+                </a:rPr>
+                <a:t>Guidance</a:t>
+              </a:r>
+              <a:endParaRPr lang="en-US" dirty="0">
                 <a:solidFill>
                   <a:schemeClr val="tx1"/>
                 </a:solidFill>
-              </a:rPr>
-              <a:t>Guidance</a:t>
-            </a:r>
-            <a:endParaRPr lang="en-US" dirty="0">
+              </a:endParaRPr>
+            </a:p>
+          </p:txBody>
+        </p:sp>
+        <p:sp>
+          <p:nvSpPr>
+            <p:cNvPr id="14" name="Rounded Rectangle 13"/>
+            <p:cNvSpPr/>
+            <p:nvPr/>
+          </p:nvSpPr>
+          <p:spPr>
+            <a:xfrm>
+              <a:off x="5512201" y="5027763"/>
+              <a:ext cx="1431655" cy="525373"/>
+            </a:xfrm>
+            <a:prstGeom prst="roundRect">
+              <a:avLst/>
+            </a:prstGeom>
+            <a:solidFill>
+              <a:schemeClr val="bg1">
+                <a:lumMod val="75000"/>
+              </a:schemeClr>
+            </a:solidFill>
+            <a:ln w="19050">
               <a:solidFill>
                 <a:schemeClr val="tx1"/>
               </a:solidFill>
-            </a:endParaRPr>
-          </a:p>
-        </p:txBody>
-      </p:sp>
-      <p:sp>
-        <p:nvSpPr>
-          <p:cNvPr id="14" name="Rounded Rectangle 13"/>
-          <p:cNvSpPr/>
-          <p:nvPr/>
-        </p:nvSpPr>
-        <p:spPr>
-          <a:xfrm>
-            <a:off x="5512201" y="5027763"/>
-            <a:ext cx="1431655" cy="525373"/>
-          </a:xfrm>
-          <a:prstGeom prst="roundRect">
-            <a:avLst/>
-          </a:prstGeom>
-          <a:solidFill>
-            <a:schemeClr val="bg1">
-              <a:lumMod val="75000"/>
-            </a:schemeClr>
-          </a:solidFill>
-          <a:ln w="19050">
-            <a:solidFill>
-              <a:schemeClr val="tx1"/>
-            </a:solidFill>
-          </a:ln>
-          <a:effectLst/>
-        </p:spPr>
-        <p:style>
-          <a:lnRef idx="1">
-            <a:schemeClr val="accent1"/>
-          </a:lnRef>
-          <a:fillRef idx="3">
-            <a:schemeClr val="accent1"/>
-          </a:fillRef>
-          <a:effectRef idx="2">
-            <a:schemeClr val="accent1"/>
-          </a:effectRef>
-          <a:fontRef idx="minor">
-            <a:schemeClr val="lt1"/>
-          </a:fontRef>
-        </p:style>
-        <p:txBody>
-          <a:bodyPr rtlCol="0" anchor="ctr"/>
-          <a:lstStyle/>
-          <a:p>
-            <a:pPr algn="ctr"/>
-            <a:r>
-              <a:rPr lang="en-US" dirty="0" smtClean="0">
+            </a:ln>
+            <a:effectLst/>
+          </p:spPr>
+          <p:style>
+            <a:lnRef idx="1">
+              <a:schemeClr val="accent1"/>
+            </a:lnRef>
+            <a:fillRef idx="3">
+              <a:schemeClr val="accent1"/>
+            </a:fillRef>
+            <a:effectRef idx="2">
+              <a:schemeClr val="accent1"/>
+            </a:effectRef>
+            <a:fontRef idx="minor">
+              <a:schemeClr val="lt1"/>
+            </a:fontRef>
+          </p:style>
+          <p:txBody>
+            <a:bodyPr rtlCol="0" anchor="ctr"/>
+            <a:lstStyle/>
+            <a:p>
+              <a:pPr algn="ctr"/>
+              <a:r>
+                <a:rPr lang="en-US" dirty="0" smtClean="0">
+                  <a:solidFill>
+                    <a:schemeClr val="tx1"/>
+                  </a:solidFill>
+                </a:rPr>
+                <a:t>Motors</a:t>
+              </a:r>
+              <a:endParaRPr lang="en-US" dirty="0">
                 <a:solidFill>
                   <a:schemeClr val="tx1"/>
                 </a:solidFill>
-              </a:rPr>
-              <a:t>Motors</a:t>
-            </a:r>
-            <a:endParaRPr lang="en-US" dirty="0">
+              </a:endParaRPr>
+            </a:p>
+          </p:txBody>
+        </p:sp>
+        <p:cxnSp>
+          <p:nvCxnSpPr>
+            <p:cNvPr id="44" name="Straight Arrow Connector 43"/>
+            <p:cNvCxnSpPr>
+              <a:stCxn id="91" idx="1"/>
+              <a:endCxn id="11" idx="3"/>
+            </p:cNvCxnSpPr>
+            <p:nvPr/>
+          </p:nvCxnSpPr>
+          <p:spPr>
+            <a:xfrm flipH="1" flipV="1">
+              <a:off x="3459886" y="3000089"/>
+              <a:ext cx="2052315" cy="1"/>
+            </a:xfrm>
+            <a:prstGeom prst="straightConnector1">
+              <a:avLst/>
+            </a:prstGeom>
+            <a:ln w="19050">
+              <a:solidFill>
+                <a:srgbClr val="00B050"/>
+              </a:solidFill>
+              <a:tailEnd type="triangle" w="lg" len="lg"/>
+            </a:ln>
+            <a:effectLst/>
+          </p:spPr>
+          <p:style>
+            <a:lnRef idx="2">
+              <a:schemeClr val="accent1"/>
+            </a:lnRef>
+            <a:fillRef idx="0">
+              <a:schemeClr val="accent1"/>
+            </a:fillRef>
+            <a:effectRef idx="1">
+              <a:schemeClr val="accent1"/>
+            </a:effectRef>
+            <a:fontRef idx="minor">
+              <a:schemeClr val="tx1"/>
+            </a:fontRef>
+          </p:style>
+        </p:cxnSp>
+        <p:sp>
+          <p:nvSpPr>
+            <p:cNvPr id="220" name="TextBox 219"/>
+            <p:cNvSpPr txBox="1"/>
+            <p:nvPr/>
+          </p:nvSpPr>
+          <p:spPr>
+            <a:xfrm>
+              <a:off x="6228025" y="2224652"/>
+              <a:ext cx="1026243" cy="276999"/>
+            </a:xfrm>
+            <a:prstGeom prst="rect">
+              <a:avLst/>
+            </a:prstGeom>
+            <a:noFill/>
+          </p:spPr>
+          <p:txBody>
+            <a:bodyPr wrap="none" rtlCol="0">
+              <a:spAutoFit/>
+            </a:bodyPr>
+            <a:lstStyle/>
+            <a:p>
+              <a:r>
+                <a:rPr lang="en-US" sz="1200" b="1" dirty="0" smtClean="0"/>
+                <a:t>14.8 </a:t>
+              </a:r>
+              <a:r>
+                <a:rPr lang="en-US" sz="1200" b="1" dirty="0" smtClean="0"/>
+                <a:t>V , .81 A</a:t>
+              </a:r>
+              <a:endParaRPr lang="en-US" sz="1200" b="1" dirty="0"/>
+            </a:p>
+          </p:txBody>
+        </p:sp>
+        <p:sp>
+          <p:nvSpPr>
+            <p:cNvPr id="86" name="Rounded Rectangle 85"/>
+            <p:cNvSpPr/>
+            <p:nvPr/>
+          </p:nvSpPr>
+          <p:spPr>
+            <a:xfrm>
+              <a:off x="5512200" y="1647520"/>
+              <a:ext cx="1431655" cy="525373"/>
+            </a:xfrm>
+            <a:prstGeom prst="roundRect">
+              <a:avLst/>
+            </a:prstGeom>
+            <a:solidFill>
+              <a:schemeClr val="accent2">
+                <a:lumMod val="40000"/>
+                <a:lumOff val="60000"/>
+              </a:schemeClr>
+            </a:solidFill>
+            <a:ln w="19050">
+              <a:solidFill>
+                <a:srgbClr val="C00000"/>
+              </a:solidFill>
+            </a:ln>
+            <a:effectLst/>
+          </p:spPr>
+          <p:style>
+            <a:lnRef idx="1">
+              <a:schemeClr val="accent1"/>
+            </a:lnRef>
+            <a:fillRef idx="3">
+              <a:schemeClr val="accent1"/>
+            </a:fillRef>
+            <a:effectRef idx="2">
+              <a:schemeClr val="accent1"/>
+            </a:effectRef>
+            <a:fontRef idx="minor">
+              <a:schemeClr val="lt1"/>
+            </a:fontRef>
+          </p:style>
+          <p:txBody>
+            <a:bodyPr rtlCol="0" anchor="ctr"/>
+            <a:lstStyle/>
+            <a:p>
+              <a:pPr algn="ctr"/>
+              <a:r>
+                <a:rPr lang="en-US" dirty="0" smtClean="0">
+                  <a:solidFill>
+                    <a:schemeClr val="tx1"/>
+                  </a:solidFill>
+                </a:rPr>
+                <a:t>Battery (14.8V)</a:t>
+              </a:r>
+              <a:endParaRPr lang="en-US" dirty="0">
+                <a:solidFill>
+                  <a:schemeClr val="tx1"/>
+                </a:solidFill>
+              </a:endParaRPr>
+            </a:p>
+          </p:txBody>
+        </p:sp>
+        <p:sp>
+          <p:nvSpPr>
+            <p:cNvPr id="87" name="Rounded Rectangle 86"/>
+            <p:cNvSpPr/>
+            <p:nvPr/>
+          </p:nvSpPr>
+          <p:spPr>
+            <a:xfrm>
+              <a:off x="5512201" y="3966068"/>
+              <a:ext cx="1431655" cy="525373"/>
+            </a:xfrm>
+            <a:prstGeom prst="roundRect">
+              <a:avLst/>
+            </a:prstGeom>
+            <a:solidFill>
+              <a:schemeClr val="bg1">
+                <a:lumMod val="75000"/>
+              </a:schemeClr>
+            </a:solidFill>
+            <a:ln w="19050">
               <a:solidFill>
                 <a:schemeClr val="tx1"/>
               </a:solidFill>
-            </a:endParaRPr>
-          </a:p>
-        </p:txBody>
-      </p:sp>
-      <p:cxnSp>
-        <p:nvCxnSpPr>
-          <p:cNvPr id="44" name="Straight Arrow Connector 43"/>
-          <p:cNvCxnSpPr>
-            <a:stCxn id="91" idx="1"/>
-            <a:endCxn id="11" idx="3"/>
-          </p:cNvCxnSpPr>
-          <p:nvPr/>
-        </p:nvCxnSpPr>
-        <p:spPr>
-          <a:xfrm flipH="1" flipV="1">
-            <a:off x="3459886" y="3000089"/>
-            <a:ext cx="2052315" cy="1"/>
-          </a:xfrm>
-          <a:prstGeom prst="straightConnector1">
-            <a:avLst/>
-          </a:prstGeom>
-          <a:ln w="19050">
-            <a:solidFill>
-              <a:srgbClr val="00B050"/>
-            </a:solidFill>
-            <a:tailEnd type="triangle" w="lg" len="lg"/>
-          </a:ln>
-          <a:effectLst/>
-        </p:spPr>
-        <p:style>
-          <a:lnRef idx="2">
-            <a:schemeClr val="accent1"/>
-          </a:lnRef>
-          <a:fillRef idx="0">
-            <a:schemeClr val="accent1"/>
-          </a:fillRef>
-          <a:effectRef idx="1">
-            <a:schemeClr val="accent1"/>
-          </a:effectRef>
-          <a:fontRef idx="minor">
-            <a:schemeClr val="tx1"/>
-          </a:fontRef>
-        </p:style>
-      </p:cxnSp>
-      <p:sp>
-        <p:nvSpPr>
-          <p:cNvPr id="220" name="TextBox 219"/>
-          <p:cNvSpPr txBox="1"/>
-          <p:nvPr/>
-        </p:nvSpPr>
-        <p:spPr>
-          <a:xfrm>
-            <a:off x="6228025" y="2224652"/>
-            <a:ext cx="588623" cy="276999"/>
-          </a:xfrm>
-          <a:prstGeom prst="rect">
-            <a:avLst/>
-          </a:prstGeom>
-          <a:noFill/>
-        </p:spPr>
-        <p:txBody>
-          <a:bodyPr wrap="none" rtlCol="0">
-            <a:spAutoFit/>
-          </a:bodyPr>
-          <a:lstStyle/>
-          <a:p>
-            <a:r>
-              <a:rPr lang="en-US" sz="1200" b="1" dirty="0" smtClean="0"/>
-              <a:t>14.8 V</a:t>
-            </a:r>
-            <a:endParaRPr lang="en-US" sz="1200" b="1" dirty="0"/>
-          </a:p>
-        </p:txBody>
-      </p:sp>
-      <p:sp>
-        <p:nvSpPr>
-          <p:cNvPr id="86" name="Rounded Rectangle 85"/>
-          <p:cNvSpPr/>
-          <p:nvPr/>
-        </p:nvSpPr>
-        <p:spPr>
-          <a:xfrm>
-            <a:off x="5512200" y="1647520"/>
-            <a:ext cx="1431655" cy="525373"/>
-          </a:xfrm>
-          <a:prstGeom prst="roundRect">
-            <a:avLst/>
-          </a:prstGeom>
-          <a:solidFill>
-            <a:schemeClr val="accent2">
-              <a:lumMod val="40000"/>
-              <a:lumOff val="60000"/>
-            </a:schemeClr>
-          </a:solidFill>
-          <a:ln w="19050">
-            <a:solidFill>
-              <a:srgbClr val="C00000"/>
-            </a:solidFill>
-          </a:ln>
-          <a:effectLst/>
-        </p:spPr>
-        <p:style>
-          <a:lnRef idx="1">
-            <a:schemeClr val="accent1"/>
-          </a:lnRef>
-          <a:fillRef idx="3">
-            <a:schemeClr val="accent1"/>
-          </a:fillRef>
-          <a:effectRef idx="2">
-            <a:schemeClr val="accent1"/>
-          </a:effectRef>
-          <a:fontRef idx="minor">
-            <a:schemeClr val="lt1"/>
-          </a:fontRef>
-        </p:style>
-        <p:txBody>
-          <a:bodyPr rtlCol="0" anchor="ctr"/>
-          <a:lstStyle/>
-          <a:p>
-            <a:pPr algn="ctr"/>
-            <a:r>
-              <a:rPr lang="en-US" dirty="0" smtClean="0">
+            </a:ln>
+            <a:effectLst/>
+          </p:spPr>
+          <p:style>
+            <a:lnRef idx="1">
+              <a:schemeClr val="accent1"/>
+            </a:lnRef>
+            <a:fillRef idx="3">
+              <a:schemeClr val="accent1"/>
+            </a:fillRef>
+            <a:effectRef idx="2">
+              <a:schemeClr val="accent1"/>
+            </a:effectRef>
+            <a:fontRef idx="minor">
+              <a:schemeClr val="lt1"/>
+            </a:fontRef>
+          </p:style>
+          <p:txBody>
+            <a:bodyPr rtlCol="0" anchor="ctr"/>
+            <a:lstStyle/>
+            <a:p>
+              <a:pPr algn="ctr"/>
+              <a:r>
+                <a:rPr lang="en-US" dirty="0" smtClean="0">
+                  <a:solidFill>
+                    <a:schemeClr val="tx1"/>
+                  </a:solidFill>
+                </a:rPr>
+                <a:t>ESC</a:t>
+              </a:r>
+              <a:endParaRPr lang="en-US" dirty="0">
                 <a:solidFill>
                   <a:schemeClr val="tx1"/>
                 </a:solidFill>
-              </a:rPr>
-              <a:t>Battery (14.8V)</a:t>
-            </a:r>
-            <a:endParaRPr lang="en-US" dirty="0">
+              </a:endParaRPr>
+            </a:p>
+          </p:txBody>
+        </p:sp>
+        <p:sp>
+          <p:nvSpPr>
+            <p:cNvPr id="88" name="Rounded Rectangle 87"/>
+            <p:cNvSpPr/>
+            <p:nvPr/>
+          </p:nvSpPr>
+          <p:spPr>
+            <a:xfrm>
+              <a:off x="2028231" y="1647521"/>
+              <a:ext cx="1431655" cy="525373"/>
+            </a:xfrm>
+            <a:prstGeom prst="roundRect">
+              <a:avLst/>
+            </a:prstGeom>
+            <a:solidFill>
+              <a:schemeClr val="bg1">
+                <a:lumMod val="75000"/>
+              </a:schemeClr>
+            </a:solidFill>
+            <a:ln w="19050">
               <a:solidFill>
                 <a:schemeClr val="tx1"/>
               </a:solidFill>
-            </a:endParaRPr>
-          </a:p>
-        </p:txBody>
-      </p:sp>
-      <p:sp>
-        <p:nvSpPr>
-          <p:cNvPr id="87" name="Rounded Rectangle 86"/>
-          <p:cNvSpPr/>
-          <p:nvPr/>
-        </p:nvSpPr>
-        <p:spPr>
-          <a:xfrm>
-            <a:off x="5512201" y="3966068"/>
-            <a:ext cx="1431655" cy="525373"/>
-          </a:xfrm>
-          <a:prstGeom prst="roundRect">
-            <a:avLst/>
-          </a:prstGeom>
-          <a:solidFill>
-            <a:schemeClr val="bg1">
-              <a:lumMod val="75000"/>
-            </a:schemeClr>
-          </a:solidFill>
-          <a:ln w="19050">
-            <a:solidFill>
-              <a:schemeClr val="tx1"/>
-            </a:solidFill>
-          </a:ln>
-          <a:effectLst/>
-        </p:spPr>
-        <p:style>
-          <a:lnRef idx="1">
-            <a:schemeClr val="accent1"/>
-          </a:lnRef>
-          <a:fillRef idx="3">
-            <a:schemeClr val="accent1"/>
-          </a:fillRef>
-          <a:effectRef idx="2">
-            <a:schemeClr val="accent1"/>
-          </a:effectRef>
-          <a:fontRef idx="minor">
-            <a:schemeClr val="lt1"/>
-          </a:fontRef>
-        </p:style>
-        <p:txBody>
-          <a:bodyPr rtlCol="0" anchor="ctr"/>
-          <a:lstStyle/>
-          <a:p>
-            <a:pPr algn="ctr"/>
-            <a:r>
-              <a:rPr lang="en-US" dirty="0" smtClean="0">
+            </a:ln>
+            <a:effectLst/>
+          </p:spPr>
+          <p:style>
+            <a:lnRef idx="1">
+              <a:schemeClr val="accent1"/>
+            </a:lnRef>
+            <a:fillRef idx="3">
+              <a:schemeClr val="accent1"/>
+            </a:fillRef>
+            <a:effectRef idx="2">
+              <a:schemeClr val="accent1"/>
+            </a:effectRef>
+            <a:fontRef idx="minor">
+              <a:schemeClr val="lt1"/>
+            </a:fontRef>
+          </p:style>
+          <p:txBody>
+            <a:bodyPr rtlCol="0" anchor="ctr"/>
+            <a:lstStyle/>
+            <a:p>
+              <a:pPr algn="ctr"/>
+              <a:r>
+                <a:rPr lang="en-US" dirty="0" smtClean="0">
+                  <a:solidFill>
+                    <a:schemeClr val="tx1"/>
+                  </a:solidFill>
+                </a:rPr>
+                <a:t>ODROID</a:t>
+              </a:r>
+              <a:endParaRPr lang="en-US" dirty="0">
                 <a:solidFill>
                   <a:schemeClr val="tx1"/>
                 </a:solidFill>
-              </a:rPr>
-              <a:t>ESC</a:t>
-            </a:r>
-            <a:endParaRPr lang="en-US" dirty="0">
+              </a:endParaRPr>
+            </a:p>
+          </p:txBody>
+        </p:sp>
+        <p:sp>
+          <p:nvSpPr>
+            <p:cNvPr id="89" name="Rounded Rectangle 88"/>
+            <p:cNvSpPr/>
+            <p:nvPr/>
+          </p:nvSpPr>
+          <p:spPr>
+            <a:xfrm>
+              <a:off x="2028231" y="633979"/>
+              <a:ext cx="1431655" cy="525373"/>
+            </a:xfrm>
+            <a:prstGeom prst="roundRect">
+              <a:avLst/>
+            </a:prstGeom>
+            <a:solidFill>
+              <a:schemeClr val="bg1">
+                <a:lumMod val="75000"/>
+              </a:schemeClr>
+            </a:solidFill>
+            <a:ln w="19050">
               <a:solidFill>
                 <a:schemeClr val="tx1"/>
               </a:solidFill>
-            </a:endParaRPr>
-          </a:p>
-        </p:txBody>
-      </p:sp>
-      <p:sp>
-        <p:nvSpPr>
-          <p:cNvPr id="88" name="Rounded Rectangle 87"/>
-          <p:cNvSpPr/>
-          <p:nvPr/>
-        </p:nvSpPr>
-        <p:spPr>
-          <a:xfrm>
-            <a:off x="2028231" y="1647521"/>
-            <a:ext cx="1431655" cy="525373"/>
-          </a:xfrm>
-          <a:prstGeom prst="roundRect">
-            <a:avLst/>
-          </a:prstGeom>
-          <a:solidFill>
-            <a:schemeClr val="bg1">
-              <a:lumMod val="75000"/>
-            </a:schemeClr>
-          </a:solidFill>
-          <a:ln w="19050">
-            <a:solidFill>
-              <a:schemeClr val="tx1"/>
-            </a:solidFill>
-          </a:ln>
-          <a:effectLst/>
-        </p:spPr>
-        <p:style>
-          <a:lnRef idx="1">
-            <a:schemeClr val="accent1"/>
-          </a:lnRef>
-          <a:fillRef idx="3">
-            <a:schemeClr val="accent1"/>
-          </a:fillRef>
-          <a:effectRef idx="2">
-            <a:schemeClr val="accent1"/>
-          </a:effectRef>
-          <a:fontRef idx="minor">
-            <a:schemeClr val="lt1"/>
-          </a:fontRef>
-        </p:style>
-        <p:txBody>
-          <a:bodyPr rtlCol="0" anchor="ctr"/>
-          <a:lstStyle/>
-          <a:p>
-            <a:pPr algn="ctr"/>
-            <a:r>
-              <a:rPr lang="en-US" dirty="0" smtClean="0">
+            </a:ln>
+            <a:effectLst/>
+          </p:spPr>
+          <p:style>
+            <a:lnRef idx="1">
+              <a:schemeClr val="accent1"/>
+            </a:lnRef>
+            <a:fillRef idx="3">
+              <a:schemeClr val="accent1"/>
+            </a:fillRef>
+            <a:effectRef idx="2">
+              <a:schemeClr val="accent1"/>
+            </a:effectRef>
+            <a:fontRef idx="minor">
+              <a:schemeClr val="lt1"/>
+            </a:fontRef>
+          </p:style>
+          <p:txBody>
+            <a:bodyPr rtlCol="0" anchor="ctr"/>
+            <a:lstStyle/>
+            <a:p>
+              <a:pPr algn="ctr"/>
+              <a:r>
+                <a:rPr lang="en-US" dirty="0" smtClean="0">
+                  <a:solidFill>
+                    <a:schemeClr val="tx1"/>
+                  </a:solidFill>
+                </a:rPr>
+                <a:t>FLiR</a:t>
+              </a:r>
+              <a:endParaRPr lang="en-US" dirty="0">
                 <a:solidFill>
                   <a:schemeClr val="tx1"/>
                 </a:solidFill>
-              </a:rPr>
-              <a:t>ODROID</a:t>
-            </a:r>
-            <a:endParaRPr lang="en-US" dirty="0">
+              </a:endParaRPr>
+            </a:p>
+          </p:txBody>
+        </p:sp>
+        <p:sp>
+          <p:nvSpPr>
+            <p:cNvPr id="90" name="Rounded Rectangle 89"/>
+            <p:cNvSpPr/>
+            <p:nvPr/>
+          </p:nvSpPr>
+          <p:spPr>
+            <a:xfrm>
+              <a:off x="2028230" y="3964199"/>
+              <a:ext cx="1431655" cy="525373"/>
+            </a:xfrm>
+            <a:prstGeom prst="roundRect">
+              <a:avLst/>
+            </a:prstGeom>
+            <a:solidFill>
+              <a:schemeClr val="bg1">
+                <a:lumMod val="75000"/>
+              </a:schemeClr>
+            </a:solidFill>
+            <a:ln w="19050">
               <a:solidFill>
                 <a:schemeClr val="tx1"/>
               </a:solidFill>
-            </a:endParaRPr>
-          </a:p>
-        </p:txBody>
-      </p:sp>
-      <p:sp>
-        <p:nvSpPr>
-          <p:cNvPr id="89" name="Rounded Rectangle 88"/>
-          <p:cNvSpPr/>
-          <p:nvPr/>
-        </p:nvSpPr>
-        <p:spPr>
-          <a:xfrm>
-            <a:off x="2028231" y="633979"/>
-            <a:ext cx="1431655" cy="525373"/>
-          </a:xfrm>
-          <a:prstGeom prst="roundRect">
-            <a:avLst/>
-          </a:prstGeom>
-          <a:solidFill>
-            <a:schemeClr val="bg1">
-              <a:lumMod val="75000"/>
-            </a:schemeClr>
-          </a:solidFill>
-          <a:ln w="19050">
-            <a:solidFill>
-              <a:schemeClr val="tx1"/>
-            </a:solidFill>
-          </a:ln>
-          <a:effectLst/>
-        </p:spPr>
-        <p:style>
-          <a:lnRef idx="1">
-            <a:schemeClr val="accent1"/>
-          </a:lnRef>
-          <a:fillRef idx="3">
-            <a:schemeClr val="accent1"/>
-          </a:fillRef>
-          <a:effectRef idx="2">
-            <a:schemeClr val="accent1"/>
-          </a:effectRef>
-          <a:fontRef idx="minor">
-            <a:schemeClr val="lt1"/>
-          </a:fontRef>
-        </p:style>
-        <p:txBody>
-          <a:bodyPr rtlCol="0" anchor="ctr"/>
-          <a:lstStyle/>
-          <a:p>
-            <a:pPr algn="ctr"/>
-            <a:r>
-              <a:rPr lang="en-US" dirty="0" err="1" smtClean="0">
+            </a:ln>
+            <a:effectLst/>
+          </p:spPr>
+          <p:style>
+            <a:lnRef idx="1">
+              <a:schemeClr val="accent1"/>
+            </a:lnRef>
+            <a:fillRef idx="3">
+              <a:schemeClr val="accent1"/>
+            </a:fillRef>
+            <a:effectRef idx="2">
+              <a:schemeClr val="accent1"/>
+            </a:effectRef>
+            <a:fontRef idx="minor">
+              <a:schemeClr val="lt1"/>
+            </a:fontRef>
+          </p:style>
+          <p:txBody>
+            <a:bodyPr rtlCol="0" anchor="ctr"/>
+            <a:lstStyle/>
+            <a:p>
+              <a:pPr algn="ctr"/>
+              <a:r>
+                <a:rPr lang="en-US" dirty="0" smtClean="0">
+                  <a:solidFill>
+                    <a:schemeClr val="tx1"/>
+                  </a:solidFill>
+                </a:rPr>
+                <a:t>Radio Receiver</a:t>
+              </a:r>
+              <a:endParaRPr lang="en-US" dirty="0">
                 <a:solidFill>
                   <a:schemeClr val="tx1"/>
                 </a:solidFill>
-              </a:rPr>
-              <a:t>FLiR</a:t>
-            </a:r>
-            <a:endParaRPr lang="en-US" dirty="0">
+              </a:endParaRPr>
+            </a:p>
+          </p:txBody>
+        </p:sp>
+        <p:sp>
+          <p:nvSpPr>
+            <p:cNvPr id="91" name="Rounded Rectangle 90"/>
+            <p:cNvSpPr/>
+            <p:nvPr/>
+          </p:nvSpPr>
+          <p:spPr>
+            <a:xfrm>
+              <a:off x="5512201" y="2737403"/>
+              <a:ext cx="1431655" cy="525373"/>
+            </a:xfrm>
+            <a:prstGeom prst="roundRect">
+              <a:avLst/>
+            </a:prstGeom>
+            <a:solidFill>
+              <a:schemeClr val="accent6">
+                <a:lumMod val="40000"/>
+                <a:lumOff val="60000"/>
+              </a:schemeClr>
+            </a:solidFill>
+            <a:ln w="19050">
+              <a:solidFill>
+                <a:schemeClr val="accent6">
+                  <a:lumMod val="75000"/>
+                </a:schemeClr>
+              </a:solidFill>
+            </a:ln>
+            <a:effectLst/>
+          </p:spPr>
+          <p:style>
+            <a:lnRef idx="1">
+              <a:schemeClr val="accent1"/>
+            </a:lnRef>
+            <a:fillRef idx="3">
+              <a:schemeClr val="accent1"/>
+            </a:fillRef>
+            <a:effectRef idx="2">
+              <a:schemeClr val="accent1"/>
+            </a:effectRef>
+            <a:fontRef idx="minor">
+              <a:schemeClr val="lt1"/>
+            </a:fontRef>
+          </p:style>
+          <p:txBody>
+            <a:bodyPr rtlCol="0" anchor="ctr"/>
+            <a:lstStyle/>
+            <a:p>
+              <a:pPr algn="ctr"/>
+              <a:r>
+                <a:rPr lang="en-US" dirty="0" smtClean="0">
+                  <a:solidFill>
+                    <a:schemeClr val="tx1"/>
+                  </a:solidFill>
+                </a:rPr>
+                <a:t>Power Distribution</a:t>
+              </a:r>
+              <a:endParaRPr lang="en-US" dirty="0">
+                <a:solidFill>
+                  <a:schemeClr val="tx1"/>
+                </a:solidFill>
+              </a:endParaRPr>
+            </a:p>
+          </p:txBody>
+        </p:sp>
+        <p:cxnSp>
+          <p:nvCxnSpPr>
+            <p:cNvPr id="101" name="Straight Arrow Connector 100"/>
+            <p:cNvCxnSpPr>
+              <a:endCxn id="12" idx="1"/>
+            </p:cNvCxnSpPr>
+            <p:nvPr/>
+          </p:nvCxnSpPr>
+          <p:spPr>
+            <a:xfrm>
+              <a:off x="6015369" y="2455148"/>
+              <a:ext cx="1372068" cy="0"/>
+            </a:xfrm>
+            <a:prstGeom prst="straightConnector1">
+              <a:avLst/>
+            </a:prstGeom>
+            <a:ln w="19050">
+              <a:solidFill>
+                <a:srgbClr val="C00000"/>
+              </a:solidFill>
+              <a:tailEnd type="triangle" w="lg" len="lg"/>
+            </a:ln>
+            <a:effectLst/>
+          </p:spPr>
+          <p:style>
+            <a:lnRef idx="2">
+              <a:schemeClr val="accent1"/>
+            </a:lnRef>
+            <a:fillRef idx="0">
+              <a:schemeClr val="accent1"/>
+            </a:fillRef>
+            <a:effectRef idx="1">
+              <a:schemeClr val="accent1"/>
+            </a:effectRef>
+            <a:fontRef idx="minor">
+              <a:schemeClr val="tx1"/>
+            </a:fontRef>
+          </p:style>
+        </p:cxnSp>
+        <p:cxnSp>
+          <p:nvCxnSpPr>
+            <p:cNvPr id="104" name="Straight Arrow Connector 103"/>
+            <p:cNvCxnSpPr>
+              <a:stCxn id="91" idx="2"/>
+              <a:endCxn id="87" idx="0"/>
+            </p:cNvCxnSpPr>
+            <p:nvPr/>
+          </p:nvCxnSpPr>
+          <p:spPr>
+            <a:xfrm>
+              <a:off x="6228029" y="3262776"/>
+              <a:ext cx="0" cy="703292"/>
+            </a:xfrm>
+            <a:prstGeom prst="straightConnector1">
+              <a:avLst/>
+            </a:prstGeom>
+            <a:ln w="19050">
+              <a:solidFill>
+                <a:srgbClr val="C00000"/>
+              </a:solidFill>
+              <a:tailEnd type="triangle" w="lg" len="lg"/>
+            </a:ln>
+            <a:effectLst/>
+          </p:spPr>
+          <p:style>
+            <a:lnRef idx="2">
+              <a:schemeClr val="accent1"/>
+            </a:lnRef>
+            <a:fillRef idx="0">
+              <a:schemeClr val="accent1"/>
+            </a:fillRef>
+            <a:effectRef idx="1">
+              <a:schemeClr val="accent1"/>
+            </a:effectRef>
+            <a:fontRef idx="minor">
+              <a:schemeClr val="tx1"/>
+            </a:fontRef>
+          </p:style>
+        </p:cxnSp>
+        <p:cxnSp>
+          <p:nvCxnSpPr>
+            <p:cNvPr id="109" name="Straight Arrow Connector 108"/>
+            <p:cNvCxnSpPr>
+              <a:stCxn id="87" idx="2"/>
+              <a:endCxn id="14" idx="0"/>
+            </p:cNvCxnSpPr>
+            <p:nvPr/>
+          </p:nvCxnSpPr>
+          <p:spPr>
+            <a:xfrm>
+              <a:off x="6228029" y="4491441"/>
+              <a:ext cx="0" cy="536322"/>
+            </a:xfrm>
+            <a:prstGeom prst="straightConnector1">
+              <a:avLst/>
+            </a:prstGeom>
+            <a:ln w="19050">
+              <a:solidFill>
+                <a:srgbClr val="C00000"/>
+              </a:solidFill>
+              <a:tailEnd type="triangle" w="lg" len="lg"/>
+            </a:ln>
+            <a:effectLst/>
+          </p:spPr>
+          <p:style>
+            <a:lnRef idx="2">
+              <a:schemeClr val="accent1"/>
+            </a:lnRef>
+            <a:fillRef idx="0">
+              <a:schemeClr val="accent1"/>
+            </a:fillRef>
+            <a:effectRef idx="1">
+              <a:schemeClr val="accent1"/>
+            </a:effectRef>
+            <a:fontRef idx="minor">
+              <a:schemeClr val="tx1"/>
+            </a:fontRef>
+          </p:style>
+        </p:cxnSp>
+        <p:cxnSp>
+          <p:nvCxnSpPr>
+            <p:cNvPr id="111" name="Straight Arrow Connector 110"/>
+            <p:cNvCxnSpPr>
+              <a:stCxn id="11" idx="2"/>
+              <a:endCxn id="90" idx="0"/>
+            </p:cNvCxnSpPr>
+            <p:nvPr/>
+          </p:nvCxnSpPr>
+          <p:spPr>
+            <a:xfrm flipH="1">
+              <a:off x="2744058" y="3247218"/>
+              <a:ext cx="1" cy="716981"/>
+            </a:xfrm>
+            <a:prstGeom prst="straightConnector1">
+              <a:avLst/>
+            </a:prstGeom>
+            <a:ln w="19050">
+              <a:solidFill>
+                <a:srgbClr val="00B050"/>
+              </a:solidFill>
+              <a:tailEnd type="triangle" w="lg" len="lg"/>
+            </a:ln>
+            <a:effectLst/>
+          </p:spPr>
+          <p:style>
+            <a:lnRef idx="2">
+              <a:schemeClr val="accent1"/>
+            </a:lnRef>
+            <a:fillRef idx="0">
+              <a:schemeClr val="accent1"/>
+            </a:fillRef>
+            <a:effectRef idx="1">
+              <a:schemeClr val="accent1"/>
+            </a:effectRef>
+            <a:fontRef idx="minor">
+              <a:schemeClr val="tx1"/>
+            </a:fontRef>
+          </p:style>
+        </p:cxnSp>
+        <p:cxnSp>
+          <p:nvCxnSpPr>
+            <p:cNvPr id="120" name="Straight Arrow Connector 119"/>
+            <p:cNvCxnSpPr>
+              <a:stCxn id="88" idx="0"/>
+              <a:endCxn id="89" idx="2"/>
+            </p:cNvCxnSpPr>
+            <p:nvPr/>
+          </p:nvCxnSpPr>
+          <p:spPr>
+            <a:xfrm flipV="1">
+              <a:off x="2744059" y="1159352"/>
+              <a:ext cx="0" cy="488169"/>
+            </a:xfrm>
+            <a:prstGeom prst="straightConnector1">
+              <a:avLst/>
+            </a:prstGeom>
+            <a:ln w="19050">
+              <a:solidFill>
+                <a:srgbClr val="00B050"/>
+              </a:solidFill>
+              <a:tailEnd type="triangle" w="lg" len="lg"/>
+            </a:ln>
+            <a:effectLst/>
+          </p:spPr>
+          <p:style>
+            <a:lnRef idx="2">
+              <a:schemeClr val="accent1"/>
+            </a:lnRef>
+            <a:fillRef idx="0">
+              <a:schemeClr val="accent1"/>
+            </a:fillRef>
+            <a:effectRef idx="1">
+              <a:schemeClr val="accent1"/>
+            </a:effectRef>
+            <a:fontRef idx="minor">
+              <a:schemeClr val="tx1"/>
+            </a:fontRef>
+          </p:style>
+        </p:cxnSp>
+        <p:cxnSp>
+          <p:nvCxnSpPr>
+            <p:cNvPr id="123" name="Straight Arrow Connector 122"/>
+            <p:cNvCxnSpPr>
+              <a:stCxn id="86" idx="2"/>
+              <a:endCxn id="91" idx="0"/>
+            </p:cNvCxnSpPr>
+            <p:nvPr/>
+          </p:nvCxnSpPr>
+          <p:spPr>
+            <a:xfrm>
+              <a:off x="6228028" y="2172893"/>
+              <a:ext cx="1" cy="564510"/>
+            </a:xfrm>
+            <a:prstGeom prst="straightConnector1">
+              <a:avLst/>
+            </a:prstGeom>
+            <a:ln w="19050">
+              <a:solidFill>
+                <a:srgbClr val="C00000"/>
+              </a:solidFill>
+              <a:tailEnd type="triangle" w="lg" len="lg"/>
+            </a:ln>
+            <a:effectLst/>
+          </p:spPr>
+          <p:style>
+            <a:lnRef idx="2">
+              <a:schemeClr val="accent1"/>
+            </a:lnRef>
+            <a:fillRef idx="0">
+              <a:schemeClr val="accent1"/>
+            </a:fillRef>
+            <a:effectRef idx="1">
+              <a:schemeClr val="accent1"/>
+            </a:effectRef>
+            <a:fontRef idx="minor">
+              <a:schemeClr val="tx1"/>
+            </a:fontRef>
+          </p:style>
+        </p:cxnSp>
+        <p:sp>
+          <p:nvSpPr>
+            <p:cNvPr id="127" name="Rounded Rectangle 126"/>
+            <p:cNvSpPr/>
+            <p:nvPr/>
+          </p:nvSpPr>
+          <p:spPr>
+            <a:xfrm>
+              <a:off x="3931542" y="2192601"/>
+              <a:ext cx="1270328" cy="525373"/>
+            </a:xfrm>
+            <a:prstGeom prst="roundRect">
+              <a:avLst/>
+            </a:prstGeom>
+            <a:solidFill>
+              <a:schemeClr val="accent6">
+                <a:lumMod val="40000"/>
+                <a:lumOff val="60000"/>
+              </a:schemeClr>
+            </a:solidFill>
+            <a:ln w="19050">
+              <a:solidFill>
+                <a:schemeClr val="accent6">
+                  <a:lumMod val="75000"/>
+                </a:schemeClr>
+              </a:solidFill>
+            </a:ln>
+            <a:effectLst/>
+          </p:spPr>
+          <p:style>
+            <a:lnRef idx="1">
+              <a:schemeClr val="accent1"/>
+            </a:lnRef>
+            <a:fillRef idx="3">
+              <a:schemeClr val="accent1"/>
+            </a:fillRef>
+            <a:effectRef idx="2">
+              <a:schemeClr val="accent1"/>
+            </a:effectRef>
+            <a:fontRef idx="minor">
+              <a:schemeClr val="lt1"/>
+            </a:fontRef>
+          </p:style>
+          <p:txBody>
+            <a:bodyPr rtlCol="0" anchor="ctr"/>
+            <a:lstStyle/>
+            <a:p>
+              <a:pPr algn="ctr"/>
+              <a:r>
+                <a:rPr lang="en-US" dirty="0" smtClean="0">
+                  <a:solidFill>
+                    <a:schemeClr val="tx1"/>
+                  </a:solidFill>
+                </a:rPr>
+                <a:t>5V </a:t>
+              </a:r>
+            </a:p>
+            <a:p>
+              <a:pPr algn="ctr"/>
+              <a:r>
+                <a:rPr lang="en-US" dirty="0" smtClean="0">
+                  <a:solidFill>
+                    <a:schemeClr val="tx1"/>
+                  </a:solidFill>
+                </a:rPr>
+                <a:t>Regulator</a:t>
+              </a:r>
+              <a:endParaRPr lang="en-US" dirty="0">
+                <a:solidFill>
+                  <a:schemeClr val="tx1"/>
+                </a:solidFill>
+              </a:endParaRPr>
+            </a:p>
+          </p:txBody>
+        </p:sp>
+        <p:cxnSp>
+          <p:nvCxnSpPr>
+            <p:cNvPr id="129" name="Straight Arrow Connector 128"/>
+            <p:cNvCxnSpPr>
+              <a:endCxn id="127" idx="3"/>
+            </p:cNvCxnSpPr>
+            <p:nvPr/>
+          </p:nvCxnSpPr>
+          <p:spPr>
+            <a:xfrm flipH="1">
+              <a:off x="5201870" y="2455288"/>
+              <a:ext cx="1026157" cy="0"/>
+            </a:xfrm>
+            <a:prstGeom prst="straightConnector1">
+              <a:avLst/>
+            </a:prstGeom>
+            <a:ln w="19050">
+              <a:solidFill>
+                <a:srgbClr val="C00000"/>
+              </a:solidFill>
+              <a:tailEnd type="triangle" w="lg" len="lg"/>
+            </a:ln>
+            <a:effectLst/>
+          </p:spPr>
+          <p:style>
+            <a:lnRef idx="2">
+              <a:schemeClr val="accent1"/>
+            </a:lnRef>
+            <a:fillRef idx="0">
+              <a:schemeClr val="accent1"/>
+            </a:fillRef>
+            <a:effectRef idx="1">
+              <a:schemeClr val="accent1"/>
+            </a:effectRef>
+            <a:fontRef idx="minor">
+              <a:schemeClr val="tx1"/>
+            </a:fontRef>
+          </p:style>
+        </p:cxnSp>
+        <p:cxnSp>
+          <p:nvCxnSpPr>
+            <p:cNvPr id="132" name="Straight Arrow Connector 131"/>
+            <p:cNvCxnSpPr>
+              <a:stCxn id="127" idx="1"/>
+              <a:endCxn id="88" idx="2"/>
+            </p:cNvCxnSpPr>
+            <p:nvPr/>
+          </p:nvCxnSpPr>
+          <p:spPr>
+            <a:xfrm rot="10800000">
+              <a:off x="2744060" y="2172894"/>
+              <a:ext cx="1187483" cy="282394"/>
+            </a:xfrm>
+            <a:prstGeom prst="bentConnector2">
+              <a:avLst/>
+            </a:prstGeom>
+            <a:ln w="19050">
+              <a:solidFill>
+                <a:srgbClr val="00B050"/>
+              </a:solidFill>
+              <a:tailEnd type="triangle" w="lg" len="lg"/>
+            </a:ln>
+            <a:effectLst/>
+          </p:spPr>
+          <p:style>
+            <a:lnRef idx="2">
+              <a:schemeClr val="accent1"/>
+            </a:lnRef>
+            <a:fillRef idx="0">
+              <a:schemeClr val="accent1"/>
+            </a:fillRef>
+            <a:effectRef idx="1">
+              <a:schemeClr val="accent1"/>
+            </a:effectRef>
+            <a:fontRef idx="minor">
+              <a:schemeClr val="tx1"/>
+            </a:fontRef>
+          </p:style>
+        </p:cxnSp>
+        <p:sp>
+          <p:nvSpPr>
+            <p:cNvPr id="135" name="TextBox 134"/>
+            <p:cNvSpPr txBox="1"/>
+            <p:nvPr/>
+          </p:nvSpPr>
+          <p:spPr>
+            <a:xfrm>
+              <a:off x="6228026" y="3467208"/>
+              <a:ext cx="1109599" cy="276999"/>
+            </a:xfrm>
+            <a:prstGeom prst="rect">
+              <a:avLst/>
+            </a:prstGeom>
+            <a:noFill/>
+          </p:spPr>
+          <p:txBody>
+            <a:bodyPr wrap="none" rtlCol="0">
+              <a:spAutoFit/>
+            </a:bodyPr>
+            <a:lstStyle/>
+            <a:p>
+              <a:r>
+                <a:rPr lang="en-US" sz="1200" b="1" dirty="0" smtClean="0"/>
+                <a:t>14.8 </a:t>
+              </a:r>
+              <a:r>
+                <a:rPr lang="en-US" sz="1200" b="1" dirty="0" smtClean="0"/>
+                <a:t>V , 2-20 A</a:t>
+              </a:r>
+              <a:endParaRPr lang="en-US" sz="1200" b="1" dirty="0"/>
+            </a:p>
+          </p:txBody>
+        </p:sp>
+        <p:sp>
+          <p:nvSpPr>
+            <p:cNvPr id="136" name="TextBox 135"/>
+            <p:cNvSpPr txBox="1"/>
+            <p:nvPr/>
+          </p:nvSpPr>
+          <p:spPr>
+            <a:xfrm>
+              <a:off x="6228029" y="4621102"/>
+              <a:ext cx="588623" cy="276999"/>
+            </a:xfrm>
+            <a:prstGeom prst="rect">
+              <a:avLst/>
+            </a:prstGeom>
+            <a:noFill/>
+          </p:spPr>
+          <p:txBody>
+            <a:bodyPr wrap="none" rtlCol="0">
+              <a:spAutoFit/>
+            </a:bodyPr>
+            <a:lstStyle/>
+            <a:p>
+              <a:r>
+                <a:rPr lang="en-US" sz="1200" b="1" dirty="0" smtClean="0"/>
+                <a:t>14.8 V</a:t>
+              </a:r>
+              <a:endParaRPr lang="en-US" sz="1200" b="1" dirty="0"/>
+            </a:p>
+          </p:txBody>
+        </p:sp>
+        <p:sp>
+          <p:nvSpPr>
+            <p:cNvPr id="138" name="TextBox 137"/>
+            <p:cNvSpPr txBox="1"/>
+            <p:nvPr/>
+          </p:nvSpPr>
+          <p:spPr>
+            <a:xfrm>
+              <a:off x="4371781" y="3000090"/>
+              <a:ext cx="827471" cy="276999"/>
+            </a:xfrm>
+            <a:prstGeom prst="rect">
+              <a:avLst/>
+            </a:prstGeom>
+            <a:noFill/>
+          </p:spPr>
+          <p:txBody>
+            <a:bodyPr wrap="none" rtlCol="0">
+              <a:spAutoFit/>
+            </a:bodyPr>
+            <a:lstStyle/>
+            <a:p>
+              <a:r>
+                <a:rPr lang="en-US" sz="1200" b="1" dirty="0" smtClean="0"/>
+                <a:t>5 </a:t>
+              </a:r>
+              <a:r>
+                <a:rPr lang="en-US" sz="1200" b="1" dirty="0" smtClean="0"/>
+                <a:t>V , 0.3 A</a:t>
+              </a:r>
+              <a:endParaRPr lang="en-US" sz="1200" b="1" dirty="0"/>
+            </a:p>
+          </p:txBody>
+        </p:sp>
+        <p:sp>
+          <p:nvSpPr>
+            <p:cNvPr id="142" name="TextBox 141"/>
+            <p:cNvSpPr txBox="1"/>
+            <p:nvPr/>
+          </p:nvSpPr>
+          <p:spPr>
+            <a:xfrm>
+              <a:off x="3142876" y="2439511"/>
+              <a:ext cx="707245" cy="276999"/>
+            </a:xfrm>
+            <a:prstGeom prst="rect">
+              <a:avLst/>
+            </a:prstGeom>
+            <a:noFill/>
+          </p:spPr>
+          <p:txBody>
+            <a:bodyPr wrap="none" rtlCol="0">
+              <a:spAutoFit/>
+            </a:bodyPr>
+            <a:lstStyle/>
+            <a:p>
+              <a:r>
+                <a:rPr lang="en-US" sz="1200" b="1" dirty="0" smtClean="0"/>
+                <a:t>5 </a:t>
+              </a:r>
+              <a:r>
+                <a:rPr lang="en-US" sz="1200" b="1" dirty="0" smtClean="0"/>
+                <a:t>V , 4 A</a:t>
+              </a:r>
+              <a:endParaRPr lang="en-US" sz="1200" b="1" dirty="0"/>
+            </a:p>
+          </p:txBody>
+        </p:sp>
+        <p:sp>
+          <p:nvSpPr>
+            <p:cNvPr id="143" name="Rounded Rectangle 142"/>
+            <p:cNvSpPr/>
+            <p:nvPr/>
+          </p:nvSpPr>
+          <p:spPr>
+            <a:xfrm>
+              <a:off x="149812" y="1647521"/>
+              <a:ext cx="1431655" cy="525373"/>
+            </a:xfrm>
+            <a:prstGeom prst="roundRect">
+              <a:avLst/>
+            </a:prstGeom>
+            <a:solidFill>
+              <a:schemeClr val="bg1">
+                <a:lumMod val="75000"/>
+              </a:schemeClr>
+            </a:solidFill>
+            <a:ln w="19050">
               <a:solidFill>
                 <a:schemeClr val="tx1"/>
               </a:solidFill>
-            </a:endParaRPr>
-          </a:p>
-        </p:txBody>
-      </p:sp>
-      <p:sp>
-        <p:nvSpPr>
-          <p:cNvPr id="90" name="Rounded Rectangle 89"/>
-          <p:cNvSpPr/>
-          <p:nvPr/>
-        </p:nvSpPr>
-        <p:spPr>
-          <a:xfrm>
-            <a:off x="2028230" y="3964199"/>
-            <a:ext cx="1431655" cy="525373"/>
-          </a:xfrm>
-          <a:prstGeom prst="roundRect">
-            <a:avLst/>
-          </a:prstGeom>
-          <a:solidFill>
-            <a:schemeClr val="bg1">
-              <a:lumMod val="75000"/>
-            </a:schemeClr>
-          </a:solidFill>
-          <a:ln w="19050">
-            <a:solidFill>
-              <a:schemeClr val="tx1"/>
-            </a:solidFill>
-          </a:ln>
-          <a:effectLst/>
-        </p:spPr>
-        <p:style>
-          <a:lnRef idx="1">
-            <a:schemeClr val="accent1"/>
-          </a:lnRef>
-          <a:fillRef idx="3">
-            <a:schemeClr val="accent1"/>
-          </a:fillRef>
-          <a:effectRef idx="2">
-            <a:schemeClr val="accent1"/>
-          </a:effectRef>
-          <a:fontRef idx="minor">
-            <a:schemeClr val="lt1"/>
-          </a:fontRef>
-        </p:style>
-        <p:txBody>
-          <a:bodyPr rtlCol="0" anchor="ctr"/>
-          <a:lstStyle/>
-          <a:p>
-            <a:pPr algn="ctr"/>
-            <a:r>
-              <a:rPr lang="en-US" dirty="0" smtClean="0">
+            </a:ln>
+            <a:effectLst/>
+          </p:spPr>
+          <p:style>
+            <a:lnRef idx="1">
+              <a:schemeClr val="accent1"/>
+            </a:lnRef>
+            <a:fillRef idx="3">
+              <a:schemeClr val="accent1"/>
+            </a:fillRef>
+            <a:effectRef idx="2">
+              <a:schemeClr val="accent1"/>
+            </a:effectRef>
+            <a:fontRef idx="minor">
+              <a:schemeClr val="lt1"/>
+            </a:fontRef>
+          </p:style>
+          <p:txBody>
+            <a:bodyPr rtlCol="0" anchor="ctr"/>
+            <a:lstStyle/>
+            <a:p>
+              <a:pPr algn="ctr"/>
+              <a:r>
+                <a:rPr lang="en-US" dirty="0" smtClean="0">
+                  <a:solidFill>
+                    <a:schemeClr val="tx1"/>
+                  </a:solidFill>
+                </a:rPr>
+                <a:t>WiFi Dongle</a:t>
+              </a:r>
+              <a:endParaRPr lang="en-US" dirty="0">
                 <a:solidFill>
                   <a:schemeClr val="tx1"/>
                 </a:solidFill>
-              </a:rPr>
-              <a:t>Radio Receiver</a:t>
-            </a:r>
-            <a:endParaRPr lang="en-US" dirty="0">
+              </a:endParaRPr>
+            </a:p>
+          </p:txBody>
+        </p:sp>
+        <p:cxnSp>
+          <p:nvCxnSpPr>
+            <p:cNvPr id="146" name="Straight Arrow Connector 145"/>
+            <p:cNvCxnSpPr>
+              <a:stCxn id="88" idx="1"/>
+              <a:endCxn id="143" idx="3"/>
+            </p:cNvCxnSpPr>
+            <p:nvPr/>
+          </p:nvCxnSpPr>
+          <p:spPr>
+            <a:xfrm flipH="1">
+              <a:off x="1581467" y="1910208"/>
+              <a:ext cx="446764" cy="0"/>
+            </a:xfrm>
+            <a:prstGeom prst="straightConnector1">
+              <a:avLst/>
+            </a:prstGeom>
+            <a:ln w="19050">
               <a:solidFill>
-                <a:schemeClr val="tx1"/>
+                <a:srgbClr val="00B050"/>
               </a:solidFill>
-            </a:endParaRPr>
-          </a:p>
-        </p:txBody>
-      </p:sp>
-      <p:sp>
-        <p:nvSpPr>
-          <p:cNvPr id="91" name="Rounded Rectangle 90"/>
-          <p:cNvSpPr/>
-          <p:nvPr/>
-        </p:nvSpPr>
-        <p:spPr>
-          <a:xfrm>
-            <a:off x="5512201" y="2737403"/>
-            <a:ext cx="1431655" cy="525373"/>
-          </a:xfrm>
-          <a:prstGeom prst="roundRect">
-            <a:avLst/>
-          </a:prstGeom>
-          <a:solidFill>
-            <a:schemeClr val="accent6">
-              <a:lumMod val="40000"/>
-              <a:lumOff val="60000"/>
-            </a:schemeClr>
-          </a:solidFill>
-          <a:ln w="19050">
-            <a:solidFill>
-              <a:schemeClr val="accent6">
-                <a:lumMod val="75000"/>
-              </a:schemeClr>
-            </a:solidFill>
-          </a:ln>
-          <a:effectLst/>
-        </p:spPr>
-        <p:style>
-          <a:lnRef idx="1">
-            <a:schemeClr val="accent1"/>
-          </a:lnRef>
-          <a:fillRef idx="3">
-            <a:schemeClr val="accent1"/>
-          </a:fillRef>
-          <a:effectRef idx="2">
-            <a:schemeClr val="accent1"/>
-          </a:effectRef>
-          <a:fontRef idx="minor">
-            <a:schemeClr val="lt1"/>
-          </a:fontRef>
-        </p:style>
-        <p:txBody>
-          <a:bodyPr rtlCol="0" anchor="ctr"/>
-          <a:lstStyle/>
-          <a:p>
-            <a:pPr algn="ctr"/>
-            <a:r>
-              <a:rPr lang="en-US" dirty="0" smtClean="0">
-                <a:solidFill>
-                  <a:schemeClr val="tx1"/>
-                </a:solidFill>
-              </a:rPr>
-              <a:t>Power Distribution</a:t>
-            </a:r>
-            <a:endParaRPr lang="en-US" dirty="0">
-              <a:solidFill>
-                <a:schemeClr val="tx1"/>
-              </a:solidFill>
-            </a:endParaRPr>
-          </a:p>
-        </p:txBody>
-      </p:sp>
-      <p:cxnSp>
-        <p:nvCxnSpPr>
-          <p:cNvPr id="101" name="Straight Arrow Connector 100"/>
-          <p:cNvCxnSpPr>
-            <a:endCxn id="12" idx="1"/>
-          </p:cNvCxnSpPr>
-          <p:nvPr/>
-        </p:nvCxnSpPr>
-        <p:spPr>
-          <a:xfrm>
-            <a:off x="6015369" y="2455148"/>
-            <a:ext cx="1372068" cy="0"/>
-          </a:xfrm>
-          <a:prstGeom prst="straightConnector1">
-            <a:avLst/>
-          </a:prstGeom>
-          <a:ln w="19050">
-            <a:solidFill>
-              <a:srgbClr val="C00000"/>
-            </a:solidFill>
-            <a:tailEnd type="triangle" w="lg" len="lg"/>
-          </a:ln>
-          <a:effectLst/>
-        </p:spPr>
-        <p:style>
-          <a:lnRef idx="2">
-            <a:schemeClr val="accent1"/>
-          </a:lnRef>
-          <a:fillRef idx="0">
-            <a:schemeClr val="accent1"/>
-          </a:fillRef>
-          <a:effectRef idx="1">
-            <a:schemeClr val="accent1"/>
-          </a:effectRef>
-          <a:fontRef idx="minor">
-            <a:schemeClr val="tx1"/>
-          </a:fontRef>
-        </p:style>
-      </p:cxnSp>
-      <p:cxnSp>
-        <p:nvCxnSpPr>
-          <p:cNvPr id="104" name="Straight Arrow Connector 103"/>
-          <p:cNvCxnSpPr>
-            <a:stCxn id="91" idx="2"/>
-            <a:endCxn id="87" idx="0"/>
-          </p:cNvCxnSpPr>
-          <p:nvPr/>
-        </p:nvCxnSpPr>
-        <p:spPr>
-          <a:xfrm>
-            <a:off x="6228029" y="3262776"/>
-            <a:ext cx="0" cy="703292"/>
-          </a:xfrm>
-          <a:prstGeom prst="straightConnector1">
-            <a:avLst/>
-          </a:prstGeom>
-          <a:ln w="19050">
-            <a:solidFill>
-              <a:srgbClr val="C00000"/>
-            </a:solidFill>
-            <a:tailEnd type="triangle" w="lg" len="lg"/>
-          </a:ln>
-          <a:effectLst/>
-        </p:spPr>
-        <p:style>
-          <a:lnRef idx="2">
-            <a:schemeClr val="accent1"/>
-          </a:lnRef>
-          <a:fillRef idx="0">
-            <a:schemeClr val="accent1"/>
-          </a:fillRef>
-          <a:effectRef idx="1">
-            <a:schemeClr val="accent1"/>
-          </a:effectRef>
-          <a:fontRef idx="minor">
-            <a:schemeClr val="tx1"/>
-          </a:fontRef>
-        </p:style>
-      </p:cxnSp>
-      <p:cxnSp>
-        <p:nvCxnSpPr>
-          <p:cNvPr id="109" name="Straight Arrow Connector 108"/>
-          <p:cNvCxnSpPr>
-            <a:stCxn id="87" idx="2"/>
-            <a:endCxn id="14" idx="0"/>
-          </p:cNvCxnSpPr>
-          <p:nvPr/>
-        </p:nvCxnSpPr>
-        <p:spPr>
-          <a:xfrm>
-            <a:off x="6228029" y="4491441"/>
-            <a:ext cx="0" cy="536322"/>
-          </a:xfrm>
-          <a:prstGeom prst="straightConnector1">
-            <a:avLst/>
-          </a:prstGeom>
-          <a:ln w="19050">
-            <a:solidFill>
-              <a:srgbClr val="C00000"/>
-            </a:solidFill>
-            <a:tailEnd type="triangle" w="lg" len="lg"/>
-          </a:ln>
-          <a:effectLst/>
-        </p:spPr>
-        <p:style>
-          <a:lnRef idx="2">
-            <a:schemeClr val="accent1"/>
-          </a:lnRef>
-          <a:fillRef idx="0">
-            <a:schemeClr val="accent1"/>
-          </a:fillRef>
-          <a:effectRef idx="1">
-            <a:schemeClr val="accent1"/>
-          </a:effectRef>
-          <a:fontRef idx="minor">
-            <a:schemeClr val="tx1"/>
-          </a:fontRef>
-        </p:style>
-      </p:cxnSp>
-      <p:cxnSp>
-        <p:nvCxnSpPr>
-          <p:cNvPr id="111" name="Straight Arrow Connector 110"/>
-          <p:cNvCxnSpPr>
-            <a:stCxn id="11" idx="2"/>
-            <a:endCxn id="90" idx="0"/>
-          </p:cNvCxnSpPr>
-          <p:nvPr/>
-        </p:nvCxnSpPr>
-        <p:spPr>
-          <a:xfrm flipH="1">
-            <a:off x="2744058" y="3247218"/>
-            <a:ext cx="1" cy="716981"/>
-          </a:xfrm>
-          <a:prstGeom prst="straightConnector1">
-            <a:avLst/>
-          </a:prstGeom>
-          <a:ln w="19050">
-            <a:solidFill>
-              <a:srgbClr val="00B050"/>
-            </a:solidFill>
-            <a:tailEnd type="triangle" w="lg" len="lg"/>
-          </a:ln>
-          <a:effectLst/>
-        </p:spPr>
-        <p:style>
-          <a:lnRef idx="2">
-            <a:schemeClr val="accent1"/>
-          </a:lnRef>
-          <a:fillRef idx="0">
-            <a:schemeClr val="accent1"/>
-          </a:fillRef>
-          <a:effectRef idx="1">
-            <a:schemeClr val="accent1"/>
-          </a:effectRef>
-          <a:fontRef idx="minor">
-            <a:schemeClr val="tx1"/>
-          </a:fontRef>
-        </p:style>
-      </p:cxnSp>
-      <p:cxnSp>
-        <p:nvCxnSpPr>
-          <p:cNvPr id="120" name="Straight Arrow Connector 119"/>
-          <p:cNvCxnSpPr>
-            <a:stCxn id="88" idx="0"/>
-            <a:endCxn id="89" idx="2"/>
-          </p:cNvCxnSpPr>
-          <p:nvPr/>
-        </p:nvCxnSpPr>
-        <p:spPr>
-          <a:xfrm flipV="1">
-            <a:off x="2744059" y="1159352"/>
-            <a:ext cx="0" cy="488169"/>
-          </a:xfrm>
-          <a:prstGeom prst="straightConnector1">
-            <a:avLst/>
-          </a:prstGeom>
-          <a:ln w="19050">
-            <a:solidFill>
-              <a:srgbClr val="00B050"/>
-            </a:solidFill>
-            <a:tailEnd type="triangle" w="lg" len="lg"/>
-          </a:ln>
-          <a:effectLst/>
-        </p:spPr>
-        <p:style>
-          <a:lnRef idx="2">
-            <a:schemeClr val="accent1"/>
-          </a:lnRef>
-          <a:fillRef idx="0">
-            <a:schemeClr val="accent1"/>
-          </a:fillRef>
-          <a:effectRef idx="1">
-            <a:schemeClr val="accent1"/>
-          </a:effectRef>
-          <a:fontRef idx="minor">
-            <a:schemeClr val="tx1"/>
-          </a:fontRef>
-        </p:style>
-      </p:cxnSp>
-      <p:cxnSp>
-        <p:nvCxnSpPr>
-          <p:cNvPr id="123" name="Straight Arrow Connector 122"/>
-          <p:cNvCxnSpPr>
-            <a:stCxn id="86" idx="2"/>
-            <a:endCxn id="91" idx="0"/>
-          </p:cNvCxnSpPr>
-          <p:nvPr/>
-        </p:nvCxnSpPr>
-        <p:spPr>
-          <a:xfrm>
-            <a:off x="6228028" y="2172893"/>
-            <a:ext cx="1" cy="564510"/>
-          </a:xfrm>
-          <a:prstGeom prst="straightConnector1">
-            <a:avLst/>
-          </a:prstGeom>
-          <a:ln w="19050">
-            <a:solidFill>
-              <a:srgbClr val="C00000"/>
-            </a:solidFill>
-            <a:tailEnd type="triangle" w="lg" len="lg"/>
-          </a:ln>
-          <a:effectLst/>
-        </p:spPr>
-        <p:style>
-          <a:lnRef idx="2">
-            <a:schemeClr val="accent1"/>
-          </a:lnRef>
-          <a:fillRef idx="0">
-            <a:schemeClr val="accent1"/>
-          </a:fillRef>
-          <a:effectRef idx="1">
-            <a:schemeClr val="accent1"/>
-          </a:effectRef>
-          <a:fontRef idx="minor">
-            <a:schemeClr val="tx1"/>
-          </a:fontRef>
-        </p:style>
-      </p:cxnSp>
-      <p:sp>
-        <p:nvSpPr>
-          <p:cNvPr id="127" name="Rounded Rectangle 126"/>
-          <p:cNvSpPr/>
-          <p:nvPr/>
-        </p:nvSpPr>
-        <p:spPr>
-          <a:xfrm>
-            <a:off x="3931542" y="2192601"/>
-            <a:ext cx="1270328" cy="525373"/>
-          </a:xfrm>
-          <a:prstGeom prst="roundRect">
-            <a:avLst/>
-          </a:prstGeom>
-          <a:solidFill>
-            <a:schemeClr val="accent6">
-              <a:lumMod val="40000"/>
-              <a:lumOff val="60000"/>
-            </a:schemeClr>
-          </a:solidFill>
-          <a:ln w="19050">
-            <a:solidFill>
-              <a:schemeClr val="accent6">
-                <a:lumMod val="75000"/>
-              </a:schemeClr>
-            </a:solidFill>
-          </a:ln>
-          <a:effectLst/>
-        </p:spPr>
-        <p:style>
-          <a:lnRef idx="1">
-            <a:schemeClr val="accent1"/>
-          </a:lnRef>
-          <a:fillRef idx="3">
-            <a:schemeClr val="accent1"/>
-          </a:fillRef>
-          <a:effectRef idx="2">
-            <a:schemeClr val="accent1"/>
-          </a:effectRef>
-          <a:fontRef idx="minor">
-            <a:schemeClr val="lt1"/>
-          </a:fontRef>
-        </p:style>
-        <p:txBody>
-          <a:bodyPr rtlCol="0" anchor="ctr"/>
-          <a:lstStyle/>
-          <a:p>
-            <a:pPr algn="ctr"/>
-            <a:r>
-              <a:rPr lang="en-US" dirty="0" smtClean="0">
-                <a:solidFill>
-                  <a:schemeClr val="tx1"/>
-                </a:solidFill>
-              </a:rPr>
-              <a:t>5V </a:t>
-            </a:r>
-          </a:p>
-          <a:p>
-            <a:pPr algn="ctr"/>
-            <a:r>
-              <a:rPr lang="en-US" dirty="0" smtClean="0">
-                <a:solidFill>
-                  <a:schemeClr val="tx1"/>
-                </a:solidFill>
-              </a:rPr>
-              <a:t>Regulator</a:t>
-            </a:r>
-            <a:endParaRPr lang="en-US" dirty="0">
-              <a:solidFill>
-                <a:schemeClr val="tx1"/>
-              </a:solidFill>
-            </a:endParaRPr>
-          </a:p>
-        </p:txBody>
-      </p:sp>
-      <p:cxnSp>
-        <p:nvCxnSpPr>
-          <p:cNvPr id="129" name="Straight Arrow Connector 128"/>
-          <p:cNvCxnSpPr>
-            <a:endCxn id="127" idx="3"/>
-          </p:cNvCxnSpPr>
-          <p:nvPr/>
-        </p:nvCxnSpPr>
-        <p:spPr>
-          <a:xfrm flipH="1">
-            <a:off x="5201870" y="2455288"/>
-            <a:ext cx="1026157" cy="0"/>
-          </a:xfrm>
-          <a:prstGeom prst="straightConnector1">
-            <a:avLst/>
-          </a:prstGeom>
-          <a:ln w="19050">
-            <a:solidFill>
-              <a:srgbClr val="C00000"/>
-            </a:solidFill>
-            <a:tailEnd type="triangle" w="lg" len="lg"/>
-          </a:ln>
-          <a:effectLst/>
-        </p:spPr>
-        <p:style>
-          <a:lnRef idx="2">
-            <a:schemeClr val="accent1"/>
-          </a:lnRef>
-          <a:fillRef idx="0">
-            <a:schemeClr val="accent1"/>
-          </a:fillRef>
-          <a:effectRef idx="1">
-            <a:schemeClr val="accent1"/>
-          </a:effectRef>
-          <a:fontRef idx="minor">
-            <a:schemeClr val="tx1"/>
-          </a:fontRef>
-        </p:style>
-      </p:cxnSp>
-      <p:cxnSp>
-        <p:nvCxnSpPr>
-          <p:cNvPr id="132" name="Straight Arrow Connector 131"/>
-          <p:cNvCxnSpPr>
-            <a:stCxn id="127" idx="1"/>
-            <a:endCxn id="88" idx="2"/>
-          </p:cNvCxnSpPr>
-          <p:nvPr/>
-        </p:nvCxnSpPr>
-        <p:spPr>
-          <a:xfrm rot="10800000">
-            <a:off x="2744060" y="2172894"/>
-            <a:ext cx="1187483" cy="282394"/>
-          </a:xfrm>
-          <a:prstGeom prst="bentConnector2">
-            <a:avLst/>
-          </a:prstGeom>
-          <a:ln w="19050">
-            <a:solidFill>
-              <a:srgbClr val="00B050"/>
-            </a:solidFill>
-            <a:tailEnd type="triangle" w="lg" len="lg"/>
-          </a:ln>
-          <a:effectLst/>
-        </p:spPr>
-        <p:style>
-          <a:lnRef idx="2">
-            <a:schemeClr val="accent1"/>
-          </a:lnRef>
-          <a:fillRef idx="0">
-            <a:schemeClr val="accent1"/>
-          </a:fillRef>
-          <a:effectRef idx="1">
-            <a:schemeClr val="accent1"/>
-          </a:effectRef>
-          <a:fontRef idx="minor">
-            <a:schemeClr val="tx1"/>
-          </a:fontRef>
-        </p:style>
-      </p:cxnSp>
-      <p:sp>
-        <p:nvSpPr>
-          <p:cNvPr id="135" name="TextBox 134"/>
-          <p:cNvSpPr txBox="1"/>
-          <p:nvPr/>
-        </p:nvSpPr>
-        <p:spPr>
-          <a:xfrm>
-            <a:off x="6228026" y="3467208"/>
-            <a:ext cx="1109599" cy="276999"/>
-          </a:xfrm>
-          <a:prstGeom prst="rect">
-            <a:avLst/>
-          </a:prstGeom>
-          <a:noFill/>
-        </p:spPr>
-        <p:txBody>
-          <a:bodyPr wrap="none" rtlCol="0">
-            <a:spAutoFit/>
-          </a:bodyPr>
-          <a:lstStyle/>
-          <a:p>
-            <a:r>
-              <a:rPr lang="en-US" sz="1200" b="1" dirty="0" smtClean="0"/>
-              <a:t>14.8 </a:t>
-            </a:r>
-            <a:r>
-              <a:rPr lang="en-US" sz="1200" b="1" dirty="0" smtClean="0"/>
-              <a:t>V , 2-15 A</a:t>
-            </a:r>
-            <a:endParaRPr lang="en-US" sz="1200" b="1" dirty="0"/>
-          </a:p>
-        </p:txBody>
-      </p:sp>
-      <p:sp>
-        <p:nvSpPr>
-          <p:cNvPr id="136" name="TextBox 135"/>
-          <p:cNvSpPr txBox="1"/>
-          <p:nvPr/>
-        </p:nvSpPr>
-        <p:spPr>
-          <a:xfrm>
-            <a:off x="6228029" y="4621102"/>
-            <a:ext cx="588623" cy="276999"/>
-          </a:xfrm>
-          <a:prstGeom prst="rect">
-            <a:avLst/>
-          </a:prstGeom>
-          <a:noFill/>
-        </p:spPr>
-        <p:txBody>
-          <a:bodyPr wrap="none" rtlCol="0">
-            <a:spAutoFit/>
-          </a:bodyPr>
-          <a:lstStyle/>
-          <a:p>
-            <a:r>
-              <a:rPr lang="en-US" sz="1200" b="1" dirty="0" smtClean="0"/>
-              <a:t>14.8 V</a:t>
-            </a:r>
-            <a:endParaRPr lang="en-US" sz="1200" b="1" dirty="0"/>
-          </a:p>
-        </p:txBody>
-      </p:sp>
-      <p:sp>
-        <p:nvSpPr>
-          <p:cNvPr id="138" name="TextBox 137"/>
-          <p:cNvSpPr txBox="1"/>
-          <p:nvPr/>
-        </p:nvSpPr>
-        <p:spPr>
-          <a:xfrm>
-            <a:off x="4371781" y="3000090"/>
-            <a:ext cx="389850" cy="276999"/>
-          </a:xfrm>
-          <a:prstGeom prst="rect">
-            <a:avLst/>
-          </a:prstGeom>
-          <a:noFill/>
-        </p:spPr>
-        <p:txBody>
-          <a:bodyPr wrap="none" rtlCol="0">
-            <a:spAutoFit/>
-          </a:bodyPr>
-          <a:lstStyle/>
-          <a:p>
-            <a:r>
-              <a:rPr lang="en-US" sz="1200" b="1" dirty="0" smtClean="0"/>
-              <a:t>5 V</a:t>
-            </a:r>
-            <a:endParaRPr lang="en-US" sz="1200" b="1" dirty="0"/>
-          </a:p>
-        </p:txBody>
-      </p:sp>
-      <p:sp>
-        <p:nvSpPr>
-          <p:cNvPr id="140" name="TextBox 139"/>
-          <p:cNvSpPr txBox="1"/>
-          <p:nvPr/>
-        </p:nvSpPr>
-        <p:spPr>
-          <a:xfrm>
-            <a:off x="2691646" y="3475922"/>
-            <a:ext cx="389850" cy="276999"/>
-          </a:xfrm>
-          <a:prstGeom prst="rect">
-            <a:avLst/>
-          </a:prstGeom>
-          <a:noFill/>
-        </p:spPr>
-        <p:txBody>
-          <a:bodyPr wrap="none" rtlCol="0">
-            <a:spAutoFit/>
-          </a:bodyPr>
-          <a:lstStyle/>
-          <a:p>
-            <a:r>
-              <a:rPr lang="en-US" sz="1200" b="1" dirty="0" smtClean="0"/>
-              <a:t>5 V</a:t>
-            </a:r>
-            <a:endParaRPr lang="en-US" sz="1200" b="1" dirty="0"/>
-          </a:p>
-        </p:txBody>
-      </p:sp>
-      <p:sp>
-        <p:nvSpPr>
-          <p:cNvPr id="141" name="TextBox 140"/>
-          <p:cNvSpPr txBox="1"/>
-          <p:nvPr/>
-        </p:nvSpPr>
-        <p:spPr>
-          <a:xfrm>
-            <a:off x="2691646" y="1264936"/>
-            <a:ext cx="389850" cy="276999"/>
-          </a:xfrm>
-          <a:prstGeom prst="rect">
-            <a:avLst/>
-          </a:prstGeom>
-          <a:noFill/>
-        </p:spPr>
-        <p:txBody>
-          <a:bodyPr wrap="none" rtlCol="0">
-            <a:spAutoFit/>
-          </a:bodyPr>
-          <a:lstStyle/>
-          <a:p>
-            <a:r>
-              <a:rPr lang="en-US" sz="1200" b="1" dirty="0" smtClean="0"/>
-              <a:t>5 V</a:t>
-            </a:r>
-            <a:endParaRPr lang="en-US" sz="1200" b="1" dirty="0"/>
-          </a:p>
-        </p:txBody>
-      </p:sp>
-      <p:sp>
-        <p:nvSpPr>
-          <p:cNvPr id="142" name="TextBox 141"/>
-          <p:cNvSpPr txBox="1"/>
-          <p:nvPr/>
-        </p:nvSpPr>
-        <p:spPr>
-          <a:xfrm>
-            <a:off x="3142876" y="2439511"/>
-            <a:ext cx="389850" cy="276999"/>
-          </a:xfrm>
-          <a:prstGeom prst="rect">
-            <a:avLst/>
-          </a:prstGeom>
-          <a:noFill/>
-        </p:spPr>
-        <p:txBody>
-          <a:bodyPr wrap="none" rtlCol="0">
-            <a:spAutoFit/>
-          </a:bodyPr>
-          <a:lstStyle/>
-          <a:p>
-            <a:r>
-              <a:rPr lang="en-US" sz="1200" b="1" dirty="0" smtClean="0"/>
-              <a:t>5 V</a:t>
-            </a:r>
-            <a:endParaRPr lang="en-US" sz="1200" b="1" dirty="0"/>
-          </a:p>
-        </p:txBody>
-      </p:sp>
-      <p:sp>
-        <p:nvSpPr>
-          <p:cNvPr id="143" name="Rounded Rectangle 142"/>
-          <p:cNvSpPr/>
-          <p:nvPr/>
-        </p:nvSpPr>
-        <p:spPr>
-          <a:xfrm>
-            <a:off x="149812" y="1647521"/>
-            <a:ext cx="1431655" cy="525373"/>
-          </a:xfrm>
-          <a:prstGeom prst="roundRect">
-            <a:avLst/>
-          </a:prstGeom>
-          <a:solidFill>
-            <a:schemeClr val="bg1">
-              <a:lumMod val="75000"/>
-            </a:schemeClr>
-          </a:solidFill>
-          <a:ln w="19050">
-            <a:solidFill>
+              <a:tailEnd type="triangle" w="lg" len="lg"/>
+            </a:ln>
+            <a:effectLst/>
+          </p:spPr>
+          <p:style>
+            <a:lnRef idx="2">
+              <a:schemeClr val="accent1"/>
+            </a:lnRef>
+            <a:fillRef idx="0">
+              <a:schemeClr val="accent1"/>
+            </a:fillRef>
+            <a:effectRef idx="1">
+              <a:schemeClr val="accent1"/>
+            </a:effectRef>
+            <a:fontRef idx="minor">
               <a:schemeClr val="tx1"/>
-            </a:solidFill>
-          </a:ln>
-          <a:effectLst/>
-        </p:spPr>
-        <p:style>
-          <a:lnRef idx="1">
-            <a:schemeClr val="accent1"/>
-          </a:lnRef>
-          <a:fillRef idx="3">
-            <a:schemeClr val="accent1"/>
-          </a:fillRef>
-          <a:effectRef idx="2">
-            <a:schemeClr val="accent1"/>
-          </a:effectRef>
-          <a:fontRef idx="minor">
-            <a:schemeClr val="lt1"/>
-          </a:fontRef>
-        </p:style>
-        <p:txBody>
-          <a:bodyPr rtlCol="0" anchor="ctr"/>
-          <a:lstStyle/>
-          <a:p>
-            <a:pPr algn="ctr"/>
-            <a:r>
-              <a:rPr lang="en-US" dirty="0" err="1" smtClean="0">
-                <a:solidFill>
-                  <a:schemeClr val="tx1"/>
-                </a:solidFill>
-              </a:rPr>
-              <a:t>WiFi</a:t>
-            </a:r>
-            <a:r>
-              <a:rPr lang="en-US" dirty="0" smtClean="0">
-                <a:solidFill>
-                  <a:schemeClr val="tx1"/>
-                </a:solidFill>
-              </a:rPr>
-              <a:t> Dongle</a:t>
-            </a:r>
-            <a:endParaRPr lang="en-US" dirty="0">
-              <a:solidFill>
-                <a:schemeClr val="tx1"/>
-              </a:solidFill>
-            </a:endParaRPr>
-          </a:p>
-        </p:txBody>
-      </p:sp>
-      <p:sp>
-        <p:nvSpPr>
-          <p:cNvPr id="144" name="TextBox 143"/>
-          <p:cNvSpPr txBox="1"/>
-          <p:nvPr/>
-        </p:nvSpPr>
-        <p:spPr>
-          <a:xfrm>
-            <a:off x="1630270" y="1895894"/>
-            <a:ext cx="389850" cy="276999"/>
-          </a:xfrm>
-          <a:prstGeom prst="rect">
-            <a:avLst/>
-          </a:prstGeom>
-          <a:noFill/>
-        </p:spPr>
-        <p:txBody>
-          <a:bodyPr wrap="none" rtlCol="0">
-            <a:spAutoFit/>
-          </a:bodyPr>
-          <a:lstStyle/>
-          <a:p>
-            <a:r>
-              <a:rPr lang="en-US" sz="1200" b="1" dirty="0" smtClean="0"/>
-              <a:t>5 V</a:t>
-            </a:r>
-            <a:endParaRPr lang="en-US" sz="1200" b="1" dirty="0"/>
-          </a:p>
-        </p:txBody>
-      </p:sp>
-      <p:cxnSp>
-        <p:nvCxnSpPr>
-          <p:cNvPr id="146" name="Straight Arrow Connector 145"/>
-          <p:cNvCxnSpPr>
-            <a:stCxn id="88" idx="1"/>
-            <a:endCxn id="143" idx="3"/>
-          </p:cNvCxnSpPr>
-          <p:nvPr/>
-        </p:nvCxnSpPr>
-        <p:spPr>
-          <a:xfrm flipH="1">
-            <a:off x="1581467" y="1910208"/>
-            <a:ext cx="446764" cy="0"/>
-          </a:xfrm>
-          <a:prstGeom prst="straightConnector1">
-            <a:avLst/>
-          </a:prstGeom>
-          <a:ln w="19050">
-            <a:solidFill>
-              <a:srgbClr val="00B050"/>
-            </a:solidFill>
-            <a:tailEnd type="triangle" w="lg" len="lg"/>
-          </a:ln>
-          <a:effectLst/>
-        </p:spPr>
-        <p:style>
-          <a:lnRef idx="2">
-            <a:schemeClr val="accent1"/>
-          </a:lnRef>
-          <a:fillRef idx="0">
-            <a:schemeClr val="accent1"/>
-          </a:fillRef>
-          <a:effectRef idx="1">
-            <a:schemeClr val="accent1"/>
-          </a:effectRef>
-          <a:fontRef idx="minor">
-            <a:schemeClr val="tx1"/>
-          </a:fontRef>
-        </p:style>
-      </p:cxnSp>
+            </a:fontRef>
+          </p:style>
+        </p:cxnSp>
+      </p:grpSp>
     </p:spTree>
     <p:extLst>
       <p:ext uri="{BB962C8B-B14F-4D97-AF65-F5344CB8AC3E}">
@@ -9601,7 +9522,7 @@
           <a:p>
             <a:pPr algn="ctr"/>
             <a:r>
-              <a:rPr lang="en-US" dirty="0" err="1" smtClean="0">
+              <a:rPr lang="en-US" dirty="0" smtClean="0">
                 <a:solidFill>
                   <a:schemeClr val="tx1"/>
                 </a:solidFill>
@@ -9845,7 +9766,7 @@
           <a:p>
             <a:pPr algn="ctr"/>
             <a:r>
-              <a:rPr lang="en-US" dirty="0" err="1" smtClean="0">
+              <a:rPr lang="en-US" dirty="0" smtClean="0">
                 <a:solidFill>
                   <a:schemeClr val="tx1"/>
                 </a:solidFill>
@@ -10027,20 +9948,12 @@
           <a:p>
             <a:pPr algn="ctr"/>
             <a:r>
-              <a:rPr lang="en-US" dirty="0" err="1" smtClean="0">
-                <a:solidFill>
-                  <a:schemeClr val="tx1"/>
-                </a:solidFill>
-              </a:rPr>
-              <a:t>WiFi</a:t>
-            </a:r>
-            <a:r>
               <a:rPr lang="en-US" dirty="0" smtClean="0">
                 <a:solidFill>
                   <a:schemeClr val="tx1"/>
                 </a:solidFill>
               </a:rPr>
-              <a:t> Dongle</a:t>
+              <a:t>WiFi Dongle</a:t>
             </a:r>
             <a:endParaRPr lang="en-US" dirty="0">
               <a:solidFill>
@@ -10603,12 +10516,8 @@
             <a:p>
               <a:pPr algn="ctr"/>
               <a:r>
-                <a:rPr lang="en-US" dirty="0" err="1" smtClean="0"/>
-                <a:t>Pixhawk</a:t>
-              </a:r>
-              <a:r>
                 <a:rPr lang="en-US" dirty="0" smtClean="0"/>
-                <a:t> with PX4 Firmware</a:t>
+                <a:t>Pixhawk with PX4 Firmware</a:t>
               </a:r>
               <a:endParaRPr lang="en-US" dirty="0"/>
             </a:p>
@@ -10949,12 +10858,8 @@
             <a:p>
               <a:pPr algn="ctr"/>
               <a:r>
-                <a:rPr lang="en-US" dirty="0" err="1" smtClean="0"/>
-                <a:t>FLiR</a:t>
-              </a:r>
-              <a:r>
                 <a:rPr lang="en-US" dirty="0" smtClean="0"/>
-                <a:t> Sensor</a:t>
+                <a:t>FLiR Sensor</a:t>
               </a:r>
               <a:endParaRPr lang="en-US" dirty="0"/>
             </a:p>
@@ -11871,12 +11776,8 @@
             <a:p>
               <a:pPr algn="ctr"/>
               <a:r>
-                <a:rPr lang="en-US" dirty="0" err="1" smtClean="0"/>
-                <a:t>WiFi</a:t>
-              </a:r>
-              <a:r>
                 <a:rPr lang="en-US" dirty="0" smtClean="0"/>
-                <a:t> Adapter</a:t>
+                <a:t>WiFi Adapter</a:t>
               </a:r>
               <a:endParaRPr lang="en-US" dirty="0"/>
             </a:p>
@@ -11951,6 +11852,132 @@
           <a:chExt cx="0" cy="0"/>
         </a:xfrm>
       </p:grpSpPr>
+      <p:sp>
+        <p:nvSpPr>
+          <p:cNvPr id="47" name="TextBox 46"/>
+          <p:cNvSpPr txBox="1"/>
+          <p:nvPr/>
+        </p:nvSpPr>
+        <p:spPr>
+          <a:xfrm>
+            <a:off x="2255573" y="3049881"/>
+            <a:ext cx="1116011" cy="738664"/>
+          </a:xfrm>
+          <a:prstGeom prst="rect">
+            <a:avLst/>
+          </a:prstGeom>
+          <a:noFill/>
+        </p:spPr>
+        <p:txBody>
+          <a:bodyPr wrap="none" rtlCol="0">
+            <a:spAutoFit/>
+          </a:bodyPr>
+          <a:lstStyle/>
+          <a:p>
+            <a:pPr algn="ctr"/>
+            <a:r>
+              <a:rPr lang="en-US" sz="1400" b="1" dirty="0" smtClean="0"/>
+              <a:t>USB 2.0 (#1</a:t>
+            </a:r>
+            <a:r>
+              <a:rPr lang="en-US" sz="1400" b="1" dirty="0" smtClean="0"/>
+              <a:t>)</a:t>
+            </a:r>
+          </a:p>
+          <a:p>
+            <a:pPr algn="ctr"/>
+            <a:r>
+              <a:rPr lang="en-US" sz="1400" b="1" dirty="0" smtClean="0"/>
+              <a:t>(Position</a:t>
+            </a:r>
+          </a:p>
+          <a:p>
+            <a:pPr algn="ctr"/>
+            <a:r>
+              <a:rPr lang="en-US" sz="1400" b="1" dirty="0" smtClean="0"/>
+              <a:t> Commands)</a:t>
+            </a:r>
+            <a:endParaRPr lang="en-US" sz="1400" b="1" dirty="0"/>
+          </a:p>
+        </p:txBody>
+      </p:sp>
+      <p:cxnSp>
+        <p:nvCxnSpPr>
+          <p:cNvPr id="23" name="Straight Connector 22"/>
+          <p:cNvCxnSpPr>
+            <a:stCxn id="20" idx="3"/>
+            <a:endCxn id="1026" idx="1"/>
+          </p:cNvCxnSpPr>
+          <p:nvPr/>
+        </p:nvCxnSpPr>
+        <p:spPr>
+          <a:xfrm flipV="1">
+            <a:off x="942322" y="5921368"/>
+            <a:ext cx="592251" cy="212"/>
+          </a:xfrm>
+          <a:prstGeom prst="line">
+            <a:avLst/>
+          </a:prstGeom>
+          <a:ln>
+            <a:solidFill>
+              <a:srgbClr val="FF0000"/>
+            </a:solidFill>
+          </a:ln>
+          <a:effectLst/>
+        </p:spPr>
+        <p:style>
+          <a:lnRef idx="2">
+            <a:schemeClr val="accent1"/>
+          </a:lnRef>
+          <a:fillRef idx="0">
+            <a:schemeClr val="accent1"/>
+          </a:fillRef>
+          <a:effectRef idx="1">
+            <a:schemeClr val="accent1"/>
+          </a:effectRef>
+          <a:fontRef idx="minor">
+            <a:schemeClr val="tx1"/>
+          </a:fontRef>
+        </p:style>
+      </p:cxnSp>
+      <p:cxnSp>
+        <p:nvCxnSpPr>
+          <p:cNvPr id="45" name="Straight Connector 44"/>
+          <p:cNvCxnSpPr>
+            <a:endCxn id="18" idx="1"/>
+          </p:cNvCxnSpPr>
+          <p:nvPr/>
+        </p:nvCxnSpPr>
+        <p:spPr>
+          <a:xfrm>
+            <a:off x="3083444" y="5929959"/>
+            <a:ext cx="627318" cy="0"/>
+          </a:xfrm>
+          <a:prstGeom prst="line">
+            <a:avLst/>
+          </a:prstGeom>
+          <a:ln>
+            <a:solidFill>
+              <a:srgbClr val="FF0000"/>
+            </a:solidFill>
+          </a:ln>
+          <a:effectLst/>
+        </p:spPr>
+        <p:style>
+          <a:lnRef idx="2">
+            <a:schemeClr val="accent1"/>
+          </a:lnRef>
+          <a:fillRef idx="0">
+            <a:schemeClr val="accent1"/>
+          </a:fillRef>
+          <a:effectRef idx="1">
+            <a:schemeClr val="accent1"/>
+          </a:effectRef>
+          <a:fontRef idx="minor">
+            <a:schemeClr val="tx1"/>
+          </a:fontRef>
+        </p:style>
+      </p:cxnSp>
       <p:pic>
         <p:nvPicPr>
           <p:cNvPr id="1026" name="Picture 2" descr="C:\Users\Tyler\Desktop\FlyNet Stuff\PD board.jpg"/>
@@ -11974,8 +12001,8 @@
         </p:blipFill>
         <p:spPr bwMode="auto">
           <a:xfrm>
-            <a:off x="1130670" y="5136880"/>
-            <a:ext cx="2146800" cy="1573053"/>
+            <a:off x="1534573" y="5305987"/>
+            <a:ext cx="1679664" cy="1230762"/>
           </a:xfrm>
           <a:prstGeom prst="rect">
             <a:avLst/>
@@ -12070,12 +12097,8 @@
             <a:p>
               <a:pPr algn="ctr"/>
               <a:r>
-                <a:rPr lang="en-US" dirty="0" err="1" smtClean="0"/>
-                <a:t>Pixhawk</a:t>
-              </a:r>
-              <a:r>
                 <a:rPr lang="en-US" dirty="0" smtClean="0"/>
-                <a:t> with PX4 Firmware</a:t>
+                <a:t>Pixhawk with PX4 Firmware</a:t>
               </a:r>
               <a:endParaRPr lang="en-US" dirty="0"/>
             </a:p>
@@ -12328,12 +12351,8 @@
             <a:p>
               <a:pPr algn="ctr"/>
               <a:r>
-                <a:rPr lang="en-US" dirty="0" err="1" smtClean="0"/>
-                <a:t>FLiR</a:t>
-              </a:r>
-              <a:r>
                 <a:rPr lang="en-US" dirty="0" smtClean="0"/>
-                <a:t> Sensor</a:t>
+                <a:t>FLiR Sensor</a:t>
               </a:r>
               <a:endParaRPr lang="en-US" dirty="0"/>
             </a:p>
@@ -12470,9 +12489,13 @@
             <a:pPr algn="ctr"/>
             <a:r>
               <a:rPr lang="en-US" dirty="0" smtClean="0"/>
-              <a:t>Battery</a:t>
-            </a:r>
-            <a:endParaRPr lang="en-US" dirty="0" smtClean="0"/>
+              <a:t>Battery </a:t>
+            </a:r>
+            <a:r>
+              <a:rPr lang="en-US" sz="1400" dirty="0" smtClean="0"/>
+              <a:t>(14.8V)</a:t>
+            </a:r>
+            <a:endParaRPr lang="en-US" sz="1400" dirty="0" smtClean="0"/>
           </a:p>
         </p:txBody>
       </p:sp>
@@ -12484,8 +12507,8 @@
         </p:nvSpPr>
         <p:spPr>
           <a:xfrm>
-            <a:off x="42580" y="5630313"/>
-            <a:ext cx="899742" cy="586185"/>
+            <a:off x="42580" y="5598414"/>
+            <a:ext cx="899742" cy="646331"/>
           </a:xfrm>
           <a:prstGeom prst="rect">
             <a:avLst/>
@@ -12519,50 +12542,16 @@
             <a:pPr algn="ctr"/>
             <a:r>
               <a:rPr lang="en-US" dirty="0" smtClean="0"/>
-              <a:t>ESC/ Motor</a:t>
-            </a:r>
+              <a:t>ESC/ </a:t>
+            </a:r>
+            <a:r>
+              <a:rPr lang="en-US" dirty="0" smtClean="0"/>
+              <a:t>Motor</a:t>
+            </a:r>
+            <a:endParaRPr lang="en-US" sz="1400" dirty="0" smtClean="0"/>
           </a:p>
         </p:txBody>
       </p:sp>
-      <p:cxnSp>
-        <p:nvCxnSpPr>
-          <p:cNvPr id="23" name="Straight Connector 22"/>
-          <p:cNvCxnSpPr>
-            <a:stCxn id="20" idx="3"/>
-            <a:endCxn id="1026" idx="1"/>
-          </p:cNvCxnSpPr>
-          <p:nvPr/>
-        </p:nvCxnSpPr>
-        <p:spPr>
-          <a:xfrm>
-            <a:off x="942322" y="5923406"/>
-            <a:ext cx="188348" cy="1"/>
-          </a:xfrm>
-          <a:prstGeom prst="line">
-            <a:avLst/>
-          </a:prstGeom>
-          <a:ln>
-            <a:solidFill>
-              <a:srgbClr val="FF0000"/>
-            </a:solidFill>
-          </a:ln>
-          <a:effectLst/>
-        </p:spPr>
-        <p:style>
-          <a:lnRef idx="2">
-            <a:schemeClr val="accent1"/>
-          </a:lnRef>
-          <a:fillRef idx="0">
-            <a:schemeClr val="accent1"/>
-          </a:fillRef>
-          <a:effectRef idx="1">
-            <a:schemeClr val="accent1"/>
-          </a:effectRef>
-          <a:fontRef idx="minor">
-            <a:schemeClr val="tx1"/>
-          </a:fontRef>
-        </p:style>
-      </p:cxnSp>
       <p:cxnSp>
         <p:nvCxnSpPr>
           <p:cNvPr id="27" name="Straight Connector 26"/>
@@ -12572,9 +12561,9 @@
           <p:nvPr/>
         </p:nvCxnSpPr>
         <p:spPr>
-          <a:xfrm flipV="1">
-            <a:off x="5255847" y="5912777"/>
-            <a:ext cx="2065473" cy="17182"/>
+          <a:xfrm>
+            <a:off x="5255847" y="5929959"/>
+            <a:ext cx="1587560" cy="0"/>
           </a:xfrm>
           <a:prstGeom prst="line">
             <a:avLst/>
@@ -12609,7 +12598,7 @@
         </p:nvGrpSpPr>
         <p:grpSpPr>
           <a:xfrm>
-            <a:off x="6843407" y="4898424"/>
+            <a:off x="6843407" y="4857166"/>
             <a:ext cx="2203113" cy="1698853"/>
             <a:chOff x="6646835" y="919979"/>
             <a:chExt cx="2514600" cy="1939045"/>
@@ -12756,57 +12745,14 @@
             <a:p>
               <a:pPr algn="ctr"/>
               <a:r>
-                <a:rPr lang="en-US" dirty="0" err="1" smtClean="0"/>
-                <a:t>WiFi</a:t>
-              </a:r>
-              <a:r>
                 <a:rPr lang="en-US" dirty="0" smtClean="0"/>
-                <a:t> Adapter</a:t>
+                <a:t>WiFi Adapter</a:t>
               </a:r>
               <a:endParaRPr lang="en-US" dirty="0"/>
             </a:p>
           </p:txBody>
         </p:sp>
       </p:grpSp>
-      <p:cxnSp>
-        <p:nvCxnSpPr>
-          <p:cNvPr id="45" name="Straight Connector 44"/>
-          <p:cNvCxnSpPr>
-            <a:stCxn id="1026" idx="3"/>
-            <a:endCxn id="18" idx="1"/>
-          </p:cNvCxnSpPr>
-          <p:nvPr/>
-        </p:nvCxnSpPr>
-        <p:spPr>
-          <a:xfrm>
-            <a:off x="3277470" y="5923407"/>
-            <a:ext cx="433292" cy="6552"/>
-          </a:xfrm>
-          <a:prstGeom prst="line">
-            <a:avLst/>
-          </a:prstGeom>
-          <a:ln>
-            <a:solidFill>
-              <a:srgbClr val="FF0000"/>
-            </a:solidFill>
-          </a:ln>
-          <a:effectLst/>
-        </p:spPr>
-        <p:style>
-          <a:lnRef idx="2">
-            <a:schemeClr val="accent1"/>
-          </a:lnRef>
-          <a:fillRef idx="0">
-            <a:schemeClr val="accent1"/>
-          </a:fillRef>
-          <a:effectRef idx="1">
-            <a:schemeClr val="accent1"/>
-          </a:effectRef>
-          <a:fontRef idx="minor">
-            <a:schemeClr val="tx1"/>
-          </a:fontRef>
-        </p:style>
-      </p:cxnSp>
       <p:cxnSp>
         <p:nvCxnSpPr>
           <p:cNvPr id="50" name="Straight Connector 49"/>
@@ -12900,6 +12846,8 @@
             <a:solidFill>
               <a:srgbClr val="00B0F0"/>
             </a:solidFill>
+            <a:headEnd type="arrow" w="med" len="med"/>
+            <a:tailEnd type="arrow" w="med" len="med"/>
           </a:ln>
           <a:effectLst/>
         </p:spPr>
@@ -12922,15 +12870,14 @@
         <p:nvCxnSpPr>
           <p:cNvPr id="61" name="Straight Connector 60"/>
           <p:cNvCxnSpPr>
-            <a:stCxn id="1026" idx="0"/>
-            <a:endCxn id="11" idx="2"/>
+            <a:stCxn id="20" idx="0"/>
           </p:cNvCxnSpPr>
           <p:nvPr/>
         </p:nvCxnSpPr>
         <p:spPr>
-          <a:xfrm rot="16200000" flipV="1">
-            <a:off x="1637209" y="4570019"/>
-            <a:ext cx="591212" cy="542510"/>
+          <a:xfrm rot="5400000" flipH="1" flipV="1">
+            <a:off x="491780" y="4555619"/>
+            <a:ext cx="1043467" cy="1042124"/>
           </a:xfrm>
           <a:prstGeom prst="bentConnector3">
             <a:avLst>
@@ -12939,8 +12886,13 @@
           </a:prstGeom>
           <a:ln>
             <a:solidFill>
-              <a:srgbClr val="FF0000"/>
-            </a:solidFill>
+              <a:schemeClr val="tx2">
+                <a:lumMod val="40000"/>
+                <a:lumOff val="60000"/>
+              </a:schemeClr>
+            </a:solidFill>
+            <a:headEnd type="arrow" w="med" len="med"/>
+            <a:tailEnd type="none" w="med" len="med"/>
           </a:ln>
           <a:effectLst/>
         </p:spPr>
@@ -12977,6 +12929,8 @@
             <a:solidFill>
               <a:srgbClr val="00B0F0"/>
             </a:solidFill>
+            <a:headEnd type="arrow" w="med" len="med"/>
+            <a:tailEnd type="arrow" w="med" len="med"/>
           </a:ln>
           <a:effectLst/>
         </p:spPr>
@@ -13016,6 +12970,8 @@
                 <a:lumOff val="40000"/>
               </a:schemeClr>
             </a:solidFill>
+            <a:headEnd type="arrow" w="med" len="med"/>
+            <a:tailEnd type="arrow" w="med" len="med"/>
           </a:ln>
           <a:effectLst/>
         </p:spPr>
@@ -13055,6 +13011,8 @@
                 <a:lumOff val="40000"/>
               </a:schemeClr>
             </a:solidFill>
+            <a:headEnd type="arrow" w="med" len="med"/>
+            <a:tailEnd type="arrow" w="med" len="med"/>
           </a:ln>
           <a:effectLst/>
         </p:spPr>
@@ -13096,6 +13054,8 @@
                 <a:lumOff val="40000"/>
               </a:schemeClr>
             </a:solidFill>
+            <a:headEnd type="arrow" w="med" len="med"/>
+            <a:tailEnd type="arrow" w="med" len="med"/>
           </a:ln>
           <a:effectLst/>
         </p:spPr>
@@ -13207,6 +13167,8 @@
                 <a:lumOff val="40000"/>
               </a:schemeClr>
             </a:solidFill>
+            <a:headEnd type="arrow" w="med" len="med"/>
+            <a:tailEnd type="arrow" w="med" len="med"/>
           </a:ln>
           <a:effectLst/>
         </p:spPr>
@@ -13435,8 +13397,8 @@
         </p:nvSpPr>
         <p:spPr>
           <a:xfrm>
-            <a:off x="5578399" y="5163343"/>
-            <a:ext cx="1091966" cy="307777"/>
+            <a:off x="4855753" y="5183373"/>
+            <a:ext cx="2064796" cy="523220"/>
           </a:xfrm>
           <a:prstGeom prst="rect">
             <a:avLst/>
@@ -13449,13 +13411,29 @@
           </a:bodyPr>
           <a:lstStyle/>
           <a:p>
+            <a:pPr algn="ctr"/>
             <a:r>
               <a:rPr lang="en-US" sz="1400" b="1" dirty="0" smtClean="0"/>
-              <a:t>USB </a:t>
+              <a:t>USB 2.0 (#2</a:t>
             </a:r>
             <a:r>
               <a:rPr lang="en-US" sz="1400" b="1" dirty="0" smtClean="0"/>
-              <a:t>2.0 (#2)</a:t>
+              <a:t>)</a:t>
+            </a:r>
+          </a:p>
+          <a:p>
+            <a:pPr algn="ctr"/>
+            <a:r>
+              <a:rPr lang="en-US" sz="1400" b="1" dirty="0" smtClean="0"/>
+              <a:t>(</a:t>
+            </a:r>
+            <a:r>
+              <a:rPr lang="en-US" sz="1400" b="1" dirty="0" err="1" smtClean="0"/>
+              <a:t>odometry</a:t>
+            </a:r>
+            <a:r>
+              <a:rPr lang="en-US" sz="1400" b="1" dirty="0" smtClean="0"/>
+              <a:t> &amp; BW images)</a:t>
             </a:r>
             <a:endParaRPr lang="en-US" sz="1400" b="1" dirty="0"/>
           </a:p>
@@ -13463,14 +13441,14 @@
       </p:sp>
       <p:sp>
         <p:nvSpPr>
-          <p:cNvPr id="47" name="TextBox 46"/>
+          <p:cNvPr id="49" name="TextBox 48"/>
           <p:cNvSpPr txBox="1"/>
           <p:nvPr/>
         </p:nvSpPr>
         <p:spPr>
           <a:xfrm>
-            <a:off x="2298105" y="3060514"/>
-            <a:ext cx="1091966" cy="307777"/>
+            <a:off x="417475" y="1667102"/>
+            <a:ext cx="999248" cy="523220"/>
           </a:xfrm>
           <a:prstGeom prst="rect">
             <a:avLst/>
@@ -13483,18 +13461,89 @@
           </a:bodyPr>
           <a:lstStyle/>
           <a:p>
+            <a:pPr algn="r"/>
             <a:r>
               <a:rPr lang="en-US" sz="1400" b="1" dirty="0" smtClean="0"/>
-              <a:t>USB </a:t>
-            </a:r>
+              <a:t>UART</a:t>
+            </a:r>
+          </a:p>
+          <a:p>
+            <a:pPr algn="r"/>
             <a:r>
               <a:rPr lang="en-US" sz="1400" b="1" dirty="0" smtClean="0"/>
-              <a:t>2.0 (#1)</a:t>
+              <a:t>(RC inputs)</a:t>
             </a:r>
             <a:endParaRPr lang="en-US" sz="1400" b="1" dirty="0"/>
           </a:p>
         </p:txBody>
       </p:sp>
+      <p:sp>
+        <p:nvSpPr>
+          <p:cNvPr id="51" name="TextBox 50"/>
+          <p:cNvSpPr txBox="1"/>
+          <p:nvPr/>
+        </p:nvSpPr>
+        <p:spPr>
+          <a:xfrm>
+            <a:off x="442170" y="4771939"/>
+            <a:ext cx="1157689" cy="307777"/>
+          </a:xfrm>
+          <a:prstGeom prst="rect">
+            <a:avLst/>
+          </a:prstGeom>
+          <a:noFill/>
+        </p:spPr>
+        <p:txBody>
+          <a:bodyPr wrap="none" rtlCol="0">
+            <a:spAutoFit/>
+          </a:bodyPr>
+          <a:lstStyle/>
+          <a:p>
+            <a:pPr algn="ctr"/>
+            <a:r>
+              <a:rPr lang="en-US" sz="1400" b="1" dirty="0" smtClean="0"/>
+              <a:t>PWM Signals</a:t>
+            </a:r>
+            <a:endParaRPr lang="en-US" sz="1400" b="1" dirty="0"/>
+          </a:p>
+        </p:txBody>
+      </p:sp>
+      <p:cxnSp>
+        <p:nvCxnSpPr>
+          <p:cNvPr id="62" name="Straight Connector 61"/>
+          <p:cNvCxnSpPr/>
+          <p:nvPr/>
+        </p:nvCxnSpPr>
+        <p:spPr>
+          <a:xfrm flipV="1">
+            <a:off x="2250344" y="4545669"/>
+            <a:ext cx="0" cy="760318"/>
+          </a:xfrm>
+          <a:prstGeom prst="line">
+            <a:avLst/>
+          </a:prstGeom>
+          <a:ln>
+            <a:solidFill>
+              <a:srgbClr val="FF0000"/>
+            </a:solidFill>
+          </a:ln>
+          <a:effectLst/>
+        </p:spPr>
+        <p:style>
+          <a:lnRef idx="2">
+            <a:schemeClr val="accent1"/>
+          </a:lnRef>
+          <a:fillRef idx="0">
+            <a:schemeClr val="accent1"/>
+          </a:fillRef>
+          <a:effectRef idx="1">
+            <a:schemeClr val="accent1"/>
+          </a:effectRef>
+          <a:fontRef idx="minor">
+            <a:schemeClr val="tx1"/>
+          </a:fontRef>
+        </p:style>
+      </p:cxnSp>
     </p:spTree>
     <p:extLst>
       <p:ext uri="{BB962C8B-B14F-4D97-AF65-F5344CB8AC3E}">
@@ -14172,11 +14221,7 @@
             <a:pPr algn="ctr"/>
             <a:r>
               <a:rPr lang="en-US" sz="1600" dirty="0" smtClean="0"/>
-              <a:t>SSH via </a:t>
-            </a:r>
-            <a:r>
-              <a:rPr lang="en-US" sz="1600" dirty="0" err="1" smtClean="0"/>
-              <a:t>WiFi</a:t>
+              <a:t>SSH via WiFi</a:t>
             </a:r>
             <a:endParaRPr lang="en-US" sz="1600" dirty="0"/>
           </a:p>
@@ -14288,7 +14333,7 @@
             <a:p>
               <a:pPr algn="ctr"/>
               <a:r>
-                <a:rPr lang="en-US" b="1" dirty="0" err="1" smtClean="0"/>
+                <a:rPr lang="en-US" b="1" dirty="0" smtClean="0"/>
                 <a:t>Pixhawk</a:t>
               </a:r>
               <a:r>
@@ -14496,12 +14541,8 @@
             <a:p>
               <a:pPr algn="ctr"/>
               <a:r>
-                <a:rPr lang="en-US" b="1" dirty="0" err="1" smtClean="0"/>
-                <a:t>FLiR</a:t>
-              </a:r>
-              <a:r>
                 <a:rPr lang="en-US" b="1" dirty="0" smtClean="0"/>
-                <a:t> Sensor</a:t>
+                <a:t>FLiR Sensor</a:t>
               </a:r>
               <a:endParaRPr lang="en-US" b="1" dirty="0"/>
             </a:p>

--- a/Presentations/frew_approved_block_diagrams.pptx
+++ b/Presentations/frew_approved_block_diagrams.pptx
@@ -197,7 +197,7 @@
           <a:p>
             <a:fld id="{4A080564-0BB4-C74D-B7AF-329E8F37804D}" type="datetimeFigureOut">
               <a:rPr lang="en-US" smtClean="0"/>
-              <a:t>12/1/2015</a:t>
+              <a:t>12/3/2015</a:t>
             </a:fld>
             <a:endParaRPr lang="en-US"/>
           </a:p>
@@ -898,7 +898,7 @@
           <a:p>
             <a:fld id="{3BBED690-81D0-0D43-8915-1586A19F50EB}" type="datetimeFigureOut">
               <a:rPr lang="en-US" smtClean="0"/>
-              <a:t>12/1/2015</a:t>
+              <a:t>12/3/2015</a:t>
             </a:fld>
             <a:endParaRPr lang="en-US"/>
           </a:p>
@@ -1068,7 +1068,7 @@
           <a:p>
             <a:fld id="{3BBED690-81D0-0D43-8915-1586A19F50EB}" type="datetimeFigureOut">
               <a:rPr lang="en-US" smtClean="0"/>
-              <a:t>12/1/2015</a:t>
+              <a:t>12/3/2015</a:t>
             </a:fld>
             <a:endParaRPr lang="en-US"/>
           </a:p>
@@ -1248,7 +1248,7 @@
           <a:p>
             <a:fld id="{3BBED690-81D0-0D43-8915-1586A19F50EB}" type="datetimeFigureOut">
               <a:rPr lang="en-US" smtClean="0"/>
-              <a:t>12/1/2015</a:t>
+              <a:t>12/3/2015</a:t>
             </a:fld>
             <a:endParaRPr lang="en-US"/>
           </a:p>
@@ -1418,7 +1418,7 @@
           <a:p>
             <a:fld id="{3BBED690-81D0-0D43-8915-1586A19F50EB}" type="datetimeFigureOut">
               <a:rPr lang="en-US" smtClean="0"/>
-              <a:t>12/1/2015</a:t>
+              <a:t>12/3/2015</a:t>
             </a:fld>
             <a:endParaRPr lang="en-US"/>
           </a:p>
@@ -1664,7 +1664,7 @@
           <a:p>
             <a:fld id="{3BBED690-81D0-0D43-8915-1586A19F50EB}" type="datetimeFigureOut">
               <a:rPr lang="en-US" smtClean="0"/>
-              <a:t>12/1/2015</a:t>
+              <a:t>12/3/2015</a:t>
             </a:fld>
             <a:endParaRPr lang="en-US"/>
           </a:p>
@@ -1952,7 +1952,7 @@
           <a:p>
             <a:fld id="{3BBED690-81D0-0D43-8915-1586A19F50EB}" type="datetimeFigureOut">
               <a:rPr lang="en-US" smtClean="0"/>
-              <a:t>12/1/2015</a:t>
+              <a:t>12/3/2015</a:t>
             </a:fld>
             <a:endParaRPr lang="en-US"/>
           </a:p>
@@ -2374,7 +2374,7 @@
           <a:p>
             <a:fld id="{3BBED690-81D0-0D43-8915-1586A19F50EB}" type="datetimeFigureOut">
               <a:rPr lang="en-US" smtClean="0"/>
-              <a:t>12/1/2015</a:t>
+              <a:t>12/3/2015</a:t>
             </a:fld>
             <a:endParaRPr lang="en-US"/>
           </a:p>
@@ -2492,7 +2492,7 @@
           <a:p>
             <a:fld id="{3BBED690-81D0-0D43-8915-1586A19F50EB}" type="datetimeFigureOut">
               <a:rPr lang="en-US" smtClean="0"/>
-              <a:t>12/1/2015</a:t>
+              <a:t>12/3/2015</a:t>
             </a:fld>
             <a:endParaRPr lang="en-US"/>
           </a:p>
@@ -2587,7 +2587,7 @@
           <a:p>
             <a:fld id="{3BBED690-81D0-0D43-8915-1586A19F50EB}" type="datetimeFigureOut">
               <a:rPr lang="en-US" smtClean="0"/>
-              <a:t>12/1/2015</a:t>
+              <a:t>12/3/2015</a:t>
             </a:fld>
             <a:endParaRPr lang="en-US"/>
           </a:p>
@@ -2864,7 +2864,7 @@
           <a:p>
             <a:fld id="{3BBED690-81D0-0D43-8915-1586A19F50EB}" type="datetimeFigureOut">
               <a:rPr lang="en-US" smtClean="0"/>
-              <a:t>12/1/2015</a:t>
+              <a:t>12/3/2015</a:t>
             </a:fld>
             <a:endParaRPr lang="en-US"/>
           </a:p>
@@ -3117,7 +3117,7 @@
           <a:p>
             <a:fld id="{3BBED690-81D0-0D43-8915-1586A19F50EB}" type="datetimeFigureOut">
               <a:rPr lang="en-US" smtClean="0"/>
-              <a:t>12/1/2015</a:t>
+              <a:t>12/3/2015</a:t>
             </a:fld>
             <a:endParaRPr lang="en-US"/>
           </a:p>
@@ -3330,7 +3330,7 @@
           <a:p>
             <a:fld id="{3BBED690-81D0-0D43-8915-1586A19F50EB}" type="datetimeFigureOut">
               <a:rPr lang="en-US" smtClean="0"/>
-              <a:t>12/1/2015</a:t>
+              <a:t>12/3/2015</a:t>
             </a:fld>
             <a:endParaRPr lang="en-US"/>
           </a:p>
@@ -8432,11 +8432,7 @@
             <a:p>
               <a:r>
                 <a:rPr lang="en-US" sz="1200" b="1" dirty="0" smtClean="0"/>
-                <a:t>14.8 </a:t>
-              </a:r>
-              <a:r>
-                <a:rPr lang="en-US" sz="1200" b="1" dirty="0" smtClean="0"/>
-                <a:t>V , .81 A</a:t>
+                <a:t>14.8 V , .81 A</a:t>
               </a:r>
               <a:endParaRPr lang="en-US" sz="1200" b="1" dirty="0"/>
             </a:p>
@@ -9229,11 +9225,7 @@
             <a:p>
               <a:r>
                 <a:rPr lang="en-US" sz="1200" b="1" dirty="0" smtClean="0"/>
-                <a:t>14.8 </a:t>
-              </a:r>
-              <a:r>
-                <a:rPr lang="en-US" sz="1200" b="1" dirty="0" smtClean="0"/>
-                <a:t>V , 2-20 A</a:t>
+                <a:t>14.8 V , 2-20 A</a:t>
               </a:r>
               <a:endParaRPr lang="en-US" sz="1200" b="1" dirty="0"/>
             </a:p>
@@ -9293,11 +9285,7 @@
             <a:p>
               <a:r>
                 <a:rPr lang="en-US" sz="1200" b="1" dirty="0" smtClean="0"/>
-                <a:t>5 </a:t>
-              </a:r>
-              <a:r>
-                <a:rPr lang="en-US" sz="1200" b="1" dirty="0" smtClean="0"/>
-                <a:t>V , 0.3 A</a:t>
+                <a:t>5 V , 0.3 A</a:t>
               </a:r>
               <a:endParaRPr lang="en-US" sz="1200" b="1" dirty="0"/>
             </a:p>
@@ -9327,11 +9315,7 @@
             <a:p>
               <a:r>
                 <a:rPr lang="en-US" sz="1200" b="1" dirty="0" smtClean="0"/>
-                <a:t>5 </a:t>
-              </a:r>
-              <a:r>
-                <a:rPr lang="en-US" sz="1200" b="1" dirty="0" smtClean="0"/>
-                <a:t>V , 4 A</a:t>
+                <a:t>5 V , 4 A</a:t>
               </a:r>
               <a:endParaRPr lang="en-US" sz="1200" b="1" dirty="0"/>
             </a:p>
@@ -11877,11 +11861,7 @@
             <a:pPr algn="ctr"/>
             <a:r>
               <a:rPr lang="en-US" sz="1400" b="1" dirty="0" smtClean="0"/>
-              <a:t>USB 2.0 (#1</a:t>
-            </a:r>
-            <a:r>
-              <a:rPr lang="en-US" sz="1400" b="1" dirty="0" smtClean="0"/>
-              <a:t>)</a:t>
+              <a:t>USB 2.0 (#1)</a:t>
             </a:r>
           </a:p>
           <a:p>
@@ -12495,7 +12475,6 @@
               <a:rPr lang="en-US" sz="1400" dirty="0" smtClean="0"/>
               <a:t>(14.8V)</a:t>
             </a:r>
-            <a:endParaRPr lang="en-US" sz="1400" dirty="0" smtClean="0"/>
           </a:p>
         </p:txBody>
       </p:sp>
@@ -12542,11 +12521,7 @@
             <a:pPr algn="ctr"/>
             <a:r>
               <a:rPr lang="en-US" dirty="0" smtClean="0"/>
-              <a:t>ESC/ </a:t>
-            </a:r>
-            <a:r>
-              <a:rPr lang="en-US" dirty="0" smtClean="0"/>
-              <a:t>Motor</a:t>
+              <a:t>ESC/ Motor</a:t>
             </a:r>
             <a:endParaRPr lang="en-US" sz="1400" dirty="0" smtClean="0"/>
           </a:p>
@@ -13414,11 +13389,7 @@
             <a:pPr algn="ctr"/>
             <a:r>
               <a:rPr lang="en-US" sz="1400" b="1" dirty="0" smtClean="0"/>
-              <a:t>USB 2.0 (#2</a:t>
-            </a:r>
-            <a:r>
-              <a:rPr lang="en-US" sz="1400" b="1" dirty="0" smtClean="0"/>
-              <a:t>)</a:t>
+              <a:t>USB 2.0 (#2)</a:t>
             </a:r>
           </a:p>
           <a:p>
@@ -14136,9 +14107,9 @@
           <a:prstGeom prst="bentConnector2">
             <a:avLst/>
           </a:prstGeom>
-          <a:ln>
-            <a:solidFill>
-              <a:srgbClr val="008000"/>
+          <a:ln w="38100">
+            <a:solidFill>
+              <a:schemeClr val="tx1"/>
             </a:solidFill>
             <a:tailEnd type="arrow"/>
           </a:ln>
@@ -14222,74 +14193,6 @@
             <a:r>
               <a:rPr lang="en-US" sz="1600" dirty="0" smtClean="0"/>
               <a:t>SSH via WiFi</a:t>
-            </a:r>
-            <a:endParaRPr lang="en-US" sz="1600" dirty="0"/>
-          </a:p>
-        </p:txBody>
-      </p:sp>
-      <p:cxnSp>
-        <p:nvCxnSpPr>
-          <p:cNvPr id="161" name="Straight Arrow Connector 160"/>
-          <p:cNvCxnSpPr/>
-          <p:nvPr/>
-        </p:nvCxnSpPr>
-        <p:spPr>
-          <a:xfrm>
-            <a:off x="2404385" y="3171699"/>
-            <a:ext cx="1304127" cy="239956"/>
-          </a:xfrm>
-          <a:prstGeom prst="bentConnector2">
-            <a:avLst/>
-          </a:prstGeom>
-          <a:ln>
-            <a:solidFill>
-              <a:srgbClr val="008000"/>
-            </a:solidFill>
-            <a:headEnd type="arrow"/>
-            <a:tailEnd type="arrow"/>
-          </a:ln>
-          <a:effectLst/>
-        </p:spPr>
-        <p:style>
-          <a:lnRef idx="2">
-            <a:schemeClr val="accent1"/>
-          </a:lnRef>
-          <a:fillRef idx="0">
-            <a:schemeClr val="accent1"/>
-          </a:fillRef>
-          <a:effectRef idx="1">
-            <a:schemeClr val="accent1"/>
-          </a:effectRef>
-          <a:fontRef idx="minor">
-            <a:schemeClr val="tx1"/>
-          </a:fontRef>
-        </p:style>
-      </p:cxnSp>
-      <p:sp>
-        <p:nvSpPr>
-          <p:cNvPr id="162" name="TextBox 161"/>
-          <p:cNvSpPr txBox="1"/>
-          <p:nvPr/>
-        </p:nvSpPr>
-        <p:spPr>
-          <a:xfrm>
-            <a:off x="2756643" y="2806570"/>
-            <a:ext cx="526206" cy="338554"/>
-          </a:xfrm>
-          <a:prstGeom prst="rect">
-            <a:avLst/>
-          </a:prstGeom>
-          <a:noFill/>
-        </p:spPr>
-        <p:txBody>
-          <a:bodyPr wrap="none" rtlCol="0">
-            <a:spAutoFit/>
-          </a:bodyPr>
-          <a:lstStyle/>
-          <a:p>
-            <a:r>
-              <a:rPr lang="en-US" sz="1600" dirty="0" smtClean="0"/>
-              <a:t>ROS</a:t>
             </a:r>
             <a:endParaRPr lang="en-US" sz="1600" dirty="0"/>
           </a:p>
@@ -14666,7 +14569,7 @@
         </p:nvSpPr>
         <p:spPr>
           <a:xfrm>
-            <a:off x="4604026" y="4321209"/>
+            <a:off x="4604026" y="4395640"/>
             <a:ext cx="1400416" cy="338554"/>
           </a:xfrm>
           <a:prstGeom prst="rect">
@@ -14683,7 +14586,69 @@
             <a:pPr algn="ctr"/>
             <a:r>
               <a:rPr lang="en-US" sz="1600" dirty="0" smtClean="0"/>
-              <a:t>UART Cable</a:t>
+              <a:t>USB</a:t>
+            </a:r>
+            <a:endParaRPr lang="en-US" sz="1600" dirty="0"/>
+          </a:p>
+        </p:txBody>
+      </p:sp>
+      <p:sp>
+        <p:nvSpPr>
+          <p:cNvPr id="33" name="TextBox 32"/>
+          <p:cNvSpPr txBox="1"/>
+          <p:nvPr/>
+        </p:nvSpPr>
+        <p:spPr>
+          <a:xfrm>
+            <a:off x="3862428" y="2085065"/>
+            <a:ext cx="1400416" cy="338554"/>
+          </a:xfrm>
+          <a:prstGeom prst="rect">
+            <a:avLst/>
+          </a:prstGeom>
+          <a:noFill/>
+        </p:spPr>
+        <p:txBody>
+          <a:bodyPr wrap="square" rtlCol="0">
+            <a:spAutoFit/>
+          </a:bodyPr>
+          <a:lstStyle/>
+          <a:p>
+            <a:pPr algn="ctr"/>
+            <a:r>
+              <a:rPr lang="en-US" sz="1600" dirty="0" smtClean="0"/>
+              <a:t>USB</a:t>
+            </a:r>
+            <a:endParaRPr lang="en-US" sz="1600" dirty="0"/>
+          </a:p>
+        </p:txBody>
+      </p:sp>
+      <p:sp>
+        <p:nvSpPr>
+          <p:cNvPr id="34" name="TextBox 33"/>
+          <p:cNvSpPr txBox="1"/>
+          <p:nvPr/>
+        </p:nvSpPr>
+        <p:spPr>
+          <a:xfrm>
+            <a:off x="2541675" y="6188041"/>
+            <a:ext cx="1400416" cy="338554"/>
+          </a:xfrm>
+          <a:prstGeom prst="rect">
+            <a:avLst/>
+          </a:prstGeom>
+          <a:noFill/>
+        </p:spPr>
+        <p:txBody>
+          <a:bodyPr wrap="square" rtlCol="0">
+            <a:spAutoFit/>
+          </a:bodyPr>
+          <a:lstStyle/>
+          <a:p>
+            <a:pPr algn="ctr"/>
+            <a:r>
+              <a:rPr lang="en-US" sz="1600" dirty="0" smtClean="0"/>
+              <a:t>I2C &amp; SPI</a:t>
             </a:r>
             <a:endParaRPr lang="en-US" sz="1600" dirty="0"/>
           </a:p>
